--- a/SEMESTER-III/ECE 661/Home Automation using Servo motor, LCD,.pptx
+++ b/SEMESTER-III/ECE 661/Home Automation using Servo motor, LCD,.pptx
@@ -10,9 +10,13 @@
     <p:sldId id="256" r:id="rId4"/>
     <p:sldId id="262" r:id="rId5"/>
     <p:sldId id="257" r:id="rId6"/>
-    <p:sldId id="258" r:id="rId7"/>
-    <p:sldId id="259" r:id="rId8"/>
-    <p:sldId id="260" r:id="rId9"/>
+    <p:sldId id="267" r:id="rId7"/>
+    <p:sldId id="258" r:id="rId8"/>
+    <p:sldId id="259" r:id="rId9"/>
+    <p:sldId id="260" r:id="rId10"/>
+    <p:sldId id="264" r:id="rId11"/>
+    <p:sldId id="266" r:id="rId12"/>
+    <p:sldId id="265" r:id="rId13"/>
   </p:sldIdLst>
   <p:sldSz cx="12192000" cy="6858000"/>
   <p:notesSz cx="6858000" cy="9144000"/>
@@ -4395,7 +4399,7 @@
           <a:p>
             <a:fld id="{5079BBC0-A5A8-4409-BC0D-8A61A5849F1A}" type="datetimeFigureOut">
               <a:rPr lang="en-IN" smtClean="0"/>
-              <a:t>01-11-2023</a:t>
+              <a:t>02-11-2023</a:t>
             </a:fld>
             <a:endParaRPr lang="en-IN"/>
           </a:p>
@@ -4662,7 +4666,7 @@
           <a:p>
             <a:fld id="{5079BBC0-A5A8-4409-BC0D-8A61A5849F1A}" type="datetimeFigureOut">
               <a:rPr lang="en-IN" smtClean="0"/>
-              <a:t>01-11-2023</a:t>
+              <a:t>02-11-2023</a:t>
             </a:fld>
             <a:endParaRPr lang="en-IN"/>
           </a:p>
@@ -4858,7 +4862,7 @@
           <a:p>
             <a:fld id="{5079BBC0-A5A8-4409-BC0D-8A61A5849F1A}" type="datetimeFigureOut">
               <a:rPr lang="en-IN" smtClean="0"/>
-              <a:t>01-11-2023</a:t>
+              <a:t>02-11-2023</a:t>
             </a:fld>
             <a:endParaRPr lang="en-IN"/>
           </a:p>
@@ -5121,7 +5125,7 @@
           <a:p>
             <a:fld id="{5079BBC0-A5A8-4409-BC0D-8A61A5849F1A}" type="datetimeFigureOut">
               <a:rPr lang="en-IN" smtClean="0"/>
-              <a:t>01-11-2023</a:t>
+              <a:t>02-11-2023</a:t>
             </a:fld>
             <a:endParaRPr lang="en-IN"/>
           </a:p>
@@ -5555,7 +5559,7 @@
           <a:p>
             <a:fld id="{5079BBC0-A5A8-4409-BC0D-8A61A5849F1A}" type="datetimeFigureOut">
               <a:rPr lang="en-IN" smtClean="0"/>
-              <a:t>01-11-2023</a:t>
+              <a:t>02-11-2023</a:t>
             </a:fld>
             <a:endParaRPr lang="en-IN"/>
           </a:p>
@@ -6101,7 +6105,7 @@
           <a:p>
             <a:fld id="{5079BBC0-A5A8-4409-BC0D-8A61A5849F1A}" type="datetimeFigureOut">
               <a:rPr lang="en-IN" smtClean="0"/>
-              <a:t>01-11-2023</a:t>
+              <a:t>02-11-2023</a:t>
             </a:fld>
             <a:endParaRPr lang="en-IN"/>
           </a:p>
@@ -6821,7 +6825,7 @@
           <a:p>
             <a:fld id="{5079BBC0-A5A8-4409-BC0D-8A61A5849F1A}" type="datetimeFigureOut">
               <a:rPr lang="en-IN" smtClean="0"/>
-              <a:t>01-11-2023</a:t>
+              <a:t>02-11-2023</a:t>
             </a:fld>
             <a:endParaRPr lang="en-IN"/>
           </a:p>
@@ -6991,7 +6995,7 @@
           <a:p>
             <a:fld id="{5079BBC0-A5A8-4409-BC0D-8A61A5849F1A}" type="datetimeFigureOut">
               <a:rPr lang="en-IN" smtClean="0"/>
-              <a:t>01-11-2023</a:t>
+              <a:t>02-11-2023</a:t>
             </a:fld>
             <a:endParaRPr lang="en-IN"/>
           </a:p>
@@ -7171,7 +7175,7 @@
           <a:p>
             <a:fld id="{5079BBC0-A5A8-4409-BC0D-8A61A5849F1A}" type="datetimeFigureOut">
               <a:rPr lang="en-IN" smtClean="0"/>
-              <a:t>01-11-2023</a:t>
+              <a:t>02-11-2023</a:t>
             </a:fld>
             <a:endParaRPr lang="en-IN"/>
           </a:p>
@@ -7341,7 +7345,7 @@
           <a:p>
             <a:fld id="{5079BBC0-A5A8-4409-BC0D-8A61A5849F1A}" type="datetimeFigureOut">
               <a:rPr lang="en-IN" smtClean="0"/>
-              <a:t>01-11-2023</a:t>
+              <a:t>02-11-2023</a:t>
             </a:fld>
             <a:endParaRPr lang="en-IN"/>
           </a:p>
@@ -7591,7 +7595,7 @@
           <a:p>
             <a:fld id="{5079BBC0-A5A8-4409-BC0D-8A61A5849F1A}" type="datetimeFigureOut">
               <a:rPr lang="en-IN" smtClean="0"/>
-              <a:t>01-11-2023</a:t>
+              <a:t>02-11-2023</a:t>
             </a:fld>
             <a:endParaRPr lang="en-IN"/>
           </a:p>
@@ -7823,7 +7827,7 @@
           <a:p>
             <a:fld id="{5079BBC0-A5A8-4409-BC0D-8A61A5849F1A}" type="datetimeFigureOut">
               <a:rPr lang="en-IN" smtClean="0"/>
-              <a:t>01-11-2023</a:t>
+              <a:t>02-11-2023</a:t>
             </a:fld>
             <a:endParaRPr lang="en-IN"/>
           </a:p>
@@ -8204,7 +8208,7 @@
           <a:p>
             <a:fld id="{5079BBC0-A5A8-4409-BC0D-8A61A5849F1A}" type="datetimeFigureOut">
               <a:rPr lang="en-IN" smtClean="0"/>
-              <a:t>01-11-2023</a:t>
+              <a:t>02-11-2023</a:t>
             </a:fld>
             <a:endParaRPr lang="en-IN"/>
           </a:p>
@@ -8322,7 +8326,7 @@
           <a:p>
             <a:fld id="{5079BBC0-A5A8-4409-BC0D-8A61A5849F1A}" type="datetimeFigureOut">
               <a:rPr lang="en-IN" smtClean="0"/>
-              <a:t>01-11-2023</a:t>
+              <a:t>02-11-2023</a:t>
             </a:fld>
             <a:endParaRPr lang="en-IN"/>
           </a:p>
@@ -8417,7 +8421,7 @@
           <a:p>
             <a:fld id="{5079BBC0-A5A8-4409-BC0D-8A61A5849F1A}" type="datetimeFigureOut">
               <a:rPr lang="en-IN" smtClean="0"/>
-              <a:t>01-11-2023</a:t>
+              <a:t>02-11-2023</a:t>
             </a:fld>
             <a:endParaRPr lang="en-IN"/>
           </a:p>
@@ -8666,7 +8670,7 @@
           <a:p>
             <a:fld id="{5079BBC0-A5A8-4409-BC0D-8A61A5849F1A}" type="datetimeFigureOut">
               <a:rPr lang="en-IN" smtClean="0"/>
-              <a:t>01-11-2023</a:t>
+              <a:t>02-11-2023</a:t>
             </a:fld>
             <a:endParaRPr lang="en-IN"/>
           </a:p>
@@ -8946,7 +8950,7 @@
           <a:p>
             <a:fld id="{5079BBC0-A5A8-4409-BC0D-8A61A5849F1A}" type="datetimeFigureOut">
               <a:rPr lang="en-IN" smtClean="0"/>
-              <a:t>01-11-2023</a:t>
+              <a:t>02-11-2023</a:t>
             </a:fld>
             <a:endParaRPr lang="en-IN"/>
           </a:p>
@@ -12023,7 +12027,7 @@
           <a:p>
             <a:fld id="{5079BBC0-A5A8-4409-BC0D-8A61A5849F1A}" type="datetimeFigureOut">
               <a:rPr lang="en-IN" smtClean="0"/>
-              <a:t>01-11-2023</a:t>
+              <a:t>02-11-2023</a:t>
             </a:fld>
             <a:endParaRPr lang="en-IN"/>
           </a:p>
@@ -12631,7 +12635,7 @@
               </a:lnSpc>
             </a:pPr>
             <a:r>
-              <a:rPr lang="en-IN" sz="3200" b="1" dirty="0">
+              <a:rPr lang="en-IN" sz="3200" b="1">
                 <a:solidFill>
                   <a:srgbClr val="FF0000"/>
                 </a:solidFill>
@@ -12644,28 +12648,28 @@
           <a:p>
             <a:pPr algn="ctr"/>
             <a:r>
-              <a:rPr lang="en-IN" sz="2800" dirty="0" err="1">
+              <a:rPr lang="en-IN" sz="2800">
                 <a:latin typeface="Cambria" panose="02040503050406030204" pitchFamily="18" charset="0"/>
                 <a:ea typeface="Cambria" panose="02040503050406030204" pitchFamily="18" charset="0"/>
               </a:rPr>
-              <a:t>Dr.</a:t>
+              <a:t>Dr. Shakti Raj Chopra Sir </a:t>
+            </a:r>
+          </a:p>
+          <a:p>
+            <a:pPr algn="ctr"/>
+            <a:r>
+              <a:rPr lang="en-IN" sz="2800">
+                <a:latin typeface="Cambria" panose="02040503050406030204" pitchFamily="18" charset="0"/>
+                <a:ea typeface="Cambria" panose="02040503050406030204" pitchFamily="18" charset="0"/>
+              </a:rPr>
+              <a:t>(</a:t>
             </a:r>
             <a:r>
               <a:rPr lang="en-IN" sz="2800" dirty="0">
                 <a:latin typeface="Cambria" panose="02040503050406030204" pitchFamily="18" charset="0"/>
                 <a:ea typeface="Cambria" panose="02040503050406030204" pitchFamily="18" charset="0"/>
               </a:rPr>
-              <a:t> Shakti Raj Chopra Sir </a:t>
-            </a:r>
-          </a:p>
-          <a:p>
-            <a:pPr algn="ctr"/>
-            <a:r>
-              <a:rPr lang="en-IN" sz="2800" dirty="0">
-                <a:latin typeface="Cambria" panose="02040503050406030204" pitchFamily="18" charset="0"/>
-                <a:ea typeface="Cambria" panose="02040503050406030204" pitchFamily="18" charset="0"/>
-              </a:rPr>
-              <a:t>(Assistant Professor)</a:t>
+              <a:t>Assistant Professor)</a:t>
             </a:r>
           </a:p>
           <a:p>
@@ -12684,6 +12688,3925 @@
     <p:extLst>
       <p:ext uri="{BB962C8B-B14F-4D97-AF65-F5344CB8AC3E}">
         <p14:creationId xmlns:p14="http://schemas.microsoft.com/office/powerpoint/2010/main" val="3234328920"/>
+      </p:ext>
+    </p:extLst>
+  </p:cSld>
+  <p:clrMapOvr>
+    <a:masterClrMapping/>
+  </p:clrMapOvr>
+</p:sld>
+</file>
+
+<file path=ppt/slides/slide10.xml><?xml version="1.0" encoding="utf-8"?>
+<p:sld xmlns:a="http://schemas.openxmlformats.org/drawingml/2006/main" xmlns:r="http://schemas.openxmlformats.org/officeDocument/2006/relationships" xmlns:p="http://schemas.openxmlformats.org/presentationml/2006/main">
+  <p:cSld>
+    <p:bg>
+      <p:bgPr>
+        <a:blipFill>
+          <a:blip r:embed="rId2">
+            <a:duotone>
+              <a:schemeClr val="bg2">
+                <a:shade val="88000"/>
+                <a:hueMod val="106000"/>
+                <a:satMod val="140000"/>
+                <a:lumMod val="54000"/>
+              </a:schemeClr>
+              <a:schemeClr val="bg2">
+                <a:tint val="98000"/>
+                <a:hueMod val="90000"/>
+                <a:satMod val="150000"/>
+                <a:lumMod val="160000"/>
+              </a:schemeClr>
+            </a:duotone>
+          </a:blip>
+          <a:stretch/>
+        </a:blipFill>
+        <a:effectLst/>
+      </p:bgPr>
+    </p:bg>
+    <p:spTree>
+      <p:nvGrpSpPr>
+        <p:cNvPr id="1" name=""/>
+        <p:cNvGrpSpPr/>
+        <p:nvPr/>
+      </p:nvGrpSpPr>
+      <p:grpSpPr>
+        <a:xfrm>
+          <a:off x="0" y="0"/>
+          <a:ext cx="0" cy="0"/>
+          <a:chOff x="0" y="0"/>
+          <a:chExt cx="0" cy="0"/>
+        </a:xfrm>
+      </p:grpSpPr>
+      <p:pic>
+        <p:nvPicPr>
+          <p:cNvPr id="8" name="Picture 2">
+            <a:extLst>
+              <a:ext uri="{FF2B5EF4-FFF2-40B4-BE49-F238E27FC236}">
+                <a16:creationId xmlns:a16="http://schemas.microsoft.com/office/drawing/2014/main" id="{E3E5A37D-F1C4-4145-9085-A0A5A9951D84}"/>
+              </a:ext>
+              <a:ext uri="{C183D7F6-B498-43B3-948B-1728B52AA6E4}">
+                <adec:decorative xmlns:adec="http://schemas.microsoft.com/office/drawing/2017/decorative" val="1"/>
+              </a:ext>
+            </a:extLst>
+          </p:cNvPr>
+          <p:cNvPicPr>
+            <a:picLocks noGrp="1" noRot="1" noChangeAspect="1" noMove="1" noResize="1" noEditPoints="1" noAdjustHandles="1" noChangeArrowheads="1" noChangeShapeType="1" noCrop="1"/>
+          </p:cNvPicPr>
+          <p:nvPr>
+            <p:extLst>
+              <p:ext uri="{386F3935-93C4-4BCD-93E2-E3B085C9AB24}">
+                <p16:designElem xmlns:p16="http://schemas.microsoft.com/office/powerpoint/2015/main" val="1"/>
+              </p:ext>
+            </p:extLst>
+          </p:nvPr>
+        </p:nvPicPr>
+        <p:blipFill>
+          <a:blip r:embed="rId3">
+            <a:alphaModFix amt="30000"/>
+            <a:extLst>
+              <a:ext uri="{28A0092B-C50C-407E-A947-70E740481C1C}">
+                <a14:useLocalDpi xmlns:a14="http://schemas.microsoft.com/office/drawing/2010/main" val="0"/>
+              </a:ext>
+            </a:extLst>
+          </a:blip>
+          <a:srcRect/>
+          <a:stretch>
+            <a:fillRect/>
+          </a:stretch>
+        </p:blipFill>
+        <p:spPr bwMode="auto">
+          <a:xfrm>
+            <a:off x="0" y="0"/>
+            <a:ext cx="12192003" cy="6858001"/>
+          </a:xfrm>
+          <a:prstGeom prst="rect">
+            <a:avLst/>
+          </a:prstGeom>
+          <a:noFill/>
+          <a:extLst>
+            <a:ext uri="{909E8E84-426E-40dd-AFC4-6F175D3DCCD1}">
+              <a14:hiddenFill xmlns="" xmlns:a16="http://schemas.microsoft.com/office/drawing/2014/main" xmlns:p14="http://schemas.microsoft.com/office/powerpoint/2010/main" xmlns:a14="http://schemas.microsoft.com/office/drawing/2010/main">
+                <a:solidFill>
+                  <a:srgbClr val="FFFFFF"/>
+                </a:solidFill>
+              </a14:hiddenFill>
+            </a:ext>
+          </a:extLst>
+        </p:spPr>
+      </p:pic>
+      <p:sp useBgFill="1">
+        <p:nvSpPr>
+          <p:cNvPr id="10" name="Rectangle 9">
+            <a:extLst>
+              <a:ext uri="{FF2B5EF4-FFF2-40B4-BE49-F238E27FC236}">
+                <a16:creationId xmlns:a16="http://schemas.microsoft.com/office/drawing/2014/main" id="{392C7167-368D-444E-9E47-2E8891515B25}"/>
+              </a:ext>
+              <a:ext uri="{C183D7F6-B498-43B3-948B-1728B52AA6E4}">
+                <adec:decorative xmlns:adec="http://schemas.microsoft.com/office/drawing/2017/decorative" val="1"/>
+              </a:ext>
+            </a:extLst>
+          </p:cNvPr>
+          <p:cNvSpPr>
+            <a:spLocks noGrp="1" noRot="1" noChangeAspect="1" noMove="1" noResize="1" noEditPoints="1" noAdjustHandles="1" noChangeArrowheads="1" noChangeShapeType="1" noTextEdit="1"/>
+          </p:cNvSpPr>
+          <p:nvPr>
+            <p:extLst>
+              <p:ext uri="{386F3935-93C4-4BCD-93E2-E3B085C9AB24}">
+                <p16:designElem xmlns:p16="http://schemas.microsoft.com/office/powerpoint/2015/main" val="1"/>
+              </p:ext>
+            </p:extLst>
+          </p:nvPr>
+        </p:nvSpPr>
+        <p:spPr>
+          <a:xfrm>
+            <a:off x="0" y="0"/>
+            <a:ext cx="12192000" cy="6858000"/>
+          </a:xfrm>
+          <a:prstGeom prst="rect">
+            <a:avLst/>
+          </a:prstGeom>
+          <a:ln>
+            <a:noFill/>
+          </a:ln>
+        </p:spPr>
+        <p:style>
+          <a:lnRef idx="2">
+            <a:schemeClr val="accent1">
+              <a:shade val="50000"/>
+            </a:schemeClr>
+          </a:lnRef>
+          <a:fillRef idx="1">
+            <a:schemeClr val="accent1"/>
+          </a:fillRef>
+          <a:effectRef idx="0">
+            <a:schemeClr val="accent1"/>
+          </a:effectRef>
+          <a:fontRef idx="minor">
+            <a:schemeClr val="lt1"/>
+          </a:fontRef>
+        </p:style>
+        <p:txBody>
+          <a:bodyPr rtlCol="0" anchor="ctr"/>
+          <a:lstStyle/>
+          <a:p>
+            <a:pPr algn="ctr"/>
+            <a:endParaRPr lang="en-US"/>
+          </a:p>
+        </p:txBody>
+      </p:sp>
+      <p:sp>
+        <p:nvSpPr>
+          <p:cNvPr id="12" name="Round Diagonal Corner Rectangle 6">
+            <a:extLst>
+              <a:ext uri="{FF2B5EF4-FFF2-40B4-BE49-F238E27FC236}">
+                <a16:creationId xmlns:a16="http://schemas.microsoft.com/office/drawing/2014/main" id="{F2748E73-80C5-425F-913B-7742A712C5B3}"/>
+              </a:ext>
+              <a:ext uri="{C183D7F6-B498-43B3-948B-1728B52AA6E4}">
+                <adec:decorative xmlns:adec="http://schemas.microsoft.com/office/drawing/2017/decorative" val="1"/>
+              </a:ext>
+            </a:extLst>
+          </p:cNvPr>
+          <p:cNvSpPr>
+            <a:spLocks noGrp="1" noRot="1" noChangeAspect="1" noMove="1" noResize="1" noEditPoints="1" noAdjustHandles="1" noChangeArrowheads="1" noChangeShapeType="1" noTextEdit="1"/>
+          </p:cNvSpPr>
+          <p:nvPr>
+            <p:extLst>
+              <p:ext uri="{386F3935-93C4-4BCD-93E2-E3B085C9AB24}">
+                <p16:designElem xmlns:p16="http://schemas.microsoft.com/office/powerpoint/2015/main" val="1"/>
+              </p:ext>
+            </p:extLst>
+          </p:nvPr>
+        </p:nvSpPr>
+        <p:spPr>
+          <a:xfrm>
+            <a:off x="2011680" y="808057"/>
+            <a:ext cx="9370695" cy="5234394"/>
+          </a:xfrm>
+          <a:prstGeom prst="round2DiagRect">
+            <a:avLst>
+              <a:gd name="adj1" fmla="val 6185"/>
+              <a:gd name="adj2" fmla="val 0"/>
+            </a:avLst>
+          </a:prstGeom>
+          <a:solidFill>
+            <a:srgbClr val="FFFFFF"/>
+          </a:solidFill>
+          <a:ln w="19050" cap="sq">
+            <a:solidFill>
+              <a:schemeClr val="tx2">
+                <a:lumMod val="60000"/>
+                <a:lumOff val="40000"/>
+                <a:alpha val="60000"/>
+              </a:schemeClr>
+            </a:solidFill>
+            <a:miter lim="800000"/>
+          </a:ln>
+          <a:effectLst>
+            <a:outerShdw blurRad="88900" dist="38100" dir="5400000" algn="t" rotWithShape="0">
+              <a:prstClr val="black">
+                <a:alpha val="40000"/>
+              </a:prstClr>
+            </a:outerShdw>
+          </a:effectLst>
+        </p:spPr>
+        <p:style>
+          <a:lnRef idx="2">
+            <a:schemeClr val="accent1">
+              <a:shade val="50000"/>
+            </a:schemeClr>
+          </a:lnRef>
+          <a:fillRef idx="1">
+            <a:schemeClr val="accent1"/>
+          </a:fillRef>
+          <a:effectRef idx="0">
+            <a:schemeClr val="accent1"/>
+          </a:effectRef>
+          <a:fontRef idx="minor">
+            <a:schemeClr val="lt1"/>
+          </a:fontRef>
+        </p:style>
+        <p:txBody>
+          <a:bodyPr rtlCol="0" anchor="ctr"/>
+          <a:lstStyle/>
+          <a:p>
+            <a:pPr algn="ctr"/>
+            <a:endParaRPr lang="en-US"/>
+          </a:p>
+        </p:txBody>
+      </p:sp>
+      <p:grpSp>
+        <p:nvGrpSpPr>
+          <p:cNvPr id="14" name="Group 13">
+            <a:extLst>
+              <a:ext uri="{FF2B5EF4-FFF2-40B4-BE49-F238E27FC236}">
+                <a16:creationId xmlns:a16="http://schemas.microsoft.com/office/drawing/2014/main" id="{EC8459A0-4A67-4667-8375-3C1891D63CC5}"/>
+              </a:ext>
+              <a:ext uri="{C183D7F6-B498-43B3-948B-1728B52AA6E4}">
+                <adec:decorative xmlns:adec="http://schemas.microsoft.com/office/drawing/2017/decorative" val="1"/>
+              </a:ext>
+            </a:extLst>
+          </p:cNvPr>
+          <p:cNvGrpSpPr>
+            <a:grpSpLocks noGrp="1" noUngrp="1" noRot="1" noChangeAspect="1" noMove="1" noResize="1"/>
+          </p:cNvGrpSpPr>
+          <p:nvPr>
+            <p:extLst>
+              <p:ext uri="{386F3935-93C4-4BCD-93E2-E3B085C9AB24}">
+                <p16:designElem xmlns:p16="http://schemas.microsoft.com/office/powerpoint/2015/main" val="1"/>
+              </p:ext>
+            </p:extLst>
+          </p:nvPr>
+        </p:nvGrpSpPr>
+        <p:grpSpPr>
+          <a:xfrm>
+            <a:off x="0" y="-1"/>
+            <a:ext cx="2281238" cy="5289551"/>
+            <a:chOff x="0" y="-1"/>
+            <a:chExt cx="2281238" cy="5289551"/>
+          </a:xfrm>
+        </p:grpSpPr>
+        <p:sp>
+          <p:nvSpPr>
+            <p:cNvPr id="15" name="Rectangle 14">
+              <a:extLst>
+                <a:ext uri="{FF2B5EF4-FFF2-40B4-BE49-F238E27FC236}">
+                  <a16:creationId xmlns:a16="http://schemas.microsoft.com/office/drawing/2014/main" id="{504FC121-DD1C-42A3-8F46-7B66D4FB2D88}"/>
+                </a:ext>
+                <a:ext uri="{C183D7F6-B498-43B3-948B-1728B52AA6E4}">
+                  <adec:decorative xmlns:adec="http://schemas.microsoft.com/office/drawing/2017/decorative" val="1"/>
+                </a:ext>
+              </a:extLst>
+            </p:cNvPr>
+            <p:cNvSpPr>
+              <a:spLocks noChangeArrowheads="1"/>
+            </p:cNvSpPr>
+            <p:nvPr>
+              <p:extLst>
+                <p:ext uri="{386F3935-93C4-4BCD-93E2-E3B085C9AB24}">
+                  <p16:designElem xmlns:p16="http://schemas.microsoft.com/office/powerpoint/2015/main" val="1"/>
+                </p:ext>
+              </p:extLst>
+            </p:nvPr>
+          </p:nvSpPr>
+          <p:spPr bwMode="auto">
+            <a:xfrm>
+              <a:off x="1209675" y="4762"/>
+              <a:ext cx="23813" cy="2181225"/>
+            </a:xfrm>
+            <a:prstGeom prst="rect">
+              <a:avLst/>
+            </a:prstGeom>
+            <a:solidFill>
+              <a:srgbClr val="FFFFFF">
+                <a:alpha val="70000"/>
+              </a:srgbClr>
+            </a:solidFill>
+            <a:ln>
+              <a:noFill/>
+            </a:ln>
+            <a:extLst>
+              <a:ext uri="{91240B29-F687-4f45-9708-019B960494DF}">
+                <a14:hiddenLine xmlns="" xmlns:a16="http://schemas.microsoft.com/office/drawing/2014/main" xmlns:p14="http://schemas.microsoft.com/office/powerpoint/2010/main" xmlns:a14="http://schemas.microsoft.com/office/drawing/2010/main" w="9525">
+                  <a:solidFill>
+                    <a:srgbClr val="000000"/>
+                  </a:solidFill>
+                  <a:miter lim="800000"/>
+                  <a:headEnd/>
+                  <a:tailEnd/>
+                </a14:hiddenLine>
+              </a:ext>
+            </a:extLst>
+          </p:spPr>
+          <p:txBody>
+            <a:bodyPr/>
+            <a:lstStyle/>
+            <a:p>
+              <a:endParaRPr lang="en-IN"/>
+            </a:p>
+          </p:txBody>
+        </p:sp>
+        <p:sp>
+          <p:nvSpPr>
+            <p:cNvPr id="16" name="Freeform 6">
+              <a:extLst>
+                <a:ext uri="{FF2B5EF4-FFF2-40B4-BE49-F238E27FC236}">
+                  <a16:creationId xmlns:a16="http://schemas.microsoft.com/office/drawing/2014/main" id="{F347BD5B-E7F7-42FE-8415-821E0F5D5054}"/>
+                </a:ext>
+                <a:ext uri="{C183D7F6-B498-43B3-948B-1728B52AA6E4}">
+                  <adec:decorative xmlns:adec="http://schemas.microsoft.com/office/drawing/2017/decorative" val="1"/>
+                </a:ext>
+              </a:extLst>
+            </p:cNvPr>
+            <p:cNvSpPr>
+              <a:spLocks noEditPoints="1"/>
+            </p:cNvSpPr>
+            <p:nvPr>
+              <p:extLst>
+                <p:ext uri="{386F3935-93C4-4BCD-93E2-E3B085C9AB24}">
+                  <p16:designElem xmlns:p16="http://schemas.microsoft.com/office/powerpoint/2015/main" val="1"/>
+                </p:ext>
+              </p:extLst>
+            </p:nvPr>
+          </p:nvSpPr>
+          <p:spPr bwMode="auto">
+            <a:xfrm>
+              <a:off x="1128713" y="2176462"/>
+              <a:ext cx="190500" cy="190500"/>
+            </a:xfrm>
+            <a:custGeom>
+              <a:avLst/>
+              <a:gdLst/>
+              <a:ahLst/>
+              <a:cxnLst/>
+              <a:rect l="0" t="0" r="r" b="b"/>
+              <a:pathLst>
+                <a:path w="40" h="40">
+                  <a:moveTo>
+                    <a:pt x="20" y="40"/>
+                  </a:moveTo>
+                  <a:cubicBezTo>
+                    <a:pt x="9" y="40"/>
+                    <a:pt x="0" y="31"/>
+                    <a:pt x="0" y="20"/>
+                  </a:cubicBezTo>
+                  <a:cubicBezTo>
+                    <a:pt x="0" y="9"/>
+                    <a:pt x="9" y="0"/>
+                    <a:pt x="20" y="0"/>
+                  </a:cubicBezTo>
+                  <a:cubicBezTo>
+                    <a:pt x="31" y="0"/>
+                    <a:pt x="40" y="9"/>
+                    <a:pt x="40" y="20"/>
+                  </a:cubicBezTo>
+                  <a:cubicBezTo>
+                    <a:pt x="40" y="31"/>
+                    <a:pt x="31" y="40"/>
+                    <a:pt x="20" y="40"/>
+                  </a:cubicBezTo>
+                  <a:close/>
+                  <a:moveTo>
+                    <a:pt x="20" y="4"/>
+                  </a:moveTo>
+                  <a:cubicBezTo>
+                    <a:pt x="11" y="4"/>
+                    <a:pt x="4" y="11"/>
+                    <a:pt x="4" y="20"/>
+                  </a:cubicBezTo>
+                  <a:cubicBezTo>
+                    <a:pt x="4" y="29"/>
+                    <a:pt x="11" y="36"/>
+                    <a:pt x="20" y="36"/>
+                  </a:cubicBezTo>
+                  <a:cubicBezTo>
+                    <a:pt x="28" y="36"/>
+                    <a:pt x="36" y="29"/>
+                    <a:pt x="36" y="20"/>
+                  </a:cubicBezTo>
+                  <a:cubicBezTo>
+                    <a:pt x="36" y="11"/>
+                    <a:pt x="28" y="4"/>
+                    <a:pt x="20" y="4"/>
+                  </a:cubicBezTo>
+                  <a:close/>
+                </a:path>
+              </a:pathLst>
+            </a:custGeom>
+            <a:solidFill>
+              <a:srgbClr val="FFFFFF">
+                <a:alpha val="70000"/>
+              </a:srgbClr>
+            </a:solidFill>
+            <a:ln>
+              <a:noFill/>
+            </a:ln>
+            <a:extLst>
+              <a:ext uri="{91240B29-F687-4f45-9708-019B960494DF}">
+                <a14:hiddenLine xmlns="" xmlns:a16="http://schemas.microsoft.com/office/drawing/2014/main" xmlns:p14="http://schemas.microsoft.com/office/powerpoint/2010/main" xmlns:a14="http://schemas.microsoft.com/office/drawing/2010/main" w="9525">
+                  <a:solidFill>
+                    <a:srgbClr val="000000"/>
+                  </a:solidFill>
+                  <a:round/>
+                  <a:headEnd/>
+                  <a:tailEnd/>
+                </a14:hiddenLine>
+              </a:ext>
+            </a:extLst>
+          </p:spPr>
+          <p:txBody>
+            <a:bodyPr/>
+            <a:lstStyle/>
+            <a:p>
+              <a:endParaRPr lang="en-IN"/>
+            </a:p>
+          </p:txBody>
+        </p:sp>
+        <p:sp>
+          <p:nvSpPr>
+            <p:cNvPr id="17" name="Freeform 7">
+              <a:extLst>
+                <a:ext uri="{FF2B5EF4-FFF2-40B4-BE49-F238E27FC236}">
+                  <a16:creationId xmlns:a16="http://schemas.microsoft.com/office/drawing/2014/main" id="{DBF7E89B-D667-41E9-B91C-82C84F775B51}"/>
+                </a:ext>
+                <a:ext uri="{C183D7F6-B498-43B3-948B-1728B52AA6E4}">
+                  <adec:decorative xmlns:adec="http://schemas.microsoft.com/office/drawing/2017/decorative" val="1"/>
+                </a:ext>
+              </a:extLst>
+            </p:cNvPr>
+            <p:cNvSpPr>
+              <a:spLocks noEditPoints="1"/>
+            </p:cNvSpPr>
+            <p:nvPr>
+              <p:extLst>
+                <p:ext uri="{386F3935-93C4-4BCD-93E2-E3B085C9AB24}">
+                  <p16:designElem xmlns:p16="http://schemas.microsoft.com/office/powerpoint/2015/main" val="1"/>
+                </p:ext>
+              </p:extLst>
+            </p:nvPr>
+          </p:nvSpPr>
+          <p:spPr bwMode="auto">
+            <a:xfrm>
+              <a:off x="1123950" y="4021137"/>
+              <a:ext cx="190500" cy="188913"/>
+            </a:xfrm>
+            <a:custGeom>
+              <a:avLst/>
+              <a:gdLst/>
+              <a:ahLst/>
+              <a:cxnLst/>
+              <a:rect l="0" t="0" r="r" b="b"/>
+              <a:pathLst>
+                <a:path w="40" h="40">
+                  <a:moveTo>
+                    <a:pt x="20" y="40"/>
+                  </a:moveTo>
+                  <a:cubicBezTo>
+                    <a:pt x="9" y="40"/>
+                    <a:pt x="0" y="31"/>
+                    <a:pt x="0" y="20"/>
+                  </a:cubicBezTo>
+                  <a:cubicBezTo>
+                    <a:pt x="0" y="9"/>
+                    <a:pt x="9" y="0"/>
+                    <a:pt x="20" y="0"/>
+                  </a:cubicBezTo>
+                  <a:cubicBezTo>
+                    <a:pt x="31" y="0"/>
+                    <a:pt x="40" y="9"/>
+                    <a:pt x="40" y="20"/>
+                  </a:cubicBezTo>
+                  <a:cubicBezTo>
+                    <a:pt x="40" y="31"/>
+                    <a:pt x="31" y="40"/>
+                    <a:pt x="20" y="40"/>
+                  </a:cubicBezTo>
+                  <a:close/>
+                  <a:moveTo>
+                    <a:pt x="20" y="4"/>
+                  </a:moveTo>
+                  <a:cubicBezTo>
+                    <a:pt x="11" y="4"/>
+                    <a:pt x="4" y="11"/>
+                    <a:pt x="4" y="20"/>
+                  </a:cubicBezTo>
+                  <a:cubicBezTo>
+                    <a:pt x="4" y="29"/>
+                    <a:pt x="11" y="36"/>
+                    <a:pt x="20" y="36"/>
+                  </a:cubicBezTo>
+                  <a:cubicBezTo>
+                    <a:pt x="29" y="36"/>
+                    <a:pt x="36" y="29"/>
+                    <a:pt x="36" y="20"/>
+                  </a:cubicBezTo>
+                  <a:cubicBezTo>
+                    <a:pt x="36" y="11"/>
+                    <a:pt x="29" y="4"/>
+                    <a:pt x="20" y="4"/>
+                  </a:cubicBezTo>
+                  <a:close/>
+                </a:path>
+              </a:pathLst>
+            </a:custGeom>
+            <a:solidFill>
+              <a:srgbClr val="FFFFFF">
+                <a:alpha val="70000"/>
+              </a:srgbClr>
+            </a:solidFill>
+            <a:ln>
+              <a:noFill/>
+            </a:ln>
+            <a:extLst>
+              <a:ext uri="{91240B29-F687-4f45-9708-019B960494DF}">
+                <a14:hiddenLine xmlns="" xmlns:a16="http://schemas.microsoft.com/office/drawing/2014/main" xmlns:p14="http://schemas.microsoft.com/office/powerpoint/2010/main" xmlns:a14="http://schemas.microsoft.com/office/drawing/2010/main" w="9525">
+                  <a:solidFill>
+                    <a:srgbClr val="000000"/>
+                  </a:solidFill>
+                  <a:round/>
+                  <a:headEnd/>
+                  <a:tailEnd/>
+                </a14:hiddenLine>
+              </a:ext>
+            </a:extLst>
+          </p:spPr>
+          <p:txBody>
+            <a:bodyPr/>
+            <a:lstStyle/>
+            <a:p>
+              <a:endParaRPr lang="en-IN"/>
+            </a:p>
+          </p:txBody>
+        </p:sp>
+        <p:sp>
+          <p:nvSpPr>
+            <p:cNvPr id="18" name="Rectangle 17">
+              <a:extLst>
+                <a:ext uri="{FF2B5EF4-FFF2-40B4-BE49-F238E27FC236}">
+                  <a16:creationId xmlns:a16="http://schemas.microsoft.com/office/drawing/2014/main" id="{384697C2-C67C-40B8-8AB5-64BA0855BA06}"/>
+                </a:ext>
+                <a:ext uri="{C183D7F6-B498-43B3-948B-1728B52AA6E4}">
+                  <adec:decorative xmlns:adec="http://schemas.microsoft.com/office/drawing/2017/decorative" val="1"/>
+                </a:ext>
+              </a:extLst>
+            </p:cNvPr>
+            <p:cNvSpPr>
+              <a:spLocks noChangeArrowheads="1"/>
+            </p:cNvSpPr>
+            <p:nvPr>
+              <p:extLst>
+                <p:ext uri="{386F3935-93C4-4BCD-93E2-E3B085C9AB24}">
+                  <p16:designElem xmlns:p16="http://schemas.microsoft.com/office/powerpoint/2015/main" val="1"/>
+                </p:ext>
+              </p:extLst>
+            </p:nvPr>
+          </p:nvSpPr>
+          <p:spPr bwMode="auto">
+            <a:xfrm>
+              <a:off x="414338" y="9524"/>
+              <a:ext cx="28575" cy="4481513"/>
+            </a:xfrm>
+            <a:prstGeom prst="rect">
+              <a:avLst/>
+            </a:prstGeom>
+            <a:solidFill>
+              <a:srgbClr val="FFFFFF">
+                <a:alpha val="70000"/>
+              </a:srgbClr>
+            </a:solidFill>
+            <a:ln>
+              <a:noFill/>
+            </a:ln>
+            <a:extLst>
+              <a:ext uri="{91240B29-F687-4f45-9708-019B960494DF}">
+                <a14:hiddenLine xmlns="" xmlns:a16="http://schemas.microsoft.com/office/drawing/2014/main" xmlns:p14="http://schemas.microsoft.com/office/powerpoint/2010/main" xmlns:a14="http://schemas.microsoft.com/office/drawing/2010/main" w="9525">
+                  <a:solidFill>
+                    <a:srgbClr val="000000"/>
+                  </a:solidFill>
+                  <a:miter lim="800000"/>
+                  <a:headEnd/>
+                  <a:tailEnd/>
+                </a14:hiddenLine>
+              </a:ext>
+            </a:extLst>
+          </p:spPr>
+          <p:txBody>
+            <a:bodyPr/>
+            <a:lstStyle/>
+            <a:p>
+              <a:endParaRPr lang="en-IN"/>
+            </a:p>
+          </p:txBody>
+        </p:sp>
+        <p:sp>
+          <p:nvSpPr>
+            <p:cNvPr id="19" name="Freeform 9">
+              <a:extLst>
+                <a:ext uri="{FF2B5EF4-FFF2-40B4-BE49-F238E27FC236}">
+                  <a16:creationId xmlns:a16="http://schemas.microsoft.com/office/drawing/2014/main" id="{62248432-9BC6-49AA-8170-93E7B544A3D5}"/>
+                </a:ext>
+                <a:ext uri="{C183D7F6-B498-43B3-948B-1728B52AA6E4}">
+                  <adec:decorative xmlns:adec="http://schemas.microsoft.com/office/drawing/2017/decorative" val="1"/>
+                </a:ext>
+              </a:extLst>
+            </p:cNvPr>
+            <p:cNvSpPr>
+              <a:spLocks noEditPoints="1"/>
+            </p:cNvSpPr>
+            <p:nvPr>
+              <p:extLst>
+                <p:ext uri="{386F3935-93C4-4BCD-93E2-E3B085C9AB24}">
+                  <p16:designElem xmlns:p16="http://schemas.microsoft.com/office/powerpoint/2015/main" val="1"/>
+                </p:ext>
+              </p:extLst>
+            </p:nvPr>
+          </p:nvSpPr>
+          <p:spPr bwMode="auto">
+            <a:xfrm>
+              <a:off x="333375" y="4481512"/>
+              <a:ext cx="190500" cy="190500"/>
+            </a:xfrm>
+            <a:custGeom>
+              <a:avLst/>
+              <a:gdLst/>
+              <a:ahLst/>
+              <a:cxnLst/>
+              <a:rect l="0" t="0" r="r" b="b"/>
+              <a:pathLst>
+                <a:path w="40" h="40">
+                  <a:moveTo>
+                    <a:pt x="20" y="40"/>
+                  </a:moveTo>
+                  <a:cubicBezTo>
+                    <a:pt x="9" y="40"/>
+                    <a:pt x="0" y="31"/>
+                    <a:pt x="0" y="20"/>
+                  </a:cubicBezTo>
+                  <a:cubicBezTo>
+                    <a:pt x="0" y="9"/>
+                    <a:pt x="9" y="0"/>
+                    <a:pt x="20" y="0"/>
+                  </a:cubicBezTo>
+                  <a:cubicBezTo>
+                    <a:pt x="31" y="0"/>
+                    <a:pt x="40" y="9"/>
+                    <a:pt x="40" y="20"/>
+                  </a:cubicBezTo>
+                  <a:cubicBezTo>
+                    <a:pt x="40" y="31"/>
+                    <a:pt x="31" y="40"/>
+                    <a:pt x="20" y="40"/>
+                  </a:cubicBezTo>
+                  <a:close/>
+                  <a:moveTo>
+                    <a:pt x="20" y="4"/>
+                  </a:moveTo>
+                  <a:cubicBezTo>
+                    <a:pt x="11" y="4"/>
+                    <a:pt x="4" y="11"/>
+                    <a:pt x="4" y="20"/>
+                  </a:cubicBezTo>
+                  <a:cubicBezTo>
+                    <a:pt x="4" y="29"/>
+                    <a:pt x="11" y="36"/>
+                    <a:pt x="20" y="36"/>
+                  </a:cubicBezTo>
+                  <a:cubicBezTo>
+                    <a:pt x="29" y="36"/>
+                    <a:pt x="36" y="29"/>
+                    <a:pt x="36" y="20"/>
+                  </a:cubicBezTo>
+                  <a:cubicBezTo>
+                    <a:pt x="36" y="11"/>
+                    <a:pt x="29" y="4"/>
+                    <a:pt x="20" y="4"/>
+                  </a:cubicBezTo>
+                  <a:close/>
+                </a:path>
+              </a:pathLst>
+            </a:custGeom>
+            <a:solidFill>
+              <a:srgbClr val="FFFFFF">
+                <a:alpha val="70000"/>
+              </a:srgbClr>
+            </a:solidFill>
+            <a:ln>
+              <a:noFill/>
+            </a:ln>
+            <a:extLst>
+              <a:ext uri="{91240B29-F687-4f45-9708-019B960494DF}">
+                <a14:hiddenLine xmlns="" xmlns:a16="http://schemas.microsoft.com/office/drawing/2014/main" xmlns:p14="http://schemas.microsoft.com/office/powerpoint/2010/main" xmlns:a14="http://schemas.microsoft.com/office/drawing/2010/main" w="9525">
+                  <a:solidFill>
+                    <a:srgbClr val="000000"/>
+                  </a:solidFill>
+                  <a:round/>
+                  <a:headEnd/>
+                  <a:tailEnd/>
+                </a14:hiddenLine>
+              </a:ext>
+            </a:extLst>
+          </p:spPr>
+          <p:txBody>
+            <a:bodyPr/>
+            <a:lstStyle/>
+            <a:p>
+              <a:endParaRPr lang="en-IN"/>
+            </a:p>
+          </p:txBody>
+        </p:sp>
+        <p:sp>
+          <p:nvSpPr>
+            <p:cNvPr id="20" name="Freeform 10">
+              <a:extLst>
+                <a:ext uri="{FF2B5EF4-FFF2-40B4-BE49-F238E27FC236}">
+                  <a16:creationId xmlns:a16="http://schemas.microsoft.com/office/drawing/2014/main" id="{AB1EC22E-A4E2-40C5-822E-C44162C19D10}"/>
+                </a:ext>
+                <a:ext uri="{C183D7F6-B498-43B3-948B-1728B52AA6E4}">
+                  <adec:decorative xmlns:adec="http://schemas.microsoft.com/office/drawing/2017/decorative" val="1"/>
+                </a:ext>
+              </a:extLst>
+            </p:cNvPr>
+            <p:cNvSpPr/>
+            <p:nvPr>
+              <p:extLst>
+                <p:ext uri="{386F3935-93C4-4BCD-93E2-E3B085C9AB24}">
+                  <p16:designElem xmlns:p16="http://schemas.microsoft.com/office/powerpoint/2015/main" val="1"/>
+                </p:ext>
+              </p:extLst>
+            </p:nvPr>
+          </p:nvSpPr>
+          <p:spPr bwMode="auto">
+            <a:xfrm>
+              <a:off x="190500" y="9524"/>
+              <a:ext cx="152400" cy="908050"/>
+            </a:xfrm>
+            <a:custGeom>
+              <a:avLst/>
+              <a:gdLst/>
+              <a:ahLst/>
+              <a:cxnLst/>
+              <a:rect l="0" t="0" r="r" b="b"/>
+              <a:pathLst>
+                <a:path w="96" h="572">
+                  <a:moveTo>
+                    <a:pt x="15" y="572"/>
+                  </a:moveTo>
+                  <a:lnTo>
+                    <a:pt x="0" y="566"/>
+                  </a:lnTo>
+                  <a:lnTo>
+                    <a:pt x="81" y="380"/>
+                  </a:lnTo>
+                  <a:lnTo>
+                    <a:pt x="81" y="0"/>
+                  </a:lnTo>
+                  <a:lnTo>
+                    <a:pt x="96" y="0"/>
+                  </a:lnTo>
+                  <a:lnTo>
+                    <a:pt x="96" y="383"/>
+                  </a:lnTo>
+                  <a:lnTo>
+                    <a:pt x="15" y="572"/>
+                  </a:lnTo>
+                  <a:close/>
+                </a:path>
+              </a:pathLst>
+            </a:custGeom>
+            <a:solidFill>
+              <a:srgbClr val="FFFFFF">
+                <a:alpha val="70000"/>
+              </a:srgbClr>
+            </a:solidFill>
+            <a:ln>
+              <a:noFill/>
+            </a:ln>
+            <a:extLst>
+              <a:ext uri="{91240B29-F687-4f45-9708-019B960494DF}">
+                <a14:hiddenLine xmlns="" xmlns:a16="http://schemas.microsoft.com/office/drawing/2014/main" xmlns:p14="http://schemas.microsoft.com/office/powerpoint/2010/main" xmlns:a14="http://schemas.microsoft.com/office/drawing/2010/main" w="9525">
+                  <a:solidFill>
+                    <a:srgbClr val="000000"/>
+                  </a:solidFill>
+                  <a:round/>
+                  <a:headEnd/>
+                  <a:tailEnd/>
+                </a14:hiddenLine>
+              </a:ext>
+            </a:extLst>
+          </p:spPr>
+          <p:txBody>
+            <a:bodyPr/>
+            <a:lstStyle/>
+            <a:p>
+              <a:endParaRPr lang="en-IN"/>
+            </a:p>
+          </p:txBody>
+        </p:sp>
+        <p:sp>
+          <p:nvSpPr>
+            <p:cNvPr id="21" name="Freeform 11">
+              <a:extLst>
+                <a:ext uri="{FF2B5EF4-FFF2-40B4-BE49-F238E27FC236}">
+                  <a16:creationId xmlns:a16="http://schemas.microsoft.com/office/drawing/2014/main" id="{0FB86F8F-0996-471C-B2CB-EA73B713BC68}"/>
+                </a:ext>
+                <a:ext uri="{C183D7F6-B498-43B3-948B-1728B52AA6E4}">
+                  <adec:decorative xmlns:adec="http://schemas.microsoft.com/office/drawing/2017/decorative" val="1"/>
+                </a:ext>
+              </a:extLst>
+            </p:cNvPr>
+            <p:cNvSpPr/>
+            <p:nvPr>
+              <p:extLst>
+                <p:ext uri="{386F3935-93C4-4BCD-93E2-E3B085C9AB24}">
+                  <p16:designElem xmlns:p16="http://schemas.microsoft.com/office/powerpoint/2015/main" val="1"/>
+                </p:ext>
+              </p:extLst>
+            </p:nvPr>
+          </p:nvSpPr>
+          <p:spPr bwMode="auto">
+            <a:xfrm>
+              <a:off x="1290638" y="14287"/>
+              <a:ext cx="376238" cy="1801813"/>
+            </a:xfrm>
+            <a:custGeom>
+              <a:avLst/>
+              <a:gdLst/>
+              <a:ahLst/>
+              <a:cxnLst/>
+              <a:rect l="0" t="0" r="r" b="b"/>
+              <a:pathLst>
+                <a:path w="237" h="1135">
+                  <a:moveTo>
+                    <a:pt x="222" y="1135"/>
+                  </a:moveTo>
+                  <a:lnTo>
+                    <a:pt x="0" y="620"/>
+                  </a:lnTo>
+                  <a:lnTo>
+                    <a:pt x="0" y="0"/>
+                  </a:lnTo>
+                  <a:lnTo>
+                    <a:pt x="18" y="0"/>
+                  </a:lnTo>
+                  <a:lnTo>
+                    <a:pt x="18" y="617"/>
+                  </a:lnTo>
+                  <a:lnTo>
+                    <a:pt x="237" y="1129"/>
+                  </a:lnTo>
+                  <a:lnTo>
+                    <a:pt x="222" y="1135"/>
+                  </a:lnTo>
+                  <a:close/>
+                </a:path>
+              </a:pathLst>
+            </a:custGeom>
+            <a:solidFill>
+              <a:srgbClr val="FFFFFF">
+                <a:alpha val="70000"/>
+              </a:srgbClr>
+            </a:solidFill>
+            <a:ln>
+              <a:noFill/>
+            </a:ln>
+            <a:extLst>
+              <a:ext uri="{91240B29-F687-4f45-9708-019B960494DF}">
+                <a14:hiddenLine xmlns="" xmlns:a16="http://schemas.microsoft.com/office/drawing/2014/main" xmlns:p14="http://schemas.microsoft.com/office/powerpoint/2010/main" xmlns:a14="http://schemas.microsoft.com/office/drawing/2010/main" w="9525">
+                  <a:solidFill>
+                    <a:srgbClr val="000000"/>
+                  </a:solidFill>
+                  <a:round/>
+                  <a:headEnd/>
+                  <a:tailEnd/>
+                </a14:hiddenLine>
+              </a:ext>
+            </a:extLst>
+          </p:spPr>
+          <p:txBody>
+            <a:bodyPr/>
+            <a:lstStyle/>
+            <a:p>
+              <a:endParaRPr lang="en-IN"/>
+            </a:p>
+          </p:txBody>
+        </p:sp>
+        <p:sp>
+          <p:nvSpPr>
+            <p:cNvPr id="22" name="Freeform 12">
+              <a:extLst>
+                <a:ext uri="{FF2B5EF4-FFF2-40B4-BE49-F238E27FC236}">
+                  <a16:creationId xmlns:a16="http://schemas.microsoft.com/office/drawing/2014/main" id="{68558584-C3BC-439A-94D0-AC7258BBCBFB}"/>
+                </a:ext>
+                <a:ext uri="{C183D7F6-B498-43B3-948B-1728B52AA6E4}">
+                  <adec:decorative xmlns:adec="http://schemas.microsoft.com/office/drawing/2017/decorative" val="1"/>
+                </a:ext>
+              </a:extLst>
+            </p:cNvPr>
+            <p:cNvSpPr>
+              <a:spLocks noEditPoints="1"/>
+            </p:cNvSpPr>
+            <p:nvPr>
+              <p:extLst>
+                <p:ext uri="{386F3935-93C4-4BCD-93E2-E3B085C9AB24}">
+                  <p16:designElem xmlns:p16="http://schemas.microsoft.com/office/powerpoint/2015/main" val="1"/>
+                </p:ext>
+              </p:extLst>
+            </p:nvPr>
+          </p:nvSpPr>
+          <p:spPr bwMode="auto">
+            <a:xfrm>
+              <a:off x="1600200" y="1801812"/>
+              <a:ext cx="190500" cy="188913"/>
+            </a:xfrm>
+            <a:custGeom>
+              <a:avLst/>
+              <a:gdLst/>
+              <a:ahLst/>
+              <a:cxnLst/>
+              <a:rect l="0" t="0" r="r" b="b"/>
+              <a:pathLst>
+                <a:path w="40" h="40">
+                  <a:moveTo>
+                    <a:pt x="20" y="40"/>
+                  </a:moveTo>
+                  <a:cubicBezTo>
+                    <a:pt x="9" y="40"/>
+                    <a:pt x="0" y="31"/>
+                    <a:pt x="0" y="20"/>
+                  </a:cubicBezTo>
+                  <a:cubicBezTo>
+                    <a:pt x="0" y="9"/>
+                    <a:pt x="9" y="0"/>
+                    <a:pt x="20" y="0"/>
+                  </a:cubicBezTo>
+                  <a:cubicBezTo>
+                    <a:pt x="31" y="0"/>
+                    <a:pt x="40" y="9"/>
+                    <a:pt x="40" y="20"/>
+                  </a:cubicBezTo>
+                  <a:cubicBezTo>
+                    <a:pt x="40" y="31"/>
+                    <a:pt x="31" y="40"/>
+                    <a:pt x="20" y="40"/>
+                  </a:cubicBezTo>
+                  <a:close/>
+                  <a:moveTo>
+                    <a:pt x="20" y="4"/>
+                  </a:moveTo>
+                  <a:cubicBezTo>
+                    <a:pt x="11" y="4"/>
+                    <a:pt x="4" y="11"/>
+                    <a:pt x="4" y="20"/>
+                  </a:cubicBezTo>
+                  <a:cubicBezTo>
+                    <a:pt x="4" y="29"/>
+                    <a:pt x="11" y="36"/>
+                    <a:pt x="20" y="36"/>
+                  </a:cubicBezTo>
+                  <a:cubicBezTo>
+                    <a:pt x="28" y="36"/>
+                    <a:pt x="36" y="29"/>
+                    <a:pt x="36" y="20"/>
+                  </a:cubicBezTo>
+                  <a:cubicBezTo>
+                    <a:pt x="36" y="11"/>
+                    <a:pt x="28" y="4"/>
+                    <a:pt x="20" y="4"/>
+                  </a:cubicBezTo>
+                  <a:close/>
+                </a:path>
+              </a:pathLst>
+            </a:custGeom>
+            <a:solidFill>
+              <a:srgbClr val="FFFFFF">
+                <a:alpha val="70000"/>
+              </a:srgbClr>
+            </a:solidFill>
+            <a:ln>
+              <a:noFill/>
+            </a:ln>
+            <a:extLst>
+              <a:ext uri="{91240B29-F687-4f45-9708-019B960494DF}">
+                <a14:hiddenLine xmlns="" xmlns:a16="http://schemas.microsoft.com/office/drawing/2014/main" xmlns:p14="http://schemas.microsoft.com/office/powerpoint/2010/main" xmlns:a14="http://schemas.microsoft.com/office/drawing/2010/main" w="9525">
+                  <a:solidFill>
+                    <a:srgbClr val="000000"/>
+                  </a:solidFill>
+                  <a:round/>
+                  <a:headEnd/>
+                  <a:tailEnd/>
+                </a14:hiddenLine>
+              </a:ext>
+            </a:extLst>
+          </p:spPr>
+          <p:txBody>
+            <a:bodyPr/>
+            <a:lstStyle/>
+            <a:p>
+              <a:endParaRPr lang="en-IN"/>
+            </a:p>
+          </p:txBody>
+        </p:sp>
+        <p:sp>
+          <p:nvSpPr>
+            <p:cNvPr id="23" name="Freeform 13">
+              <a:extLst>
+                <a:ext uri="{FF2B5EF4-FFF2-40B4-BE49-F238E27FC236}">
+                  <a16:creationId xmlns:a16="http://schemas.microsoft.com/office/drawing/2014/main" id="{61C9978A-EC3E-429A-A984-A054F6060741}"/>
+                </a:ext>
+                <a:ext uri="{C183D7F6-B498-43B3-948B-1728B52AA6E4}">
+                  <adec:decorative xmlns:adec="http://schemas.microsoft.com/office/drawing/2017/decorative" val="1"/>
+                </a:ext>
+              </a:extLst>
+            </p:cNvPr>
+            <p:cNvSpPr/>
+            <p:nvPr>
+              <p:extLst>
+                <p:ext uri="{386F3935-93C4-4BCD-93E2-E3B085C9AB24}">
+                  <p16:designElem xmlns:p16="http://schemas.microsoft.com/office/powerpoint/2015/main" val="1"/>
+                </p:ext>
+              </p:extLst>
+            </p:nvPr>
+          </p:nvSpPr>
+          <p:spPr bwMode="auto">
+            <a:xfrm>
+              <a:off x="1381125" y="9524"/>
+              <a:ext cx="371475" cy="1425575"/>
+            </a:xfrm>
+            <a:custGeom>
+              <a:avLst/>
+              <a:gdLst/>
+              <a:ahLst/>
+              <a:cxnLst/>
+              <a:rect l="0" t="0" r="r" b="b"/>
+              <a:pathLst>
+                <a:path w="234" h="898">
+                  <a:moveTo>
+                    <a:pt x="219" y="898"/>
+                  </a:moveTo>
+                  <a:lnTo>
+                    <a:pt x="0" y="383"/>
+                  </a:lnTo>
+                  <a:lnTo>
+                    <a:pt x="0" y="0"/>
+                  </a:lnTo>
+                  <a:lnTo>
+                    <a:pt x="15" y="0"/>
+                  </a:lnTo>
+                  <a:lnTo>
+                    <a:pt x="15" y="380"/>
+                  </a:lnTo>
+                  <a:lnTo>
+                    <a:pt x="234" y="892"/>
+                  </a:lnTo>
+                  <a:lnTo>
+                    <a:pt x="219" y="898"/>
+                  </a:lnTo>
+                  <a:close/>
+                </a:path>
+              </a:pathLst>
+            </a:custGeom>
+            <a:solidFill>
+              <a:srgbClr val="FFFFFF">
+                <a:alpha val="70000"/>
+              </a:srgbClr>
+            </a:solidFill>
+            <a:ln>
+              <a:noFill/>
+            </a:ln>
+            <a:extLst>
+              <a:ext uri="{91240B29-F687-4f45-9708-019B960494DF}">
+                <a14:hiddenLine xmlns="" xmlns:a16="http://schemas.microsoft.com/office/drawing/2014/main" xmlns:p14="http://schemas.microsoft.com/office/powerpoint/2010/main" xmlns:a14="http://schemas.microsoft.com/office/drawing/2010/main" w="9525">
+                  <a:solidFill>
+                    <a:srgbClr val="000000"/>
+                  </a:solidFill>
+                  <a:round/>
+                  <a:headEnd/>
+                  <a:tailEnd/>
+                </a14:hiddenLine>
+              </a:ext>
+            </a:extLst>
+          </p:spPr>
+          <p:txBody>
+            <a:bodyPr/>
+            <a:lstStyle/>
+            <a:p>
+              <a:endParaRPr lang="en-IN"/>
+            </a:p>
+          </p:txBody>
+        </p:sp>
+        <p:sp>
+          <p:nvSpPr>
+            <p:cNvPr id="24" name="Freeform 14">
+              <a:extLst>
+                <a:ext uri="{FF2B5EF4-FFF2-40B4-BE49-F238E27FC236}">
+                  <a16:creationId xmlns:a16="http://schemas.microsoft.com/office/drawing/2014/main" id="{D4899F73-4FB6-4D9D-B775-C922AD2FE17E}"/>
+                </a:ext>
+                <a:ext uri="{C183D7F6-B498-43B3-948B-1728B52AA6E4}">
+                  <adec:decorative xmlns:adec="http://schemas.microsoft.com/office/drawing/2017/decorative" val="1"/>
+                </a:ext>
+              </a:extLst>
+            </p:cNvPr>
+            <p:cNvSpPr/>
+            <p:nvPr>
+              <p:extLst>
+                <p:ext uri="{386F3935-93C4-4BCD-93E2-E3B085C9AB24}">
+                  <p16:designElem xmlns:p16="http://schemas.microsoft.com/office/powerpoint/2015/main" val="1"/>
+                </p:ext>
+              </p:extLst>
+            </p:nvPr>
+          </p:nvSpPr>
+          <p:spPr bwMode="auto">
+            <a:xfrm>
+              <a:off x="1643063" y="-1"/>
+              <a:ext cx="152400" cy="912813"/>
+            </a:xfrm>
+            <a:custGeom>
+              <a:avLst/>
+              <a:gdLst/>
+              <a:ahLst/>
+              <a:cxnLst/>
+              <a:rect l="0" t="0" r="r" b="b"/>
+              <a:pathLst>
+                <a:path w="96" h="575">
+                  <a:moveTo>
+                    <a:pt x="96" y="575"/>
+                  </a:moveTo>
+                  <a:lnTo>
+                    <a:pt x="78" y="575"/>
+                  </a:lnTo>
+                  <a:lnTo>
+                    <a:pt x="78" y="192"/>
+                  </a:lnTo>
+                  <a:lnTo>
+                    <a:pt x="0" y="6"/>
+                  </a:lnTo>
+                  <a:lnTo>
+                    <a:pt x="15" y="0"/>
+                  </a:lnTo>
+                  <a:lnTo>
+                    <a:pt x="96" y="189"/>
+                  </a:lnTo>
+                  <a:lnTo>
+                    <a:pt x="96" y="575"/>
+                  </a:lnTo>
+                  <a:close/>
+                </a:path>
+              </a:pathLst>
+            </a:custGeom>
+            <a:solidFill>
+              <a:srgbClr val="FFFFFF">
+                <a:alpha val="70000"/>
+              </a:srgbClr>
+            </a:solidFill>
+            <a:ln>
+              <a:noFill/>
+            </a:ln>
+            <a:extLst>
+              <a:ext uri="{91240B29-F687-4f45-9708-019B960494DF}">
+                <a14:hiddenLine xmlns="" xmlns:a16="http://schemas.microsoft.com/office/drawing/2014/main" xmlns:p14="http://schemas.microsoft.com/office/powerpoint/2010/main" xmlns:a14="http://schemas.microsoft.com/office/drawing/2010/main" w="9525">
+                  <a:solidFill>
+                    <a:srgbClr val="000000"/>
+                  </a:solidFill>
+                  <a:round/>
+                  <a:headEnd/>
+                  <a:tailEnd/>
+                </a14:hiddenLine>
+              </a:ext>
+            </a:extLst>
+          </p:spPr>
+          <p:txBody>
+            <a:bodyPr/>
+            <a:lstStyle/>
+            <a:p>
+              <a:endParaRPr lang="en-IN"/>
+            </a:p>
+          </p:txBody>
+        </p:sp>
+        <p:sp>
+          <p:nvSpPr>
+            <p:cNvPr id="25" name="Freeform 15">
+              <a:extLst>
+                <a:ext uri="{FF2B5EF4-FFF2-40B4-BE49-F238E27FC236}">
+                  <a16:creationId xmlns:a16="http://schemas.microsoft.com/office/drawing/2014/main" id="{4FC63266-65BB-4ED1-BF70-4B6426F37A98}"/>
+                </a:ext>
+                <a:ext uri="{C183D7F6-B498-43B3-948B-1728B52AA6E4}">
+                  <adec:decorative xmlns:adec="http://schemas.microsoft.com/office/drawing/2017/decorative" val="1"/>
+                </a:ext>
+              </a:extLst>
+            </p:cNvPr>
+            <p:cNvSpPr>
+              <a:spLocks noEditPoints="1"/>
+            </p:cNvSpPr>
+            <p:nvPr>
+              <p:extLst>
+                <p:ext uri="{386F3935-93C4-4BCD-93E2-E3B085C9AB24}">
+                  <p16:designElem xmlns:p16="http://schemas.microsoft.com/office/powerpoint/2015/main" val="1"/>
+                </p:ext>
+              </p:extLst>
+            </p:nvPr>
+          </p:nvSpPr>
+          <p:spPr bwMode="auto">
+            <a:xfrm>
+              <a:off x="1685925" y="1420812"/>
+              <a:ext cx="190500" cy="190500"/>
+            </a:xfrm>
+            <a:custGeom>
+              <a:avLst/>
+              <a:gdLst/>
+              <a:ahLst/>
+              <a:cxnLst/>
+              <a:rect l="0" t="0" r="r" b="b"/>
+              <a:pathLst>
+                <a:path w="40" h="40">
+                  <a:moveTo>
+                    <a:pt x="20" y="40"/>
+                  </a:moveTo>
+                  <a:cubicBezTo>
+                    <a:pt x="9" y="40"/>
+                    <a:pt x="0" y="31"/>
+                    <a:pt x="0" y="20"/>
+                  </a:cubicBezTo>
+                  <a:cubicBezTo>
+                    <a:pt x="0" y="9"/>
+                    <a:pt x="9" y="0"/>
+                    <a:pt x="20" y="0"/>
+                  </a:cubicBezTo>
+                  <a:cubicBezTo>
+                    <a:pt x="31" y="0"/>
+                    <a:pt x="40" y="9"/>
+                    <a:pt x="40" y="20"/>
+                  </a:cubicBezTo>
+                  <a:cubicBezTo>
+                    <a:pt x="40" y="31"/>
+                    <a:pt x="31" y="40"/>
+                    <a:pt x="20" y="40"/>
+                  </a:cubicBezTo>
+                  <a:close/>
+                  <a:moveTo>
+                    <a:pt x="20" y="4"/>
+                  </a:moveTo>
+                  <a:cubicBezTo>
+                    <a:pt x="11" y="4"/>
+                    <a:pt x="4" y="11"/>
+                    <a:pt x="4" y="20"/>
+                  </a:cubicBezTo>
+                  <a:cubicBezTo>
+                    <a:pt x="4" y="29"/>
+                    <a:pt x="11" y="36"/>
+                    <a:pt x="20" y="36"/>
+                  </a:cubicBezTo>
+                  <a:cubicBezTo>
+                    <a:pt x="29" y="36"/>
+                    <a:pt x="36" y="29"/>
+                    <a:pt x="36" y="20"/>
+                  </a:cubicBezTo>
+                  <a:cubicBezTo>
+                    <a:pt x="36" y="11"/>
+                    <a:pt x="29" y="4"/>
+                    <a:pt x="20" y="4"/>
+                  </a:cubicBezTo>
+                  <a:close/>
+                </a:path>
+              </a:pathLst>
+            </a:custGeom>
+            <a:solidFill>
+              <a:srgbClr val="FFFFFF">
+                <a:alpha val="70000"/>
+              </a:srgbClr>
+            </a:solidFill>
+            <a:ln>
+              <a:noFill/>
+            </a:ln>
+            <a:extLst>
+              <a:ext uri="{91240B29-F687-4f45-9708-019B960494DF}">
+                <a14:hiddenLine xmlns="" xmlns:a16="http://schemas.microsoft.com/office/drawing/2014/main" xmlns:p14="http://schemas.microsoft.com/office/powerpoint/2010/main" xmlns:a14="http://schemas.microsoft.com/office/drawing/2010/main" w="9525">
+                  <a:solidFill>
+                    <a:srgbClr val="000000"/>
+                  </a:solidFill>
+                  <a:round/>
+                  <a:headEnd/>
+                  <a:tailEnd/>
+                </a14:hiddenLine>
+              </a:ext>
+            </a:extLst>
+          </p:spPr>
+          <p:txBody>
+            <a:bodyPr/>
+            <a:lstStyle/>
+            <a:p>
+              <a:endParaRPr lang="en-IN"/>
+            </a:p>
+          </p:txBody>
+        </p:sp>
+        <p:sp>
+          <p:nvSpPr>
+            <p:cNvPr id="26" name="Freeform 16">
+              <a:extLst>
+                <a:ext uri="{FF2B5EF4-FFF2-40B4-BE49-F238E27FC236}">
+                  <a16:creationId xmlns:a16="http://schemas.microsoft.com/office/drawing/2014/main" id="{FAADEE34-87D6-49F7-BD7C-6E9B4A15C205}"/>
+                </a:ext>
+                <a:ext uri="{C183D7F6-B498-43B3-948B-1728B52AA6E4}">
+                  <adec:decorative xmlns:adec="http://schemas.microsoft.com/office/drawing/2017/decorative" val="1"/>
+                </a:ext>
+              </a:extLst>
+            </p:cNvPr>
+            <p:cNvSpPr>
+              <a:spLocks noEditPoints="1"/>
+            </p:cNvSpPr>
+            <p:nvPr>
+              <p:extLst>
+                <p:ext uri="{386F3935-93C4-4BCD-93E2-E3B085C9AB24}">
+                  <p16:designElem xmlns:p16="http://schemas.microsoft.com/office/powerpoint/2015/main" val="1"/>
+                </p:ext>
+              </p:extLst>
+            </p:nvPr>
+          </p:nvSpPr>
+          <p:spPr bwMode="auto">
+            <a:xfrm>
+              <a:off x="1685925" y="903287"/>
+              <a:ext cx="190500" cy="190500"/>
+            </a:xfrm>
+            <a:custGeom>
+              <a:avLst/>
+              <a:gdLst/>
+              <a:ahLst/>
+              <a:cxnLst/>
+              <a:rect l="0" t="0" r="r" b="b"/>
+              <a:pathLst>
+                <a:path w="40" h="40">
+                  <a:moveTo>
+                    <a:pt x="20" y="40"/>
+                  </a:moveTo>
+                  <a:cubicBezTo>
+                    <a:pt x="9" y="40"/>
+                    <a:pt x="0" y="31"/>
+                    <a:pt x="0" y="20"/>
+                  </a:cubicBezTo>
+                  <a:cubicBezTo>
+                    <a:pt x="0" y="9"/>
+                    <a:pt x="9" y="0"/>
+                    <a:pt x="20" y="0"/>
+                  </a:cubicBezTo>
+                  <a:cubicBezTo>
+                    <a:pt x="31" y="0"/>
+                    <a:pt x="40" y="9"/>
+                    <a:pt x="40" y="20"/>
+                  </a:cubicBezTo>
+                  <a:cubicBezTo>
+                    <a:pt x="40" y="31"/>
+                    <a:pt x="31" y="40"/>
+                    <a:pt x="20" y="40"/>
+                  </a:cubicBezTo>
+                  <a:close/>
+                  <a:moveTo>
+                    <a:pt x="20" y="4"/>
+                  </a:moveTo>
+                  <a:cubicBezTo>
+                    <a:pt x="11" y="4"/>
+                    <a:pt x="4" y="11"/>
+                    <a:pt x="4" y="20"/>
+                  </a:cubicBezTo>
+                  <a:cubicBezTo>
+                    <a:pt x="4" y="29"/>
+                    <a:pt x="11" y="36"/>
+                    <a:pt x="20" y="36"/>
+                  </a:cubicBezTo>
+                  <a:cubicBezTo>
+                    <a:pt x="29" y="36"/>
+                    <a:pt x="36" y="29"/>
+                    <a:pt x="36" y="20"/>
+                  </a:cubicBezTo>
+                  <a:cubicBezTo>
+                    <a:pt x="36" y="11"/>
+                    <a:pt x="29" y="4"/>
+                    <a:pt x="20" y="4"/>
+                  </a:cubicBezTo>
+                  <a:close/>
+                </a:path>
+              </a:pathLst>
+            </a:custGeom>
+            <a:solidFill>
+              <a:srgbClr val="FFFFFF">
+                <a:alpha val="70000"/>
+              </a:srgbClr>
+            </a:solidFill>
+            <a:ln>
+              <a:noFill/>
+            </a:ln>
+            <a:extLst>
+              <a:ext uri="{91240B29-F687-4f45-9708-019B960494DF}">
+                <a14:hiddenLine xmlns="" xmlns:a16="http://schemas.microsoft.com/office/drawing/2014/main" xmlns:p14="http://schemas.microsoft.com/office/powerpoint/2010/main" xmlns:a14="http://schemas.microsoft.com/office/drawing/2010/main" w="9525">
+                  <a:solidFill>
+                    <a:srgbClr val="000000"/>
+                  </a:solidFill>
+                  <a:round/>
+                  <a:headEnd/>
+                  <a:tailEnd/>
+                </a14:hiddenLine>
+              </a:ext>
+            </a:extLst>
+          </p:spPr>
+          <p:txBody>
+            <a:bodyPr/>
+            <a:lstStyle/>
+            <a:p>
+              <a:endParaRPr lang="en-IN"/>
+            </a:p>
+          </p:txBody>
+        </p:sp>
+        <p:sp>
+          <p:nvSpPr>
+            <p:cNvPr id="27" name="Freeform 17">
+              <a:extLst>
+                <a:ext uri="{FF2B5EF4-FFF2-40B4-BE49-F238E27FC236}">
+                  <a16:creationId xmlns:a16="http://schemas.microsoft.com/office/drawing/2014/main" id="{EEF15212-62A9-4C7D-8E44-A8EE702C294F}"/>
+                </a:ext>
+                <a:ext uri="{C183D7F6-B498-43B3-948B-1728B52AA6E4}">
+                  <adec:decorative xmlns:adec="http://schemas.microsoft.com/office/drawing/2017/decorative" val="1"/>
+                </a:ext>
+              </a:extLst>
+            </p:cNvPr>
+            <p:cNvSpPr/>
+            <p:nvPr>
+              <p:extLst>
+                <p:ext uri="{386F3935-93C4-4BCD-93E2-E3B085C9AB24}">
+                  <p16:designElem xmlns:p16="http://schemas.microsoft.com/office/powerpoint/2015/main" val="1"/>
+                </p:ext>
+              </p:extLst>
+            </p:nvPr>
+          </p:nvSpPr>
+          <p:spPr bwMode="auto">
+            <a:xfrm>
+              <a:off x="1743075" y="4762"/>
+              <a:ext cx="419100" cy="522288"/>
+            </a:xfrm>
+            <a:custGeom>
+              <a:avLst/>
+              <a:gdLst/>
+              <a:ahLst/>
+              <a:cxnLst/>
+              <a:rect l="0" t="0" r="r" b="b"/>
+              <a:pathLst>
+                <a:path w="264" h="329">
+                  <a:moveTo>
+                    <a:pt x="252" y="329"/>
+                  </a:moveTo>
+                  <a:lnTo>
+                    <a:pt x="45" y="120"/>
+                  </a:lnTo>
+                  <a:lnTo>
+                    <a:pt x="0" y="6"/>
+                  </a:lnTo>
+                  <a:lnTo>
+                    <a:pt x="15" y="0"/>
+                  </a:lnTo>
+                  <a:lnTo>
+                    <a:pt x="60" y="111"/>
+                  </a:lnTo>
+                  <a:lnTo>
+                    <a:pt x="264" y="317"/>
+                  </a:lnTo>
+                  <a:lnTo>
+                    <a:pt x="252" y="329"/>
+                  </a:lnTo>
+                  <a:close/>
+                </a:path>
+              </a:pathLst>
+            </a:custGeom>
+            <a:solidFill>
+              <a:srgbClr val="FFFFFF">
+                <a:alpha val="70000"/>
+              </a:srgbClr>
+            </a:solidFill>
+            <a:ln>
+              <a:noFill/>
+            </a:ln>
+            <a:extLst>
+              <a:ext uri="{91240B29-F687-4f45-9708-019B960494DF}">
+                <a14:hiddenLine xmlns="" xmlns:a16="http://schemas.microsoft.com/office/drawing/2014/main" xmlns:p14="http://schemas.microsoft.com/office/powerpoint/2010/main" xmlns:a14="http://schemas.microsoft.com/office/drawing/2010/main" w="9525">
+                  <a:solidFill>
+                    <a:srgbClr val="000000"/>
+                  </a:solidFill>
+                  <a:round/>
+                  <a:headEnd/>
+                  <a:tailEnd/>
+                </a14:hiddenLine>
+              </a:ext>
+            </a:extLst>
+          </p:spPr>
+          <p:txBody>
+            <a:bodyPr/>
+            <a:lstStyle/>
+            <a:p>
+              <a:endParaRPr lang="en-IN"/>
+            </a:p>
+          </p:txBody>
+        </p:sp>
+        <p:sp>
+          <p:nvSpPr>
+            <p:cNvPr id="28" name="Freeform 18">
+              <a:extLst>
+                <a:ext uri="{FF2B5EF4-FFF2-40B4-BE49-F238E27FC236}">
+                  <a16:creationId xmlns:a16="http://schemas.microsoft.com/office/drawing/2014/main" id="{AA9CD605-9A47-422D-B59B-EF520819CA66}"/>
+                </a:ext>
+                <a:ext uri="{C183D7F6-B498-43B3-948B-1728B52AA6E4}">
+                  <adec:decorative xmlns:adec="http://schemas.microsoft.com/office/drawing/2017/decorative" val="1"/>
+                </a:ext>
+              </a:extLst>
+            </p:cNvPr>
+            <p:cNvSpPr>
+              <a:spLocks noEditPoints="1"/>
+            </p:cNvSpPr>
+            <p:nvPr>
+              <p:extLst>
+                <p:ext uri="{386F3935-93C4-4BCD-93E2-E3B085C9AB24}">
+                  <p16:designElem xmlns:p16="http://schemas.microsoft.com/office/powerpoint/2015/main" val="1"/>
+                </p:ext>
+              </p:extLst>
+            </p:nvPr>
+          </p:nvSpPr>
+          <p:spPr bwMode="auto">
+            <a:xfrm>
+              <a:off x="2119313" y="488949"/>
+              <a:ext cx="161925" cy="147638"/>
+            </a:xfrm>
+            <a:custGeom>
+              <a:avLst/>
+              <a:gdLst/>
+              <a:ahLst/>
+              <a:cxnLst/>
+              <a:rect l="0" t="0" r="r" b="b"/>
+              <a:pathLst>
+                <a:path w="34" h="31">
+                  <a:moveTo>
+                    <a:pt x="17" y="31"/>
+                  </a:moveTo>
+                  <a:cubicBezTo>
+                    <a:pt x="13" y="31"/>
+                    <a:pt x="9" y="30"/>
+                    <a:pt x="6" y="27"/>
+                  </a:cubicBezTo>
+                  <a:cubicBezTo>
+                    <a:pt x="0" y="20"/>
+                    <a:pt x="0" y="10"/>
+                    <a:pt x="6" y="4"/>
+                  </a:cubicBezTo>
+                  <a:cubicBezTo>
+                    <a:pt x="9" y="1"/>
+                    <a:pt x="13" y="0"/>
+                    <a:pt x="17" y="0"/>
+                  </a:cubicBezTo>
+                  <a:cubicBezTo>
+                    <a:pt x="21" y="0"/>
+                    <a:pt x="25" y="1"/>
+                    <a:pt x="28" y="4"/>
+                  </a:cubicBezTo>
+                  <a:cubicBezTo>
+                    <a:pt x="34" y="10"/>
+                    <a:pt x="34" y="20"/>
+                    <a:pt x="28" y="27"/>
+                  </a:cubicBezTo>
+                  <a:cubicBezTo>
+                    <a:pt x="25" y="30"/>
+                    <a:pt x="21" y="31"/>
+                    <a:pt x="17" y="31"/>
+                  </a:cubicBezTo>
+                  <a:close/>
+                  <a:moveTo>
+                    <a:pt x="17" y="4"/>
+                  </a:moveTo>
+                  <a:cubicBezTo>
+                    <a:pt x="14" y="4"/>
+                    <a:pt x="11" y="5"/>
+                    <a:pt x="9" y="7"/>
+                  </a:cubicBezTo>
+                  <a:cubicBezTo>
+                    <a:pt x="4" y="12"/>
+                    <a:pt x="4" y="19"/>
+                    <a:pt x="9" y="24"/>
+                  </a:cubicBezTo>
+                  <a:cubicBezTo>
+                    <a:pt x="11" y="26"/>
+                    <a:pt x="14" y="27"/>
+                    <a:pt x="17" y="27"/>
+                  </a:cubicBezTo>
+                  <a:cubicBezTo>
+                    <a:pt x="20" y="27"/>
+                    <a:pt x="23" y="26"/>
+                    <a:pt x="25" y="24"/>
+                  </a:cubicBezTo>
+                  <a:cubicBezTo>
+                    <a:pt x="30" y="19"/>
+                    <a:pt x="30" y="12"/>
+                    <a:pt x="25" y="7"/>
+                  </a:cubicBezTo>
+                  <a:cubicBezTo>
+                    <a:pt x="23" y="5"/>
+                    <a:pt x="20" y="4"/>
+                    <a:pt x="17" y="4"/>
+                  </a:cubicBezTo>
+                  <a:close/>
+                </a:path>
+              </a:pathLst>
+            </a:custGeom>
+            <a:solidFill>
+              <a:srgbClr val="FFFFFF">
+                <a:alpha val="70000"/>
+              </a:srgbClr>
+            </a:solidFill>
+            <a:ln>
+              <a:noFill/>
+            </a:ln>
+            <a:extLst>
+              <a:ext uri="{91240B29-F687-4f45-9708-019B960494DF}">
+                <a14:hiddenLine xmlns="" xmlns:a16="http://schemas.microsoft.com/office/drawing/2014/main" xmlns:p14="http://schemas.microsoft.com/office/powerpoint/2010/main" xmlns:a14="http://schemas.microsoft.com/office/drawing/2010/main" w="9525">
+                  <a:solidFill>
+                    <a:srgbClr val="000000"/>
+                  </a:solidFill>
+                  <a:round/>
+                  <a:headEnd/>
+                  <a:tailEnd/>
+                </a14:hiddenLine>
+              </a:ext>
+            </a:extLst>
+          </p:spPr>
+          <p:txBody>
+            <a:bodyPr/>
+            <a:lstStyle/>
+            <a:p>
+              <a:endParaRPr lang="en-IN"/>
+            </a:p>
+          </p:txBody>
+        </p:sp>
+        <p:sp>
+          <p:nvSpPr>
+            <p:cNvPr id="29" name="Freeform 19">
+              <a:extLst>
+                <a:ext uri="{FF2B5EF4-FFF2-40B4-BE49-F238E27FC236}">
+                  <a16:creationId xmlns:a16="http://schemas.microsoft.com/office/drawing/2014/main" id="{84697520-ED42-45DF-808D-08406E6D7172}"/>
+                </a:ext>
+                <a:ext uri="{C183D7F6-B498-43B3-948B-1728B52AA6E4}">
+                  <adec:decorative xmlns:adec="http://schemas.microsoft.com/office/drawing/2017/decorative" val="1"/>
+                </a:ext>
+              </a:extLst>
+            </p:cNvPr>
+            <p:cNvSpPr/>
+            <p:nvPr>
+              <p:extLst>
+                <p:ext uri="{386F3935-93C4-4BCD-93E2-E3B085C9AB24}">
+                  <p16:designElem xmlns:p16="http://schemas.microsoft.com/office/powerpoint/2015/main" val="1"/>
+                </p:ext>
+              </p:extLst>
+            </p:nvPr>
+          </p:nvSpPr>
+          <p:spPr bwMode="auto">
+            <a:xfrm>
+              <a:off x="952500" y="4762"/>
+              <a:ext cx="152400" cy="908050"/>
+            </a:xfrm>
+            <a:custGeom>
+              <a:avLst/>
+              <a:gdLst/>
+              <a:ahLst/>
+              <a:cxnLst/>
+              <a:rect l="0" t="0" r="r" b="b"/>
+              <a:pathLst>
+                <a:path w="96" h="572">
+                  <a:moveTo>
+                    <a:pt x="15" y="572"/>
+                  </a:moveTo>
+                  <a:lnTo>
+                    <a:pt x="0" y="572"/>
+                  </a:lnTo>
+                  <a:lnTo>
+                    <a:pt x="0" y="189"/>
+                  </a:lnTo>
+                  <a:lnTo>
+                    <a:pt x="81" y="0"/>
+                  </a:lnTo>
+                  <a:lnTo>
+                    <a:pt x="96" y="6"/>
+                  </a:lnTo>
+                  <a:lnTo>
+                    <a:pt x="15" y="192"/>
+                  </a:lnTo>
+                  <a:lnTo>
+                    <a:pt x="15" y="572"/>
+                  </a:lnTo>
+                  <a:close/>
+                </a:path>
+              </a:pathLst>
+            </a:custGeom>
+            <a:solidFill>
+              <a:srgbClr val="FFFFFF">
+                <a:alpha val="70000"/>
+              </a:srgbClr>
+            </a:solidFill>
+            <a:ln>
+              <a:noFill/>
+            </a:ln>
+            <a:extLst>
+              <a:ext uri="{91240B29-F687-4f45-9708-019B960494DF}">
+                <a14:hiddenLine xmlns="" xmlns:a16="http://schemas.microsoft.com/office/drawing/2014/main" xmlns:p14="http://schemas.microsoft.com/office/powerpoint/2010/main" xmlns:a14="http://schemas.microsoft.com/office/drawing/2010/main" w="9525">
+                  <a:solidFill>
+                    <a:srgbClr val="000000"/>
+                  </a:solidFill>
+                  <a:round/>
+                  <a:headEnd/>
+                  <a:tailEnd/>
+                </a14:hiddenLine>
+              </a:ext>
+            </a:extLst>
+          </p:spPr>
+          <p:txBody>
+            <a:bodyPr/>
+            <a:lstStyle/>
+            <a:p>
+              <a:endParaRPr lang="en-IN"/>
+            </a:p>
+          </p:txBody>
+        </p:sp>
+        <p:sp>
+          <p:nvSpPr>
+            <p:cNvPr id="30" name="Freeform 20">
+              <a:extLst>
+                <a:ext uri="{FF2B5EF4-FFF2-40B4-BE49-F238E27FC236}">
+                  <a16:creationId xmlns:a16="http://schemas.microsoft.com/office/drawing/2014/main" id="{5B77A4A4-2564-4FCD-AAB6-EF5928FC041D}"/>
+                </a:ext>
+                <a:ext uri="{C183D7F6-B498-43B3-948B-1728B52AA6E4}">
+                  <adec:decorative xmlns:adec="http://schemas.microsoft.com/office/drawing/2017/decorative" val="1"/>
+                </a:ext>
+              </a:extLst>
+            </p:cNvPr>
+            <p:cNvSpPr>
+              <a:spLocks noEditPoints="1"/>
+            </p:cNvSpPr>
+            <p:nvPr>
+              <p:extLst>
+                <p:ext uri="{386F3935-93C4-4BCD-93E2-E3B085C9AB24}">
+                  <p16:designElem xmlns:p16="http://schemas.microsoft.com/office/powerpoint/2015/main" val="1"/>
+                </p:ext>
+              </p:extLst>
+            </p:nvPr>
+          </p:nvSpPr>
+          <p:spPr bwMode="auto">
+            <a:xfrm>
+              <a:off x="866775" y="903287"/>
+              <a:ext cx="190500" cy="190500"/>
+            </a:xfrm>
+            <a:custGeom>
+              <a:avLst/>
+              <a:gdLst/>
+              <a:ahLst/>
+              <a:cxnLst/>
+              <a:rect l="0" t="0" r="r" b="b"/>
+              <a:pathLst>
+                <a:path w="40" h="40">
+                  <a:moveTo>
+                    <a:pt x="20" y="40"/>
+                  </a:moveTo>
+                  <a:cubicBezTo>
+                    <a:pt x="9" y="40"/>
+                    <a:pt x="0" y="31"/>
+                    <a:pt x="0" y="20"/>
+                  </a:cubicBezTo>
+                  <a:cubicBezTo>
+                    <a:pt x="0" y="9"/>
+                    <a:pt x="9" y="0"/>
+                    <a:pt x="20" y="0"/>
+                  </a:cubicBezTo>
+                  <a:cubicBezTo>
+                    <a:pt x="31" y="0"/>
+                    <a:pt x="40" y="9"/>
+                    <a:pt x="40" y="20"/>
+                  </a:cubicBezTo>
+                  <a:cubicBezTo>
+                    <a:pt x="40" y="31"/>
+                    <a:pt x="31" y="40"/>
+                    <a:pt x="20" y="40"/>
+                  </a:cubicBezTo>
+                  <a:close/>
+                  <a:moveTo>
+                    <a:pt x="20" y="4"/>
+                  </a:moveTo>
+                  <a:cubicBezTo>
+                    <a:pt x="11" y="4"/>
+                    <a:pt x="4" y="12"/>
+                    <a:pt x="4" y="20"/>
+                  </a:cubicBezTo>
+                  <a:cubicBezTo>
+                    <a:pt x="4" y="29"/>
+                    <a:pt x="11" y="36"/>
+                    <a:pt x="20" y="36"/>
+                  </a:cubicBezTo>
+                  <a:cubicBezTo>
+                    <a:pt x="29" y="36"/>
+                    <a:pt x="36" y="29"/>
+                    <a:pt x="36" y="20"/>
+                  </a:cubicBezTo>
+                  <a:cubicBezTo>
+                    <a:pt x="36" y="12"/>
+                    <a:pt x="29" y="4"/>
+                    <a:pt x="20" y="4"/>
+                  </a:cubicBezTo>
+                  <a:close/>
+                </a:path>
+              </a:pathLst>
+            </a:custGeom>
+            <a:solidFill>
+              <a:srgbClr val="FFFFFF">
+                <a:alpha val="70000"/>
+              </a:srgbClr>
+            </a:solidFill>
+            <a:ln>
+              <a:noFill/>
+            </a:ln>
+            <a:extLst>
+              <a:ext uri="{91240B29-F687-4f45-9708-019B960494DF}">
+                <a14:hiddenLine xmlns="" xmlns:a16="http://schemas.microsoft.com/office/drawing/2014/main" xmlns:p14="http://schemas.microsoft.com/office/powerpoint/2010/main" xmlns:a14="http://schemas.microsoft.com/office/drawing/2010/main" w="9525">
+                  <a:solidFill>
+                    <a:srgbClr val="000000"/>
+                  </a:solidFill>
+                  <a:round/>
+                  <a:headEnd/>
+                  <a:tailEnd/>
+                </a14:hiddenLine>
+              </a:ext>
+            </a:extLst>
+          </p:spPr>
+          <p:txBody>
+            <a:bodyPr/>
+            <a:lstStyle/>
+            <a:p>
+              <a:endParaRPr lang="en-IN"/>
+            </a:p>
+          </p:txBody>
+        </p:sp>
+        <p:sp>
+          <p:nvSpPr>
+            <p:cNvPr id="31" name="Freeform 21">
+              <a:extLst>
+                <a:ext uri="{FF2B5EF4-FFF2-40B4-BE49-F238E27FC236}">
+                  <a16:creationId xmlns:a16="http://schemas.microsoft.com/office/drawing/2014/main" id="{FBA27082-4F5A-4B4B-9E9F-08D99C377CA0}"/>
+                </a:ext>
+                <a:ext uri="{C183D7F6-B498-43B3-948B-1728B52AA6E4}">
+                  <adec:decorative xmlns:adec="http://schemas.microsoft.com/office/drawing/2017/decorative" val="1"/>
+                </a:ext>
+              </a:extLst>
+            </p:cNvPr>
+            <p:cNvSpPr>
+              <a:spLocks noEditPoints="1"/>
+            </p:cNvSpPr>
+            <p:nvPr>
+              <p:extLst>
+                <p:ext uri="{386F3935-93C4-4BCD-93E2-E3B085C9AB24}">
+                  <p16:designElem xmlns:p16="http://schemas.microsoft.com/office/powerpoint/2015/main" val="1"/>
+                </p:ext>
+              </p:extLst>
+            </p:nvPr>
+          </p:nvSpPr>
+          <p:spPr bwMode="auto">
+            <a:xfrm>
+              <a:off x="890588" y="1554162"/>
+              <a:ext cx="190500" cy="190500"/>
+            </a:xfrm>
+            <a:custGeom>
+              <a:avLst/>
+              <a:gdLst/>
+              <a:ahLst/>
+              <a:cxnLst/>
+              <a:rect l="0" t="0" r="r" b="b"/>
+              <a:pathLst>
+                <a:path w="40" h="40">
+                  <a:moveTo>
+                    <a:pt x="20" y="40"/>
+                  </a:moveTo>
+                  <a:cubicBezTo>
+                    <a:pt x="9" y="40"/>
+                    <a:pt x="0" y="31"/>
+                    <a:pt x="0" y="20"/>
+                  </a:cubicBezTo>
+                  <a:cubicBezTo>
+                    <a:pt x="0" y="9"/>
+                    <a:pt x="9" y="0"/>
+                    <a:pt x="20" y="0"/>
+                  </a:cubicBezTo>
+                  <a:cubicBezTo>
+                    <a:pt x="31" y="0"/>
+                    <a:pt x="40" y="9"/>
+                    <a:pt x="40" y="20"/>
+                  </a:cubicBezTo>
+                  <a:cubicBezTo>
+                    <a:pt x="40" y="31"/>
+                    <a:pt x="31" y="40"/>
+                    <a:pt x="20" y="40"/>
+                  </a:cubicBezTo>
+                  <a:close/>
+                  <a:moveTo>
+                    <a:pt x="20" y="4"/>
+                  </a:moveTo>
+                  <a:cubicBezTo>
+                    <a:pt x="11" y="4"/>
+                    <a:pt x="4" y="11"/>
+                    <a:pt x="4" y="20"/>
+                  </a:cubicBezTo>
+                  <a:cubicBezTo>
+                    <a:pt x="4" y="28"/>
+                    <a:pt x="11" y="36"/>
+                    <a:pt x="20" y="36"/>
+                  </a:cubicBezTo>
+                  <a:cubicBezTo>
+                    <a:pt x="29" y="36"/>
+                    <a:pt x="36" y="28"/>
+                    <a:pt x="36" y="20"/>
+                  </a:cubicBezTo>
+                  <a:cubicBezTo>
+                    <a:pt x="36" y="11"/>
+                    <a:pt x="29" y="4"/>
+                    <a:pt x="20" y="4"/>
+                  </a:cubicBezTo>
+                  <a:close/>
+                </a:path>
+              </a:pathLst>
+            </a:custGeom>
+            <a:solidFill>
+              <a:srgbClr val="FFFFFF">
+                <a:alpha val="70000"/>
+              </a:srgbClr>
+            </a:solidFill>
+            <a:ln>
+              <a:noFill/>
+            </a:ln>
+            <a:extLst>
+              <a:ext uri="{91240B29-F687-4f45-9708-019B960494DF}">
+                <a14:hiddenLine xmlns="" xmlns:a16="http://schemas.microsoft.com/office/drawing/2014/main" xmlns:p14="http://schemas.microsoft.com/office/powerpoint/2010/main" xmlns:a14="http://schemas.microsoft.com/office/drawing/2010/main" w="9525">
+                  <a:solidFill>
+                    <a:srgbClr val="000000"/>
+                  </a:solidFill>
+                  <a:round/>
+                  <a:headEnd/>
+                  <a:tailEnd/>
+                </a14:hiddenLine>
+              </a:ext>
+            </a:extLst>
+          </p:spPr>
+          <p:txBody>
+            <a:bodyPr/>
+            <a:lstStyle/>
+            <a:p>
+              <a:endParaRPr lang="en-IN"/>
+            </a:p>
+          </p:txBody>
+        </p:sp>
+        <p:sp>
+          <p:nvSpPr>
+            <p:cNvPr id="32" name="Freeform 24">
+              <a:extLst>
+                <a:ext uri="{FF2B5EF4-FFF2-40B4-BE49-F238E27FC236}">
+                  <a16:creationId xmlns:a16="http://schemas.microsoft.com/office/drawing/2014/main" id="{F9FB517D-15AF-4171-A924-F788CCD86DE7}"/>
+                </a:ext>
+                <a:ext uri="{C183D7F6-B498-43B3-948B-1728B52AA6E4}">
+                  <adec:decorative xmlns:adec="http://schemas.microsoft.com/office/drawing/2017/decorative" val="1"/>
+                </a:ext>
+              </a:extLst>
+            </p:cNvPr>
+            <p:cNvSpPr>
+              <a:spLocks noEditPoints="1"/>
+            </p:cNvSpPr>
+            <p:nvPr>
+              <p:extLst>
+                <p:ext uri="{386F3935-93C4-4BCD-93E2-E3B085C9AB24}">
+                  <p16:designElem xmlns:p16="http://schemas.microsoft.com/office/powerpoint/2015/main" val="1"/>
+                </p:ext>
+              </p:extLst>
+            </p:nvPr>
+          </p:nvSpPr>
+          <p:spPr bwMode="auto">
+            <a:xfrm>
+              <a:off x="66675" y="903287"/>
+              <a:ext cx="190500" cy="190500"/>
+            </a:xfrm>
+            <a:custGeom>
+              <a:avLst/>
+              <a:gdLst/>
+              <a:ahLst/>
+              <a:cxnLst/>
+              <a:rect l="0" t="0" r="r" b="b"/>
+              <a:pathLst>
+                <a:path w="40" h="40">
+                  <a:moveTo>
+                    <a:pt x="20" y="40"/>
+                  </a:moveTo>
+                  <a:cubicBezTo>
+                    <a:pt x="9" y="40"/>
+                    <a:pt x="0" y="31"/>
+                    <a:pt x="0" y="20"/>
+                  </a:cubicBezTo>
+                  <a:cubicBezTo>
+                    <a:pt x="0" y="9"/>
+                    <a:pt x="9" y="0"/>
+                    <a:pt x="20" y="0"/>
+                  </a:cubicBezTo>
+                  <a:cubicBezTo>
+                    <a:pt x="32" y="0"/>
+                    <a:pt x="40" y="9"/>
+                    <a:pt x="40" y="20"/>
+                  </a:cubicBezTo>
+                  <a:cubicBezTo>
+                    <a:pt x="40" y="31"/>
+                    <a:pt x="32" y="40"/>
+                    <a:pt x="20" y="40"/>
+                  </a:cubicBezTo>
+                  <a:close/>
+                  <a:moveTo>
+                    <a:pt x="20" y="4"/>
+                  </a:moveTo>
+                  <a:cubicBezTo>
+                    <a:pt x="12" y="4"/>
+                    <a:pt x="4" y="12"/>
+                    <a:pt x="4" y="20"/>
+                  </a:cubicBezTo>
+                  <a:cubicBezTo>
+                    <a:pt x="4" y="29"/>
+                    <a:pt x="12" y="36"/>
+                    <a:pt x="20" y="36"/>
+                  </a:cubicBezTo>
+                  <a:cubicBezTo>
+                    <a:pt x="29" y="36"/>
+                    <a:pt x="36" y="29"/>
+                    <a:pt x="36" y="20"/>
+                  </a:cubicBezTo>
+                  <a:cubicBezTo>
+                    <a:pt x="36" y="12"/>
+                    <a:pt x="29" y="4"/>
+                    <a:pt x="20" y="4"/>
+                  </a:cubicBezTo>
+                  <a:close/>
+                </a:path>
+              </a:pathLst>
+            </a:custGeom>
+            <a:solidFill>
+              <a:srgbClr val="FFFFFF">
+                <a:alpha val="70000"/>
+              </a:srgbClr>
+            </a:solidFill>
+            <a:ln>
+              <a:noFill/>
+            </a:ln>
+            <a:extLst>
+              <a:ext uri="{91240B29-F687-4f45-9708-019B960494DF}">
+                <a14:hiddenLine xmlns="" xmlns:a16="http://schemas.microsoft.com/office/drawing/2014/main" xmlns:p14="http://schemas.microsoft.com/office/powerpoint/2010/main" xmlns:a14="http://schemas.microsoft.com/office/drawing/2010/main" w="9525">
+                  <a:solidFill>
+                    <a:srgbClr val="000000"/>
+                  </a:solidFill>
+                  <a:round/>
+                  <a:headEnd/>
+                  <a:tailEnd/>
+                </a14:hiddenLine>
+              </a:ext>
+            </a:extLst>
+          </p:spPr>
+          <p:txBody>
+            <a:bodyPr/>
+            <a:lstStyle/>
+            <a:p>
+              <a:endParaRPr lang="en-IN"/>
+            </a:p>
+          </p:txBody>
+        </p:sp>
+        <p:sp>
+          <p:nvSpPr>
+            <p:cNvPr id="33" name="Freeform 25">
+              <a:extLst>
+                <a:ext uri="{FF2B5EF4-FFF2-40B4-BE49-F238E27FC236}">
+                  <a16:creationId xmlns:a16="http://schemas.microsoft.com/office/drawing/2014/main" id="{5A4DA561-E7F6-472E-BFF7-56F5699D0A76}"/>
+                </a:ext>
+                <a:ext uri="{C183D7F6-B498-43B3-948B-1728B52AA6E4}">
+                  <adec:decorative xmlns:adec="http://schemas.microsoft.com/office/drawing/2017/decorative" val="1"/>
+                </a:ext>
+              </a:extLst>
+            </p:cNvPr>
+            <p:cNvSpPr/>
+            <p:nvPr>
+              <p:extLst>
+                <p:ext uri="{386F3935-93C4-4BCD-93E2-E3B085C9AB24}">
+                  <p16:designElem xmlns:p16="http://schemas.microsoft.com/office/powerpoint/2015/main" val="1"/>
+                </p:ext>
+              </p:extLst>
+            </p:nvPr>
+          </p:nvSpPr>
+          <p:spPr bwMode="auto">
+            <a:xfrm>
+              <a:off x="0" y="3897312"/>
+              <a:ext cx="133350" cy="266700"/>
+            </a:xfrm>
+            <a:custGeom>
+              <a:avLst/>
+              <a:gdLst/>
+              <a:ahLst/>
+              <a:cxnLst/>
+              <a:rect l="0" t="0" r="r" b="b"/>
+              <a:pathLst>
+                <a:path w="84" h="168">
+                  <a:moveTo>
+                    <a:pt x="69" y="168"/>
+                  </a:moveTo>
+                  <a:lnTo>
+                    <a:pt x="0" y="6"/>
+                  </a:lnTo>
+                  <a:lnTo>
+                    <a:pt x="12" y="0"/>
+                  </a:lnTo>
+                  <a:lnTo>
+                    <a:pt x="84" y="162"/>
+                  </a:lnTo>
+                  <a:lnTo>
+                    <a:pt x="69" y="168"/>
+                  </a:lnTo>
+                  <a:close/>
+                </a:path>
+              </a:pathLst>
+            </a:custGeom>
+            <a:solidFill>
+              <a:srgbClr val="FFFFFF">
+                <a:alpha val="70000"/>
+              </a:srgbClr>
+            </a:solidFill>
+            <a:ln>
+              <a:noFill/>
+            </a:ln>
+            <a:extLst>
+              <a:ext uri="{91240B29-F687-4f45-9708-019B960494DF}">
+                <a14:hiddenLine xmlns="" xmlns:a16="http://schemas.microsoft.com/office/drawing/2014/main" xmlns:p14="http://schemas.microsoft.com/office/powerpoint/2010/main" xmlns:a14="http://schemas.microsoft.com/office/drawing/2010/main" w="9525">
+                  <a:solidFill>
+                    <a:srgbClr val="000000"/>
+                  </a:solidFill>
+                  <a:round/>
+                  <a:headEnd/>
+                  <a:tailEnd/>
+                </a14:hiddenLine>
+              </a:ext>
+            </a:extLst>
+          </p:spPr>
+          <p:txBody>
+            <a:bodyPr/>
+            <a:lstStyle/>
+            <a:p>
+              <a:endParaRPr lang="en-IN"/>
+            </a:p>
+          </p:txBody>
+        </p:sp>
+        <p:sp>
+          <p:nvSpPr>
+            <p:cNvPr id="34" name="Freeform 26">
+              <a:extLst>
+                <a:ext uri="{FF2B5EF4-FFF2-40B4-BE49-F238E27FC236}">
+                  <a16:creationId xmlns:a16="http://schemas.microsoft.com/office/drawing/2014/main" id="{4116AD74-7050-406D-B9C6-0E093DE25D39}"/>
+                </a:ext>
+                <a:ext uri="{C183D7F6-B498-43B3-948B-1728B52AA6E4}">
+                  <adec:decorative xmlns:adec="http://schemas.microsoft.com/office/drawing/2017/decorative" val="1"/>
+                </a:ext>
+              </a:extLst>
+            </p:cNvPr>
+            <p:cNvSpPr>
+              <a:spLocks noEditPoints="1"/>
+            </p:cNvSpPr>
+            <p:nvPr>
+              <p:extLst>
+                <p:ext uri="{386F3935-93C4-4BCD-93E2-E3B085C9AB24}">
+                  <p16:designElem xmlns:p16="http://schemas.microsoft.com/office/powerpoint/2015/main" val="1"/>
+                </p:ext>
+              </p:extLst>
+            </p:nvPr>
+          </p:nvSpPr>
+          <p:spPr bwMode="auto">
+            <a:xfrm>
+              <a:off x="66675" y="4149724"/>
+              <a:ext cx="190500" cy="188913"/>
+            </a:xfrm>
+            <a:custGeom>
+              <a:avLst/>
+              <a:gdLst/>
+              <a:ahLst/>
+              <a:cxnLst/>
+              <a:rect l="0" t="0" r="r" b="b"/>
+              <a:pathLst>
+                <a:path w="40" h="40">
+                  <a:moveTo>
+                    <a:pt x="20" y="40"/>
+                  </a:moveTo>
+                  <a:cubicBezTo>
+                    <a:pt x="9" y="40"/>
+                    <a:pt x="0" y="31"/>
+                    <a:pt x="0" y="20"/>
+                  </a:cubicBezTo>
+                  <a:cubicBezTo>
+                    <a:pt x="0" y="9"/>
+                    <a:pt x="9" y="0"/>
+                    <a:pt x="20" y="0"/>
+                  </a:cubicBezTo>
+                  <a:cubicBezTo>
+                    <a:pt x="31" y="0"/>
+                    <a:pt x="40" y="9"/>
+                    <a:pt x="40" y="20"/>
+                  </a:cubicBezTo>
+                  <a:cubicBezTo>
+                    <a:pt x="40" y="31"/>
+                    <a:pt x="31" y="40"/>
+                    <a:pt x="20" y="40"/>
+                  </a:cubicBezTo>
+                  <a:close/>
+                  <a:moveTo>
+                    <a:pt x="20" y="4"/>
+                  </a:moveTo>
+                  <a:cubicBezTo>
+                    <a:pt x="11" y="4"/>
+                    <a:pt x="4" y="11"/>
+                    <a:pt x="4" y="20"/>
+                  </a:cubicBezTo>
+                  <a:cubicBezTo>
+                    <a:pt x="4" y="28"/>
+                    <a:pt x="11" y="36"/>
+                    <a:pt x="20" y="36"/>
+                  </a:cubicBezTo>
+                  <a:cubicBezTo>
+                    <a:pt x="29" y="36"/>
+                    <a:pt x="36" y="28"/>
+                    <a:pt x="36" y="20"/>
+                  </a:cubicBezTo>
+                  <a:cubicBezTo>
+                    <a:pt x="36" y="11"/>
+                    <a:pt x="29" y="4"/>
+                    <a:pt x="20" y="4"/>
+                  </a:cubicBezTo>
+                  <a:close/>
+                </a:path>
+              </a:pathLst>
+            </a:custGeom>
+            <a:solidFill>
+              <a:srgbClr val="FFFFFF">
+                <a:alpha val="70000"/>
+              </a:srgbClr>
+            </a:solidFill>
+            <a:ln>
+              <a:noFill/>
+            </a:ln>
+            <a:extLst>
+              <a:ext uri="{91240B29-F687-4f45-9708-019B960494DF}">
+                <a14:hiddenLine xmlns="" xmlns:a16="http://schemas.microsoft.com/office/drawing/2014/main" xmlns:p14="http://schemas.microsoft.com/office/powerpoint/2010/main" xmlns:a14="http://schemas.microsoft.com/office/drawing/2010/main" w="9525">
+                  <a:solidFill>
+                    <a:srgbClr val="000000"/>
+                  </a:solidFill>
+                  <a:round/>
+                  <a:headEnd/>
+                  <a:tailEnd/>
+                </a14:hiddenLine>
+              </a:ext>
+            </a:extLst>
+          </p:spPr>
+          <p:txBody>
+            <a:bodyPr/>
+            <a:lstStyle/>
+            <a:p>
+              <a:endParaRPr lang="en-IN"/>
+            </a:p>
+          </p:txBody>
+        </p:sp>
+        <p:sp>
+          <p:nvSpPr>
+            <p:cNvPr id="35" name="Freeform 27">
+              <a:extLst>
+                <a:ext uri="{FF2B5EF4-FFF2-40B4-BE49-F238E27FC236}">
+                  <a16:creationId xmlns:a16="http://schemas.microsoft.com/office/drawing/2014/main" id="{39704B7F-8302-4393-87BA-5FE1F1D53E30}"/>
+                </a:ext>
+                <a:ext uri="{C183D7F6-B498-43B3-948B-1728B52AA6E4}">
+                  <adec:decorative xmlns:adec="http://schemas.microsoft.com/office/drawing/2017/decorative" val="1"/>
+                </a:ext>
+              </a:extLst>
+            </p:cNvPr>
+            <p:cNvSpPr/>
+            <p:nvPr>
+              <p:extLst>
+                <p:ext uri="{386F3935-93C4-4BCD-93E2-E3B085C9AB24}">
+                  <p16:designElem xmlns:p16="http://schemas.microsoft.com/office/powerpoint/2015/main" val="1"/>
+                </p:ext>
+              </p:extLst>
+            </p:nvPr>
+          </p:nvSpPr>
+          <p:spPr bwMode="auto">
+            <a:xfrm>
+              <a:off x="0" y="1644649"/>
+              <a:ext cx="133350" cy="269875"/>
+            </a:xfrm>
+            <a:custGeom>
+              <a:avLst/>
+              <a:gdLst/>
+              <a:ahLst/>
+              <a:cxnLst/>
+              <a:rect l="0" t="0" r="r" b="b"/>
+              <a:pathLst>
+                <a:path w="84" h="170">
+                  <a:moveTo>
+                    <a:pt x="12" y="170"/>
+                  </a:moveTo>
+                  <a:lnTo>
+                    <a:pt x="0" y="164"/>
+                  </a:lnTo>
+                  <a:lnTo>
+                    <a:pt x="69" y="0"/>
+                  </a:lnTo>
+                  <a:lnTo>
+                    <a:pt x="84" y="6"/>
+                  </a:lnTo>
+                  <a:lnTo>
+                    <a:pt x="12" y="170"/>
+                  </a:lnTo>
+                  <a:close/>
+                </a:path>
+              </a:pathLst>
+            </a:custGeom>
+            <a:solidFill>
+              <a:srgbClr val="FFFFFF">
+                <a:alpha val="70000"/>
+              </a:srgbClr>
+            </a:solidFill>
+            <a:ln>
+              <a:noFill/>
+            </a:ln>
+            <a:extLst>
+              <a:ext uri="{91240B29-F687-4f45-9708-019B960494DF}">
+                <a14:hiddenLine xmlns="" xmlns:a16="http://schemas.microsoft.com/office/drawing/2014/main" xmlns:p14="http://schemas.microsoft.com/office/powerpoint/2010/main" xmlns:a14="http://schemas.microsoft.com/office/drawing/2010/main" w="9525">
+                  <a:solidFill>
+                    <a:srgbClr val="000000"/>
+                  </a:solidFill>
+                  <a:round/>
+                  <a:headEnd/>
+                  <a:tailEnd/>
+                </a14:hiddenLine>
+              </a:ext>
+            </a:extLst>
+          </p:spPr>
+          <p:txBody>
+            <a:bodyPr/>
+            <a:lstStyle/>
+            <a:p>
+              <a:endParaRPr lang="en-IN"/>
+            </a:p>
+          </p:txBody>
+        </p:sp>
+        <p:sp>
+          <p:nvSpPr>
+            <p:cNvPr id="36" name="Freeform 28">
+              <a:extLst>
+                <a:ext uri="{FF2B5EF4-FFF2-40B4-BE49-F238E27FC236}">
+                  <a16:creationId xmlns:a16="http://schemas.microsoft.com/office/drawing/2014/main" id="{327F5C12-23E8-4541-978B-A3FFC6C38301}"/>
+                </a:ext>
+                <a:ext uri="{C183D7F6-B498-43B3-948B-1728B52AA6E4}">
+                  <adec:decorative xmlns:adec="http://schemas.microsoft.com/office/drawing/2017/decorative" val="1"/>
+                </a:ext>
+              </a:extLst>
+            </p:cNvPr>
+            <p:cNvSpPr>
+              <a:spLocks noEditPoints="1"/>
+            </p:cNvSpPr>
+            <p:nvPr>
+              <p:extLst>
+                <p:ext uri="{386F3935-93C4-4BCD-93E2-E3B085C9AB24}">
+                  <p16:designElem xmlns:p16="http://schemas.microsoft.com/office/powerpoint/2015/main" val="1"/>
+                </p:ext>
+              </p:extLst>
+            </p:nvPr>
+          </p:nvSpPr>
+          <p:spPr bwMode="auto">
+            <a:xfrm>
+              <a:off x="66675" y="1468437"/>
+              <a:ext cx="190500" cy="190500"/>
+            </a:xfrm>
+            <a:custGeom>
+              <a:avLst/>
+              <a:gdLst/>
+              <a:ahLst/>
+              <a:cxnLst/>
+              <a:rect l="0" t="0" r="r" b="b"/>
+              <a:pathLst>
+                <a:path w="40" h="40">
+                  <a:moveTo>
+                    <a:pt x="20" y="40"/>
+                  </a:moveTo>
+                  <a:cubicBezTo>
+                    <a:pt x="9" y="40"/>
+                    <a:pt x="0" y="31"/>
+                    <a:pt x="0" y="20"/>
+                  </a:cubicBezTo>
+                  <a:cubicBezTo>
+                    <a:pt x="0" y="9"/>
+                    <a:pt x="9" y="0"/>
+                    <a:pt x="20" y="0"/>
+                  </a:cubicBezTo>
+                  <a:cubicBezTo>
+                    <a:pt x="31" y="0"/>
+                    <a:pt x="40" y="9"/>
+                    <a:pt x="40" y="20"/>
+                  </a:cubicBezTo>
+                  <a:cubicBezTo>
+                    <a:pt x="40" y="31"/>
+                    <a:pt x="31" y="40"/>
+                    <a:pt x="20" y="40"/>
+                  </a:cubicBezTo>
+                  <a:close/>
+                  <a:moveTo>
+                    <a:pt x="20" y="4"/>
+                  </a:moveTo>
+                  <a:cubicBezTo>
+                    <a:pt x="11" y="4"/>
+                    <a:pt x="4" y="11"/>
+                    <a:pt x="4" y="20"/>
+                  </a:cubicBezTo>
+                  <a:cubicBezTo>
+                    <a:pt x="4" y="28"/>
+                    <a:pt x="11" y="36"/>
+                    <a:pt x="20" y="36"/>
+                  </a:cubicBezTo>
+                  <a:cubicBezTo>
+                    <a:pt x="29" y="36"/>
+                    <a:pt x="36" y="28"/>
+                    <a:pt x="36" y="20"/>
+                  </a:cubicBezTo>
+                  <a:cubicBezTo>
+                    <a:pt x="36" y="11"/>
+                    <a:pt x="29" y="4"/>
+                    <a:pt x="20" y="4"/>
+                  </a:cubicBezTo>
+                  <a:close/>
+                </a:path>
+              </a:pathLst>
+            </a:custGeom>
+            <a:solidFill>
+              <a:srgbClr val="FFFFFF">
+                <a:alpha val="70000"/>
+              </a:srgbClr>
+            </a:solidFill>
+            <a:ln>
+              <a:noFill/>
+            </a:ln>
+            <a:extLst>
+              <a:ext uri="{91240B29-F687-4f45-9708-019B960494DF}">
+                <a14:hiddenLine xmlns="" xmlns:a16="http://schemas.microsoft.com/office/drawing/2014/main" xmlns:p14="http://schemas.microsoft.com/office/powerpoint/2010/main" xmlns:a14="http://schemas.microsoft.com/office/drawing/2010/main" w="9525">
+                  <a:solidFill>
+                    <a:srgbClr val="000000"/>
+                  </a:solidFill>
+                  <a:round/>
+                  <a:headEnd/>
+                  <a:tailEnd/>
+                </a14:hiddenLine>
+              </a:ext>
+            </a:extLst>
+          </p:spPr>
+          <p:txBody>
+            <a:bodyPr/>
+            <a:lstStyle/>
+            <a:p>
+              <a:endParaRPr lang="en-IN"/>
+            </a:p>
+          </p:txBody>
+        </p:sp>
+        <p:sp>
+          <p:nvSpPr>
+            <p:cNvPr id="37" name="Freeform 29">
+              <a:extLst>
+                <a:ext uri="{FF2B5EF4-FFF2-40B4-BE49-F238E27FC236}">
+                  <a16:creationId xmlns:a16="http://schemas.microsoft.com/office/drawing/2014/main" id="{457E0D75-3FEF-4F4D-B77A-61B2EE068F4A}"/>
+                </a:ext>
+                <a:ext uri="{C183D7F6-B498-43B3-948B-1728B52AA6E4}">
+                  <adec:decorative xmlns:adec="http://schemas.microsoft.com/office/drawing/2017/decorative" val="1"/>
+                </a:ext>
+              </a:extLst>
+            </p:cNvPr>
+            <p:cNvSpPr/>
+            <p:nvPr>
+              <p:extLst>
+                <p:ext uri="{386F3935-93C4-4BCD-93E2-E3B085C9AB24}">
+                  <p16:designElem xmlns:p16="http://schemas.microsoft.com/office/powerpoint/2015/main" val="1"/>
+                </p:ext>
+              </p:extLst>
+            </p:nvPr>
+          </p:nvSpPr>
+          <p:spPr bwMode="auto">
+            <a:xfrm>
+              <a:off x="695325" y="4762"/>
+              <a:ext cx="309563" cy="1558925"/>
+            </a:xfrm>
+            <a:custGeom>
+              <a:avLst/>
+              <a:gdLst/>
+              <a:ahLst/>
+              <a:cxnLst/>
+              <a:rect l="0" t="0" r="r" b="b"/>
+              <a:pathLst>
+                <a:path w="195" h="982">
+                  <a:moveTo>
+                    <a:pt x="195" y="982"/>
+                  </a:moveTo>
+                  <a:lnTo>
+                    <a:pt x="177" y="982"/>
+                  </a:lnTo>
+                  <a:lnTo>
+                    <a:pt x="177" y="805"/>
+                  </a:lnTo>
+                  <a:lnTo>
+                    <a:pt x="0" y="629"/>
+                  </a:lnTo>
+                  <a:lnTo>
+                    <a:pt x="0" y="0"/>
+                  </a:lnTo>
+                  <a:lnTo>
+                    <a:pt x="18" y="0"/>
+                  </a:lnTo>
+                  <a:lnTo>
+                    <a:pt x="18" y="623"/>
+                  </a:lnTo>
+                  <a:lnTo>
+                    <a:pt x="195" y="796"/>
+                  </a:lnTo>
+                  <a:lnTo>
+                    <a:pt x="195" y="982"/>
+                  </a:lnTo>
+                  <a:close/>
+                </a:path>
+              </a:pathLst>
+            </a:custGeom>
+            <a:solidFill>
+              <a:srgbClr val="FFFFFF">
+                <a:alpha val="70000"/>
+              </a:srgbClr>
+            </a:solidFill>
+            <a:ln>
+              <a:noFill/>
+            </a:ln>
+            <a:extLst>
+              <a:ext uri="{91240B29-F687-4f45-9708-019B960494DF}">
+                <a14:hiddenLine xmlns="" xmlns:a16="http://schemas.microsoft.com/office/drawing/2014/main" xmlns:p14="http://schemas.microsoft.com/office/powerpoint/2010/main" xmlns:a14="http://schemas.microsoft.com/office/drawing/2010/main" w="9525">
+                  <a:solidFill>
+                    <a:srgbClr val="000000"/>
+                  </a:solidFill>
+                  <a:round/>
+                  <a:headEnd/>
+                  <a:tailEnd/>
+                </a14:hiddenLine>
+              </a:ext>
+            </a:extLst>
+          </p:spPr>
+          <p:txBody>
+            <a:bodyPr/>
+            <a:lstStyle/>
+            <a:p>
+              <a:endParaRPr lang="en-IN"/>
+            </a:p>
+          </p:txBody>
+        </p:sp>
+        <p:sp>
+          <p:nvSpPr>
+            <p:cNvPr id="38" name="Freeform 36">
+              <a:extLst>
+                <a:ext uri="{FF2B5EF4-FFF2-40B4-BE49-F238E27FC236}">
+                  <a16:creationId xmlns:a16="http://schemas.microsoft.com/office/drawing/2014/main" id="{1771F493-916F-4369-AB59-3959D6FFE704}"/>
+                </a:ext>
+                <a:ext uri="{C183D7F6-B498-43B3-948B-1728B52AA6E4}">
+                  <adec:decorative xmlns:adec="http://schemas.microsoft.com/office/drawing/2017/decorative" val="1"/>
+                </a:ext>
+              </a:extLst>
+            </p:cNvPr>
+            <p:cNvSpPr/>
+            <p:nvPr>
+              <p:extLst>
+                <p:ext uri="{386F3935-93C4-4BCD-93E2-E3B085C9AB24}">
+                  <p16:designElem xmlns:p16="http://schemas.microsoft.com/office/powerpoint/2015/main" val="1"/>
+                </p:ext>
+              </p:extLst>
+            </p:nvPr>
+          </p:nvSpPr>
+          <p:spPr bwMode="auto">
+            <a:xfrm>
+              <a:off x="1014413" y="1801812"/>
+              <a:ext cx="214313" cy="755650"/>
+            </a:xfrm>
+            <a:custGeom>
+              <a:avLst/>
+              <a:gdLst/>
+              <a:ahLst/>
+              <a:cxnLst/>
+              <a:rect l="0" t="0" r="r" b="b"/>
+              <a:pathLst>
+                <a:path w="135" h="476">
+                  <a:moveTo>
+                    <a:pt x="12" y="476"/>
+                  </a:moveTo>
+                  <a:lnTo>
+                    <a:pt x="0" y="476"/>
+                  </a:lnTo>
+                  <a:lnTo>
+                    <a:pt x="0" y="128"/>
+                  </a:lnTo>
+                  <a:lnTo>
+                    <a:pt x="126" y="0"/>
+                  </a:lnTo>
+                  <a:lnTo>
+                    <a:pt x="135" y="9"/>
+                  </a:lnTo>
+                  <a:lnTo>
+                    <a:pt x="12" y="131"/>
+                  </a:lnTo>
+                  <a:lnTo>
+                    <a:pt x="12" y="476"/>
+                  </a:lnTo>
+                  <a:close/>
+                </a:path>
+              </a:pathLst>
+            </a:custGeom>
+            <a:solidFill>
+              <a:srgbClr val="FFFFFF">
+                <a:alpha val="70000"/>
+              </a:srgbClr>
+            </a:solidFill>
+            <a:ln>
+              <a:noFill/>
+            </a:ln>
+            <a:extLst>
+              <a:ext uri="{91240B29-F687-4f45-9708-019B960494DF}">
+                <a14:hiddenLine xmlns="" xmlns:a16="http://schemas.microsoft.com/office/drawing/2014/main" xmlns:p14="http://schemas.microsoft.com/office/powerpoint/2010/main" xmlns:a14="http://schemas.microsoft.com/office/drawing/2010/main" w="9525">
+                  <a:solidFill>
+                    <a:srgbClr val="000000"/>
+                  </a:solidFill>
+                  <a:round/>
+                  <a:headEnd/>
+                  <a:tailEnd/>
+                </a14:hiddenLine>
+              </a:ext>
+            </a:extLst>
+          </p:spPr>
+          <p:txBody>
+            <a:bodyPr/>
+            <a:lstStyle/>
+            <a:p>
+              <a:endParaRPr lang="en-IN"/>
+            </a:p>
+          </p:txBody>
+        </p:sp>
+        <p:sp>
+          <p:nvSpPr>
+            <p:cNvPr id="39" name="Freeform 37">
+              <a:extLst>
+                <a:ext uri="{FF2B5EF4-FFF2-40B4-BE49-F238E27FC236}">
+                  <a16:creationId xmlns:a16="http://schemas.microsoft.com/office/drawing/2014/main" id="{C3BC1B88-E51E-4022-866F-91F3DA2F718F}"/>
+                </a:ext>
+                <a:ext uri="{C183D7F6-B498-43B3-948B-1728B52AA6E4}">
+                  <adec:decorative xmlns:adec="http://schemas.microsoft.com/office/drawing/2017/decorative" val="1"/>
+                </a:ext>
+              </a:extLst>
+            </p:cNvPr>
+            <p:cNvSpPr>
+              <a:spLocks noEditPoints="1"/>
+            </p:cNvSpPr>
+            <p:nvPr>
+              <p:extLst>
+                <p:ext uri="{386F3935-93C4-4BCD-93E2-E3B085C9AB24}">
+                  <p16:designElem xmlns:p16="http://schemas.microsoft.com/office/powerpoint/2015/main" val="1"/>
+                </p:ext>
+              </p:extLst>
+            </p:nvPr>
+          </p:nvSpPr>
+          <p:spPr bwMode="auto">
+            <a:xfrm>
+              <a:off x="938213" y="2547937"/>
+              <a:ext cx="166688" cy="160338"/>
+            </a:xfrm>
+            <a:custGeom>
+              <a:avLst/>
+              <a:gdLst/>
+              <a:ahLst/>
+              <a:cxnLst/>
+              <a:rect l="0" t="0" r="r" b="b"/>
+              <a:pathLst>
+                <a:path w="35" h="34">
+                  <a:moveTo>
+                    <a:pt x="18" y="34"/>
+                  </a:moveTo>
+                  <a:cubicBezTo>
+                    <a:pt x="8" y="34"/>
+                    <a:pt x="0" y="26"/>
+                    <a:pt x="0" y="17"/>
+                  </a:cubicBezTo>
+                  <a:cubicBezTo>
+                    <a:pt x="0" y="7"/>
+                    <a:pt x="8" y="0"/>
+                    <a:pt x="18" y="0"/>
+                  </a:cubicBezTo>
+                  <a:cubicBezTo>
+                    <a:pt x="27" y="0"/>
+                    <a:pt x="35" y="7"/>
+                    <a:pt x="35" y="17"/>
+                  </a:cubicBezTo>
+                  <a:cubicBezTo>
+                    <a:pt x="35" y="26"/>
+                    <a:pt x="27" y="34"/>
+                    <a:pt x="18" y="34"/>
+                  </a:cubicBezTo>
+                  <a:close/>
+                  <a:moveTo>
+                    <a:pt x="18" y="4"/>
+                  </a:moveTo>
+                  <a:cubicBezTo>
+                    <a:pt x="10" y="4"/>
+                    <a:pt x="4" y="10"/>
+                    <a:pt x="4" y="17"/>
+                  </a:cubicBezTo>
+                  <a:cubicBezTo>
+                    <a:pt x="4" y="24"/>
+                    <a:pt x="10" y="30"/>
+                    <a:pt x="18" y="30"/>
+                  </a:cubicBezTo>
+                  <a:cubicBezTo>
+                    <a:pt x="25" y="30"/>
+                    <a:pt x="31" y="24"/>
+                    <a:pt x="31" y="17"/>
+                  </a:cubicBezTo>
+                  <a:cubicBezTo>
+                    <a:pt x="31" y="10"/>
+                    <a:pt x="25" y="4"/>
+                    <a:pt x="18" y="4"/>
+                  </a:cubicBezTo>
+                  <a:close/>
+                </a:path>
+              </a:pathLst>
+            </a:custGeom>
+            <a:solidFill>
+              <a:srgbClr val="FFFFFF">
+                <a:alpha val="70000"/>
+              </a:srgbClr>
+            </a:solidFill>
+            <a:ln>
+              <a:noFill/>
+            </a:ln>
+            <a:extLst>
+              <a:ext uri="{91240B29-F687-4f45-9708-019B960494DF}">
+                <a14:hiddenLine xmlns="" xmlns:a16="http://schemas.microsoft.com/office/drawing/2014/main" xmlns:p14="http://schemas.microsoft.com/office/powerpoint/2010/main" xmlns:a14="http://schemas.microsoft.com/office/drawing/2010/main" w="9525">
+                  <a:solidFill>
+                    <a:srgbClr val="000000"/>
+                  </a:solidFill>
+                  <a:round/>
+                  <a:headEnd/>
+                  <a:tailEnd/>
+                </a14:hiddenLine>
+              </a:ext>
+            </a:extLst>
+          </p:spPr>
+          <p:txBody>
+            <a:bodyPr/>
+            <a:lstStyle/>
+            <a:p>
+              <a:endParaRPr lang="en-IN"/>
+            </a:p>
+          </p:txBody>
+        </p:sp>
+        <p:sp>
+          <p:nvSpPr>
+            <p:cNvPr id="40" name="Freeform 38">
+              <a:extLst>
+                <a:ext uri="{FF2B5EF4-FFF2-40B4-BE49-F238E27FC236}">
+                  <a16:creationId xmlns:a16="http://schemas.microsoft.com/office/drawing/2014/main" id="{AA772B23-B946-4213-92DD-12C4DAEBC60E}"/>
+                </a:ext>
+                <a:ext uri="{C183D7F6-B498-43B3-948B-1728B52AA6E4}">
+                  <adec:decorative xmlns:adec="http://schemas.microsoft.com/office/drawing/2017/decorative" val="1"/>
+                </a:ext>
+              </a:extLst>
+            </p:cNvPr>
+            <p:cNvSpPr/>
+            <p:nvPr>
+              <p:extLst>
+                <p:ext uri="{386F3935-93C4-4BCD-93E2-E3B085C9AB24}">
+                  <p16:designElem xmlns:p16="http://schemas.microsoft.com/office/powerpoint/2015/main" val="1"/>
+                </p:ext>
+              </p:extLst>
+            </p:nvPr>
+          </p:nvSpPr>
+          <p:spPr bwMode="auto">
+            <a:xfrm>
+              <a:off x="595313" y="4762"/>
+              <a:ext cx="638175" cy="4025900"/>
+            </a:xfrm>
+            <a:custGeom>
+              <a:avLst/>
+              <a:gdLst/>
+              <a:ahLst/>
+              <a:cxnLst/>
+              <a:rect l="0" t="0" r="r" b="b"/>
+              <a:pathLst>
+                <a:path w="402" h="2536">
+                  <a:moveTo>
+                    <a:pt x="402" y="2536"/>
+                  </a:moveTo>
+                  <a:lnTo>
+                    <a:pt x="387" y="2536"/>
+                  </a:lnTo>
+                  <a:lnTo>
+                    <a:pt x="387" y="2311"/>
+                  </a:lnTo>
+                  <a:lnTo>
+                    <a:pt x="0" y="1925"/>
+                  </a:lnTo>
+                  <a:lnTo>
+                    <a:pt x="0" y="0"/>
+                  </a:lnTo>
+                  <a:lnTo>
+                    <a:pt x="15" y="0"/>
+                  </a:lnTo>
+                  <a:lnTo>
+                    <a:pt x="15" y="1916"/>
+                  </a:lnTo>
+                  <a:lnTo>
+                    <a:pt x="402" y="2302"/>
+                  </a:lnTo>
+                  <a:lnTo>
+                    <a:pt x="402" y="2536"/>
+                  </a:lnTo>
+                  <a:close/>
+                </a:path>
+              </a:pathLst>
+            </a:custGeom>
+            <a:solidFill>
+              <a:srgbClr val="FFFFFF">
+                <a:alpha val="70000"/>
+              </a:srgbClr>
+            </a:solidFill>
+            <a:ln>
+              <a:noFill/>
+            </a:ln>
+            <a:extLst>
+              <a:ext uri="{91240B29-F687-4f45-9708-019B960494DF}">
+                <a14:hiddenLine xmlns="" xmlns:a16="http://schemas.microsoft.com/office/drawing/2014/main" xmlns:p14="http://schemas.microsoft.com/office/powerpoint/2010/main" xmlns:a14="http://schemas.microsoft.com/office/drawing/2010/main" w="9525">
+                  <a:solidFill>
+                    <a:srgbClr val="000000"/>
+                  </a:solidFill>
+                  <a:round/>
+                  <a:headEnd/>
+                  <a:tailEnd/>
+                </a14:hiddenLine>
+              </a:ext>
+            </a:extLst>
+          </p:spPr>
+          <p:txBody>
+            <a:bodyPr/>
+            <a:lstStyle/>
+            <a:p>
+              <a:endParaRPr lang="en-IN"/>
+            </a:p>
+          </p:txBody>
+        </p:sp>
+        <p:sp>
+          <p:nvSpPr>
+            <p:cNvPr id="41" name="Freeform 39">
+              <a:extLst>
+                <a:ext uri="{FF2B5EF4-FFF2-40B4-BE49-F238E27FC236}">
+                  <a16:creationId xmlns:a16="http://schemas.microsoft.com/office/drawing/2014/main" id="{82847A30-DCA3-4885-8D66-D63513983DD8}"/>
+                </a:ext>
+                <a:ext uri="{C183D7F6-B498-43B3-948B-1728B52AA6E4}">
+                  <adec:decorative xmlns:adec="http://schemas.microsoft.com/office/drawing/2017/decorative" val="1"/>
+                </a:ext>
+              </a:extLst>
+            </p:cNvPr>
+            <p:cNvSpPr/>
+            <p:nvPr>
+              <p:extLst>
+                <p:ext uri="{386F3935-93C4-4BCD-93E2-E3B085C9AB24}">
+                  <p16:designElem xmlns:p16="http://schemas.microsoft.com/office/powerpoint/2015/main" val="1"/>
+                </p:ext>
+              </p:extLst>
+            </p:nvPr>
+          </p:nvSpPr>
+          <p:spPr bwMode="auto">
+            <a:xfrm>
+              <a:off x="1223963" y="1382712"/>
+              <a:ext cx="142875" cy="476250"/>
+            </a:xfrm>
+            <a:custGeom>
+              <a:avLst/>
+              <a:gdLst/>
+              <a:ahLst/>
+              <a:cxnLst/>
+              <a:rect l="0" t="0" r="r" b="b"/>
+              <a:pathLst>
+                <a:path w="90" h="300">
+                  <a:moveTo>
+                    <a:pt x="90" y="300"/>
+                  </a:moveTo>
+                  <a:lnTo>
+                    <a:pt x="78" y="300"/>
+                  </a:lnTo>
+                  <a:lnTo>
+                    <a:pt x="78" y="84"/>
+                  </a:lnTo>
+                  <a:lnTo>
+                    <a:pt x="0" y="9"/>
+                  </a:lnTo>
+                  <a:lnTo>
+                    <a:pt x="9" y="0"/>
+                  </a:lnTo>
+                  <a:lnTo>
+                    <a:pt x="90" y="81"/>
+                  </a:lnTo>
+                  <a:lnTo>
+                    <a:pt x="90" y="300"/>
+                  </a:lnTo>
+                  <a:close/>
+                </a:path>
+              </a:pathLst>
+            </a:custGeom>
+            <a:solidFill>
+              <a:srgbClr val="FFFFFF">
+                <a:alpha val="70000"/>
+              </a:srgbClr>
+            </a:solidFill>
+            <a:ln>
+              <a:noFill/>
+            </a:ln>
+            <a:extLst>
+              <a:ext uri="{91240B29-F687-4f45-9708-019B960494DF}">
+                <a14:hiddenLine xmlns="" xmlns:a16="http://schemas.microsoft.com/office/drawing/2014/main" xmlns:p14="http://schemas.microsoft.com/office/powerpoint/2010/main" xmlns:a14="http://schemas.microsoft.com/office/drawing/2010/main" w="9525">
+                  <a:solidFill>
+                    <a:srgbClr val="000000"/>
+                  </a:solidFill>
+                  <a:round/>
+                  <a:headEnd/>
+                  <a:tailEnd/>
+                </a14:hiddenLine>
+              </a:ext>
+            </a:extLst>
+          </p:spPr>
+          <p:txBody>
+            <a:bodyPr/>
+            <a:lstStyle/>
+            <a:p>
+              <a:endParaRPr lang="en-IN"/>
+            </a:p>
+          </p:txBody>
+        </p:sp>
+        <p:sp>
+          <p:nvSpPr>
+            <p:cNvPr id="42" name="Freeform 40">
+              <a:extLst>
+                <a:ext uri="{FF2B5EF4-FFF2-40B4-BE49-F238E27FC236}">
+                  <a16:creationId xmlns:a16="http://schemas.microsoft.com/office/drawing/2014/main" id="{DFF0EA02-510D-4D5F-89CE-440F3470059D}"/>
+                </a:ext>
+                <a:ext uri="{C183D7F6-B498-43B3-948B-1728B52AA6E4}">
+                  <adec:decorative xmlns:adec="http://schemas.microsoft.com/office/drawing/2017/decorative" val="1"/>
+                </a:ext>
+              </a:extLst>
+            </p:cNvPr>
+            <p:cNvSpPr>
+              <a:spLocks noEditPoints="1"/>
+            </p:cNvSpPr>
+            <p:nvPr>
+              <p:extLst>
+                <p:ext uri="{386F3935-93C4-4BCD-93E2-E3B085C9AB24}">
+                  <p16:designElem xmlns:p16="http://schemas.microsoft.com/office/powerpoint/2015/main" val="1"/>
+                </p:ext>
+              </p:extLst>
+            </p:nvPr>
+          </p:nvSpPr>
+          <p:spPr bwMode="auto">
+            <a:xfrm>
+              <a:off x="1300163" y="1849437"/>
+              <a:ext cx="109538" cy="107950"/>
+            </a:xfrm>
+            <a:custGeom>
+              <a:avLst/>
+              <a:gdLst/>
+              <a:ahLst/>
+              <a:cxnLst/>
+              <a:rect l="0" t="0" r="r" b="b"/>
+              <a:pathLst>
+                <a:path w="23" h="23">
+                  <a:moveTo>
+                    <a:pt x="12" y="23"/>
+                  </a:moveTo>
+                  <a:cubicBezTo>
+                    <a:pt x="5" y="23"/>
+                    <a:pt x="0" y="18"/>
+                    <a:pt x="0" y="12"/>
+                  </a:cubicBezTo>
+                  <a:cubicBezTo>
+                    <a:pt x="0" y="5"/>
+                    <a:pt x="5" y="0"/>
+                    <a:pt x="12" y="0"/>
+                  </a:cubicBezTo>
+                  <a:cubicBezTo>
+                    <a:pt x="18" y="0"/>
+                    <a:pt x="23" y="5"/>
+                    <a:pt x="23" y="12"/>
+                  </a:cubicBezTo>
+                  <a:cubicBezTo>
+                    <a:pt x="23" y="18"/>
+                    <a:pt x="18" y="23"/>
+                    <a:pt x="12" y="23"/>
+                  </a:cubicBezTo>
+                  <a:close/>
+                  <a:moveTo>
+                    <a:pt x="12" y="4"/>
+                  </a:moveTo>
+                  <a:cubicBezTo>
+                    <a:pt x="8" y="4"/>
+                    <a:pt x="4" y="8"/>
+                    <a:pt x="4" y="12"/>
+                  </a:cubicBezTo>
+                  <a:cubicBezTo>
+                    <a:pt x="4" y="16"/>
+                    <a:pt x="8" y="19"/>
+                    <a:pt x="12" y="19"/>
+                  </a:cubicBezTo>
+                  <a:cubicBezTo>
+                    <a:pt x="16" y="19"/>
+                    <a:pt x="19" y="16"/>
+                    <a:pt x="19" y="12"/>
+                  </a:cubicBezTo>
+                  <a:cubicBezTo>
+                    <a:pt x="19" y="8"/>
+                    <a:pt x="16" y="4"/>
+                    <a:pt x="12" y="4"/>
+                  </a:cubicBezTo>
+                  <a:close/>
+                </a:path>
+              </a:pathLst>
+            </a:custGeom>
+            <a:solidFill>
+              <a:srgbClr val="FFFFFF">
+                <a:alpha val="70000"/>
+              </a:srgbClr>
+            </a:solidFill>
+            <a:ln>
+              <a:noFill/>
+            </a:ln>
+            <a:extLst>
+              <a:ext uri="{91240B29-F687-4f45-9708-019B960494DF}">
+                <a14:hiddenLine xmlns="" xmlns:a16="http://schemas.microsoft.com/office/drawing/2014/main" xmlns:p14="http://schemas.microsoft.com/office/powerpoint/2010/main" xmlns:a14="http://schemas.microsoft.com/office/drawing/2010/main" w="9525">
+                  <a:solidFill>
+                    <a:srgbClr val="000000"/>
+                  </a:solidFill>
+                  <a:round/>
+                  <a:headEnd/>
+                  <a:tailEnd/>
+                </a14:hiddenLine>
+              </a:ext>
+            </a:extLst>
+          </p:spPr>
+          <p:txBody>
+            <a:bodyPr/>
+            <a:lstStyle/>
+            <a:p>
+              <a:endParaRPr lang="en-IN"/>
+            </a:p>
+          </p:txBody>
+        </p:sp>
+        <p:sp>
+          <p:nvSpPr>
+            <p:cNvPr id="43" name="Freeform 41">
+              <a:extLst>
+                <a:ext uri="{FF2B5EF4-FFF2-40B4-BE49-F238E27FC236}">
+                  <a16:creationId xmlns:a16="http://schemas.microsoft.com/office/drawing/2014/main" id="{095A6A1F-4881-4C5A-931E-BB6A7786C38A}"/>
+                </a:ext>
+                <a:ext uri="{C183D7F6-B498-43B3-948B-1728B52AA6E4}">
+                  <adec:decorative xmlns:adec="http://schemas.microsoft.com/office/drawing/2017/decorative" val="1"/>
+                </a:ext>
+              </a:extLst>
+            </p:cNvPr>
+            <p:cNvSpPr/>
+            <p:nvPr>
+              <p:extLst>
+                <p:ext uri="{386F3935-93C4-4BCD-93E2-E3B085C9AB24}">
+                  <p16:designElem xmlns:p16="http://schemas.microsoft.com/office/powerpoint/2015/main" val="1"/>
+                </p:ext>
+              </p:extLst>
+            </p:nvPr>
+          </p:nvSpPr>
+          <p:spPr bwMode="auto">
+            <a:xfrm>
+              <a:off x="280988" y="3417887"/>
+              <a:ext cx="142875" cy="474663"/>
+            </a:xfrm>
+            <a:custGeom>
+              <a:avLst/>
+              <a:gdLst/>
+              <a:ahLst/>
+              <a:cxnLst/>
+              <a:rect l="0" t="0" r="r" b="b"/>
+              <a:pathLst>
+                <a:path w="90" h="299">
+                  <a:moveTo>
+                    <a:pt x="12" y="299"/>
+                  </a:moveTo>
+                  <a:lnTo>
+                    <a:pt x="0" y="299"/>
+                  </a:lnTo>
+                  <a:lnTo>
+                    <a:pt x="0" y="80"/>
+                  </a:lnTo>
+                  <a:lnTo>
+                    <a:pt x="81" y="0"/>
+                  </a:lnTo>
+                  <a:lnTo>
+                    <a:pt x="90" y="8"/>
+                  </a:lnTo>
+                  <a:lnTo>
+                    <a:pt x="12" y="83"/>
+                  </a:lnTo>
+                  <a:lnTo>
+                    <a:pt x="12" y="299"/>
+                  </a:lnTo>
+                  <a:close/>
+                </a:path>
+              </a:pathLst>
+            </a:custGeom>
+            <a:solidFill>
+              <a:srgbClr val="FFFFFF">
+                <a:alpha val="70000"/>
+              </a:srgbClr>
+            </a:solidFill>
+            <a:ln>
+              <a:noFill/>
+            </a:ln>
+            <a:extLst>
+              <a:ext uri="{91240B29-F687-4f45-9708-019B960494DF}">
+                <a14:hiddenLine xmlns="" xmlns:a16="http://schemas.microsoft.com/office/drawing/2014/main" xmlns:p14="http://schemas.microsoft.com/office/powerpoint/2010/main" xmlns:a14="http://schemas.microsoft.com/office/drawing/2010/main" w="9525">
+                  <a:solidFill>
+                    <a:srgbClr val="000000"/>
+                  </a:solidFill>
+                  <a:round/>
+                  <a:headEnd/>
+                  <a:tailEnd/>
+                </a14:hiddenLine>
+              </a:ext>
+            </a:extLst>
+          </p:spPr>
+          <p:txBody>
+            <a:bodyPr/>
+            <a:lstStyle/>
+            <a:p>
+              <a:endParaRPr lang="en-IN"/>
+            </a:p>
+          </p:txBody>
+        </p:sp>
+        <p:sp>
+          <p:nvSpPr>
+            <p:cNvPr id="44" name="Freeform 42">
+              <a:extLst>
+                <a:ext uri="{FF2B5EF4-FFF2-40B4-BE49-F238E27FC236}">
+                  <a16:creationId xmlns:a16="http://schemas.microsoft.com/office/drawing/2014/main" id="{92BA463E-7556-418B-A878-F7672ECA04A5}"/>
+                </a:ext>
+                <a:ext uri="{C183D7F6-B498-43B3-948B-1728B52AA6E4}">
+                  <adec:decorative xmlns:adec="http://schemas.microsoft.com/office/drawing/2017/decorative" val="1"/>
+                </a:ext>
+              </a:extLst>
+            </p:cNvPr>
+            <p:cNvSpPr>
+              <a:spLocks noEditPoints="1"/>
+            </p:cNvSpPr>
+            <p:nvPr>
+              <p:extLst>
+                <p:ext uri="{386F3935-93C4-4BCD-93E2-E3B085C9AB24}">
+                  <p16:designElem xmlns:p16="http://schemas.microsoft.com/office/powerpoint/2015/main" val="1"/>
+                </p:ext>
+              </p:extLst>
+            </p:nvPr>
+          </p:nvSpPr>
+          <p:spPr bwMode="auto">
+            <a:xfrm>
+              <a:off x="238125" y="3883024"/>
+              <a:ext cx="109538" cy="109538"/>
+            </a:xfrm>
+            <a:custGeom>
+              <a:avLst/>
+              <a:gdLst/>
+              <a:ahLst/>
+              <a:cxnLst/>
+              <a:rect l="0" t="0" r="r" b="b"/>
+              <a:pathLst>
+                <a:path w="23" h="23">
+                  <a:moveTo>
+                    <a:pt x="11" y="23"/>
+                  </a:moveTo>
+                  <a:cubicBezTo>
+                    <a:pt x="5" y="23"/>
+                    <a:pt x="0" y="18"/>
+                    <a:pt x="0" y="12"/>
+                  </a:cubicBezTo>
+                  <a:cubicBezTo>
+                    <a:pt x="0" y="5"/>
+                    <a:pt x="5" y="0"/>
+                    <a:pt x="11" y="0"/>
+                  </a:cubicBezTo>
+                  <a:cubicBezTo>
+                    <a:pt x="17" y="0"/>
+                    <a:pt x="23" y="5"/>
+                    <a:pt x="23" y="12"/>
+                  </a:cubicBezTo>
+                  <a:cubicBezTo>
+                    <a:pt x="23" y="18"/>
+                    <a:pt x="17" y="23"/>
+                    <a:pt x="11" y="23"/>
+                  </a:cubicBezTo>
+                  <a:close/>
+                  <a:moveTo>
+                    <a:pt x="11" y="4"/>
+                  </a:moveTo>
+                  <a:cubicBezTo>
+                    <a:pt x="7" y="4"/>
+                    <a:pt x="4" y="8"/>
+                    <a:pt x="4" y="12"/>
+                  </a:cubicBezTo>
+                  <a:cubicBezTo>
+                    <a:pt x="4" y="16"/>
+                    <a:pt x="7" y="19"/>
+                    <a:pt x="11" y="19"/>
+                  </a:cubicBezTo>
+                  <a:cubicBezTo>
+                    <a:pt x="15" y="19"/>
+                    <a:pt x="19" y="16"/>
+                    <a:pt x="19" y="12"/>
+                  </a:cubicBezTo>
+                  <a:cubicBezTo>
+                    <a:pt x="19" y="8"/>
+                    <a:pt x="15" y="4"/>
+                    <a:pt x="11" y="4"/>
+                  </a:cubicBezTo>
+                  <a:close/>
+                </a:path>
+              </a:pathLst>
+            </a:custGeom>
+            <a:solidFill>
+              <a:srgbClr val="FFFFFF">
+                <a:alpha val="70000"/>
+              </a:srgbClr>
+            </a:solidFill>
+            <a:ln>
+              <a:noFill/>
+            </a:ln>
+            <a:extLst>
+              <a:ext uri="{91240B29-F687-4f45-9708-019B960494DF}">
+                <a14:hiddenLine xmlns="" xmlns:a16="http://schemas.microsoft.com/office/drawing/2014/main" xmlns:p14="http://schemas.microsoft.com/office/powerpoint/2010/main" xmlns:a14="http://schemas.microsoft.com/office/drawing/2010/main" w="9525">
+                  <a:solidFill>
+                    <a:srgbClr val="000000"/>
+                  </a:solidFill>
+                  <a:round/>
+                  <a:headEnd/>
+                  <a:tailEnd/>
+                </a14:hiddenLine>
+              </a:ext>
+            </a:extLst>
+          </p:spPr>
+          <p:txBody>
+            <a:bodyPr/>
+            <a:lstStyle/>
+            <a:p>
+              <a:endParaRPr lang="en-IN"/>
+            </a:p>
+          </p:txBody>
+        </p:sp>
+        <p:sp>
+          <p:nvSpPr>
+            <p:cNvPr id="45" name="Freeform 43">
+              <a:extLst>
+                <a:ext uri="{FF2B5EF4-FFF2-40B4-BE49-F238E27FC236}">
+                  <a16:creationId xmlns:a16="http://schemas.microsoft.com/office/drawing/2014/main" id="{19E413E4-DE86-45D9-9F12-DE8751C9851B}"/>
+                </a:ext>
+                <a:ext uri="{C183D7F6-B498-43B3-948B-1728B52AA6E4}">
+                  <adec:decorative xmlns:adec="http://schemas.microsoft.com/office/drawing/2017/decorative" val="1"/>
+                </a:ext>
+              </a:extLst>
+            </p:cNvPr>
+            <p:cNvSpPr/>
+            <p:nvPr>
+              <p:extLst>
+                <p:ext uri="{386F3935-93C4-4BCD-93E2-E3B085C9AB24}">
+                  <p16:designElem xmlns:p16="http://schemas.microsoft.com/office/powerpoint/2015/main" val="1"/>
+                </p:ext>
+              </p:extLst>
+            </p:nvPr>
+          </p:nvSpPr>
+          <p:spPr bwMode="auto">
+            <a:xfrm>
+              <a:off x="4763" y="2166937"/>
+              <a:ext cx="114300" cy="452438"/>
+            </a:xfrm>
+            <a:custGeom>
+              <a:avLst/>
+              <a:gdLst/>
+              <a:ahLst/>
+              <a:cxnLst/>
+              <a:rect l="0" t="0" r="r" b="b"/>
+              <a:pathLst>
+                <a:path w="72" h="285">
+                  <a:moveTo>
+                    <a:pt x="6" y="285"/>
+                  </a:moveTo>
+                  <a:lnTo>
+                    <a:pt x="0" y="276"/>
+                  </a:lnTo>
+                  <a:lnTo>
+                    <a:pt x="60" y="216"/>
+                  </a:lnTo>
+                  <a:lnTo>
+                    <a:pt x="60" y="0"/>
+                  </a:lnTo>
+                  <a:lnTo>
+                    <a:pt x="72" y="0"/>
+                  </a:lnTo>
+                  <a:lnTo>
+                    <a:pt x="72" y="222"/>
+                  </a:lnTo>
+                  <a:lnTo>
+                    <a:pt x="6" y="285"/>
+                  </a:lnTo>
+                  <a:close/>
+                </a:path>
+              </a:pathLst>
+            </a:custGeom>
+            <a:solidFill>
+              <a:srgbClr val="FFFFFF">
+                <a:alpha val="70000"/>
+              </a:srgbClr>
+            </a:solidFill>
+            <a:ln>
+              <a:noFill/>
+            </a:ln>
+            <a:extLst>
+              <a:ext uri="{91240B29-F687-4f45-9708-019B960494DF}">
+                <a14:hiddenLine xmlns="" xmlns:a16="http://schemas.microsoft.com/office/drawing/2014/main" xmlns:p14="http://schemas.microsoft.com/office/powerpoint/2010/main" xmlns:a14="http://schemas.microsoft.com/office/drawing/2010/main" w="9525">
+                  <a:solidFill>
+                    <a:srgbClr val="000000"/>
+                  </a:solidFill>
+                  <a:round/>
+                  <a:headEnd/>
+                  <a:tailEnd/>
+                </a14:hiddenLine>
+              </a:ext>
+            </a:extLst>
+          </p:spPr>
+          <p:txBody>
+            <a:bodyPr/>
+            <a:lstStyle/>
+            <a:p>
+              <a:endParaRPr lang="en-IN"/>
+            </a:p>
+          </p:txBody>
+        </p:sp>
+        <p:sp>
+          <p:nvSpPr>
+            <p:cNvPr id="46" name="Freeform 44">
+              <a:extLst>
+                <a:ext uri="{FF2B5EF4-FFF2-40B4-BE49-F238E27FC236}">
+                  <a16:creationId xmlns:a16="http://schemas.microsoft.com/office/drawing/2014/main" id="{99DD4B37-45ED-49ED-A184-E756E5375E1A}"/>
+                </a:ext>
+                <a:ext uri="{C183D7F6-B498-43B3-948B-1728B52AA6E4}">
+                  <adec:decorative xmlns:adec="http://schemas.microsoft.com/office/drawing/2017/decorative" val="1"/>
+                </a:ext>
+              </a:extLst>
+            </p:cNvPr>
+            <p:cNvSpPr>
+              <a:spLocks noEditPoints="1"/>
+            </p:cNvSpPr>
+            <p:nvPr>
+              <p:extLst>
+                <p:ext uri="{386F3935-93C4-4BCD-93E2-E3B085C9AB24}">
+                  <p16:designElem xmlns:p16="http://schemas.microsoft.com/office/powerpoint/2015/main" val="1"/>
+                </p:ext>
+              </p:extLst>
+            </p:nvPr>
+          </p:nvSpPr>
+          <p:spPr bwMode="auto">
+            <a:xfrm>
+              <a:off x="52388" y="2066924"/>
+              <a:ext cx="109538" cy="109538"/>
+            </a:xfrm>
+            <a:custGeom>
+              <a:avLst/>
+              <a:gdLst/>
+              <a:ahLst/>
+              <a:cxnLst/>
+              <a:rect l="0" t="0" r="r" b="b"/>
+              <a:pathLst>
+                <a:path w="23" h="23">
+                  <a:moveTo>
+                    <a:pt x="12" y="23"/>
+                  </a:moveTo>
+                  <a:cubicBezTo>
+                    <a:pt x="5" y="23"/>
+                    <a:pt x="0" y="18"/>
+                    <a:pt x="0" y="12"/>
+                  </a:cubicBezTo>
+                  <a:cubicBezTo>
+                    <a:pt x="0" y="5"/>
+                    <a:pt x="5" y="0"/>
+                    <a:pt x="12" y="0"/>
+                  </a:cubicBezTo>
+                  <a:cubicBezTo>
+                    <a:pt x="18" y="0"/>
+                    <a:pt x="23" y="5"/>
+                    <a:pt x="23" y="12"/>
+                  </a:cubicBezTo>
+                  <a:cubicBezTo>
+                    <a:pt x="23" y="18"/>
+                    <a:pt x="18" y="23"/>
+                    <a:pt x="12" y="23"/>
+                  </a:cubicBezTo>
+                  <a:close/>
+                  <a:moveTo>
+                    <a:pt x="12" y="4"/>
+                  </a:moveTo>
+                  <a:cubicBezTo>
+                    <a:pt x="8" y="4"/>
+                    <a:pt x="4" y="8"/>
+                    <a:pt x="4" y="12"/>
+                  </a:cubicBezTo>
+                  <a:cubicBezTo>
+                    <a:pt x="4" y="16"/>
+                    <a:pt x="8" y="19"/>
+                    <a:pt x="12" y="19"/>
+                  </a:cubicBezTo>
+                  <a:cubicBezTo>
+                    <a:pt x="16" y="19"/>
+                    <a:pt x="19" y="16"/>
+                    <a:pt x="19" y="12"/>
+                  </a:cubicBezTo>
+                  <a:cubicBezTo>
+                    <a:pt x="19" y="8"/>
+                    <a:pt x="16" y="4"/>
+                    <a:pt x="12" y="4"/>
+                  </a:cubicBezTo>
+                  <a:close/>
+                </a:path>
+              </a:pathLst>
+            </a:custGeom>
+            <a:solidFill>
+              <a:srgbClr val="FFFFFF">
+                <a:alpha val="70000"/>
+              </a:srgbClr>
+            </a:solidFill>
+            <a:ln>
+              <a:noFill/>
+            </a:ln>
+            <a:extLst>
+              <a:ext uri="{91240B29-F687-4f45-9708-019B960494DF}">
+                <a14:hiddenLine xmlns="" xmlns:a16="http://schemas.microsoft.com/office/drawing/2014/main" xmlns:p14="http://schemas.microsoft.com/office/powerpoint/2010/main" xmlns:a14="http://schemas.microsoft.com/office/drawing/2010/main" w="9525">
+                  <a:solidFill>
+                    <a:srgbClr val="000000"/>
+                  </a:solidFill>
+                  <a:round/>
+                  <a:headEnd/>
+                  <a:tailEnd/>
+                </a14:hiddenLine>
+              </a:ext>
+            </a:extLst>
+          </p:spPr>
+          <p:txBody>
+            <a:bodyPr/>
+            <a:lstStyle/>
+            <a:p>
+              <a:endParaRPr lang="en-IN"/>
+            </a:p>
+          </p:txBody>
+        </p:sp>
+        <p:sp>
+          <p:nvSpPr>
+            <p:cNvPr id="47" name="Freeform 57">
+              <a:extLst>
+                <a:ext uri="{FF2B5EF4-FFF2-40B4-BE49-F238E27FC236}">
+                  <a16:creationId xmlns:a16="http://schemas.microsoft.com/office/drawing/2014/main" id="{8F64D9A0-F049-4558-81E6-A56D963847BE}"/>
+                </a:ext>
+                <a:ext uri="{C183D7F6-B498-43B3-948B-1728B52AA6E4}">
+                  <adec:decorative xmlns:adec="http://schemas.microsoft.com/office/drawing/2017/decorative" val="1"/>
+                </a:ext>
+              </a:extLst>
+            </p:cNvPr>
+            <p:cNvSpPr/>
+            <p:nvPr>
+              <p:extLst>
+                <p:ext uri="{386F3935-93C4-4BCD-93E2-E3B085C9AB24}">
+                  <p16:designElem xmlns:p16="http://schemas.microsoft.com/office/powerpoint/2015/main" val="1"/>
+                </p:ext>
+              </p:extLst>
+            </p:nvPr>
+          </p:nvSpPr>
+          <p:spPr bwMode="auto">
+            <a:xfrm>
+              <a:off x="504825" y="9524"/>
+              <a:ext cx="233363" cy="5103813"/>
+            </a:xfrm>
+            <a:custGeom>
+              <a:avLst/>
+              <a:gdLst/>
+              <a:ahLst/>
+              <a:cxnLst/>
+              <a:rect l="0" t="0" r="r" b="b"/>
+              <a:pathLst>
+                <a:path w="147" h="3215">
+                  <a:moveTo>
+                    <a:pt x="132" y="3215"/>
+                  </a:moveTo>
+                  <a:lnTo>
+                    <a:pt x="129" y="2754"/>
+                  </a:lnTo>
+                  <a:lnTo>
+                    <a:pt x="0" y="1901"/>
+                  </a:lnTo>
+                  <a:lnTo>
+                    <a:pt x="0" y="0"/>
+                  </a:lnTo>
+                  <a:lnTo>
+                    <a:pt x="15" y="0"/>
+                  </a:lnTo>
+                  <a:lnTo>
+                    <a:pt x="15" y="1898"/>
+                  </a:lnTo>
+                  <a:lnTo>
+                    <a:pt x="144" y="2754"/>
+                  </a:lnTo>
+                  <a:lnTo>
+                    <a:pt x="147" y="3215"/>
+                  </a:lnTo>
+                  <a:lnTo>
+                    <a:pt x="132" y="3215"/>
+                  </a:lnTo>
+                  <a:close/>
+                </a:path>
+              </a:pathLst>
+            </a:custGeom>
+            <a:solidFill>
+              <a:srgbClr val="FFFFFF">
+                <a:alpha val="70000"/>
+              </a:srgbClr>
+            </a:solidFill>
+            <a:ln>
+              <a:noFill/>
+            </a:ln>
+            <a:extLst>
+              <a:ext uri="{91240B29-F687-4f45-9708-019B960494DF}">
+                <a14:hiddenLine xmlns="" xmlns:a16="http://schemas.microsoft.com/office/drawing/2014/main" xmlns:p14="http://schemas.microsoft.com/office/powerpoint/2010/main" xmlns:a14="http://schemas.microsoft.com/office/drawing/2010/main" w="9525">
+                  <a:solidFill>
+                    <a:srgbClr val="000000"/>
+                  </a:solidFill>
+                  <a:round/>
+                  <a:headEnd/>
+                  <a:tailEnd/>
+                </a14:hiddenLine>
+              </a:ext>
+            </a:extLst>
+          </p:spPr>
+          <p:txBody>
+            <a:bodyPr/>
+            <a:lstStyle/>
+            <a:p>
+              <a:endParaRPr lang="en-IN"/>
+            </a:p>
+          </p:txBody>
+        </p:sp>
+        <p:sp>
+          <p:nvSpPr>
+            <p:cNvPr id="48" name="Freeform 58">
+              <a:extLst>
+                <a:ext uri="{FF2B5EF4-FFF2-40B4-BE49-F238E27FC236}">
+                  <a16:creationId xmlns:a16="http://schemas.microsoft.com/office/drawing/2014/main" id="{07949EC0-5240-45A7-A771-003EF95D3627}"/>
+                </a:ext>
+                <a:ext uri="{C183D7F6-B498-43B3-948B-1728B52AA6E4}">
+                  <adec:decorative xmlns:adec="http://schemas.microsoft.com/office/drawing/2017/decorative" val="1"/>
+                </a:ext>
+              </a:extLst>
+            </p:cNvPr>
+            <p:cNvSpPr>
+              <a:spLocks noEditPoints="1"/>
+            </p:cNvSpPr>
+            <p:nvPr>
+              <p:extLst>
+                <p:ext uri="{386F3935-93C4-4BCD-93E2-E3B085C9AB24}">
+                  <p16:designElem xmlns:p16="http://schemas.microsoft.com/office/powerpoint/2015/main" val="1"/>
+                </p:ext>
+              </p:extLst>
+            </p:nvPr>
+          </p:nvSpPr>
+          <p:spPr bwMode="auto">
+            <a:xfrm>
+              <a:off x="633413" y="5103812"/>
+              <a:ext cx="185738" cy="185738"/>
+            </a:xfrm>
+            <a:custGeom>
+              <a:avLst/>
+              <a:gdLst/>
+              <a:ahLst/>
+              <a:cxnLst/>
+              <a:rect l="0" t="0" r="r" b="b"/>
+              <a:pathLst>
+                <a:path w="39" h="39">
+                  <a:moveTo>
+                    <a:pt x="20" y="39"/>
+                  </a:moveTo>
+                  <a:cubicBezTo>
+                    <a:pt x="9" y="39"/>
+                    <a:pt x="0" y="30"/>
+                    <a:pt x="0" y="19"/>
+                  </a:cubicBezTo>
+                  <a:cubicBezTo>
+                    <a:pt x="0" y="9"/>
+                    <a:pt x="9" y="0"/>
+                    <a:pt x="20" y="0"/>
+                  </a:cubicBezTo>
+                  <a:cubicBezTo>
+                    <a:pt x="30" y="0"/>
+                    <a:pt x="39" y="9"/>
+                    <a:pt x="39" y="19"/>
+                  </a:cubicBezTo>
+                  <a:cubicBezTo>
+                    <a:pt x="39" y="30"/>
+                    <a:pt x="30" y="39"/>
+                    <a:pt x="20" y="39"/>
+                  </a:cubicBezTo>
+                  <a:close/>
+                  <a:moveTo>
+                    <a:pt x="20" y="4"/>
+                  </a:moveTo>
+                  <a:cubicBezTo>
+                    <a:pt x="11" y="4"/>
+                    <a:pt x="4" y="11"/>
+                    <a:pt x="4" y="19"/>
+                  </a:cubicBezTo>
+                  <a:cubicBezTo>
+                    <a:pt x="4" y="28"/>
+                    <a:pt x="11" y="35"/>
+                    <a:pt x="20" y="35"/>
+                  </a:cubicBezTo>
+                  <a:cubicBezTo>
+                    <a:pt x="28" y="35"/>
+                    <a:pt x="35" y="28"/>
+                    <a:pt x="35" y="19"/>
+                  </a:cubicBezTo>
+                  <a:cubicBezTo>
+                    <a:pt x="35" y="11"/>
+                    <a:pt x="28" y="4"/>
+                    <a:pt x="20" y="4"/>
+                  </a:cubicBezTo>
+                  <a:close/>
+                </a:path>
+              </a:pathLst>
+            </a:custGeom>
+            <a:solidFill>
+              <a:srgbClr val="FFFFFF">
+                <a:alpha val="70000"/>
+              </a:srgbClr>
+            </a:solidFill>
+            <a:ln>
+              <a:noFill/>
+            </a:ln>
+            <a:extLst>
+              <a:ext uri="{91240B29-F687-4f45-9708-019B960494DF}">
+                <a14:hiddenLine xmlns="" xmlns:a16="http://schemas.microsoft.com/office/drawing/2014/main" xmlns:p14="http://schemas.microsoft.com/office/powerpoint/2010/main" xmlns:a14="http://schemas.microsoft.com/office/drawing/2010/main" w="9525">
+                  <a:solidFill>
+                    <a:srgbClr val="000000"/>
+                  </a:solidFill>
+                  <a:round/>
+                  <a:headEnd/>
+                  <a:tailEnd/>
+                </a14:hiddenLine>
+              </a:ext>
+            </a:extLst>
+          </p:spPr>
+          <p:txBody>
+            <a:bodyPr/>
+            <a:lstStyle/>
+            <a:p>
+              <a:endParaRPr lang="en-IN"/>
+            </a:p>
+          </p:txBody>
+        </p:sp>
+      </p:grpSp>
+      <p:pic>
+        <p:nvPicPr>
+          <p:cNvPr id="3" name="Picture 2" descr="A circuit board with wires and a light on it&#10;&#10;Description automatically generated">
+            <a:extLst>
+              <a:ext uri="{FF2B5EF4-FFF2-40B4-BE49-F238E27FC236}">
+                <a16:creationId xmlns:a16="http://schemas.microsoft.com/office/drawing/2014/main" id="{6C6AEBDC-A116-65AD-A14A-607AE043BE00}"/>
+              </a:ext>
+            </a:extLst>
+          </p:cNvPr>
+          <p:cNvPicPr>
+            <a:picLocks noChangeAspect="1"/>
+          </p:cNvPicPr>
+          <p:nvPr/>
+        </p:nvPicPr>
+        <p:blipFill rotWithShape="1">
+          <a:blip r:embed="rId4">
+            <a:extLst>
+              <a:ext uri="{28A0092B-C50C-407E-A947-70E740481C1C}">
+                <a14:useLocalDpi xmlns:a14="http://schemas.microsoft.com/office/drawing/2010/main" val="0"/>
+              </a:ext>
+            </a:extLst>
+          </a:blip>
+          <a:srcRect t="30039"/>
+          <a:stretch/>
+        </p:blipFill>
+        <p:spPr>
+          <a:xfrm>
+            <a:off x="2333412" y="1136606"/>
+            <a:ext cx="8723567" cy="4577297"/>
+          </a:xfrm>
+          <a:prstGeom prst="rect">
+            <a:avLst/>
+          </a:prstGeom>
+        </p:spPr>
+      </p:pic>
+    </p:spTree>
+    <p:extLst>
+      <p:ext uri="{BB962C8B-B14F-4D97-AF65-F5344CB8AC3E}">
+        <p14:creationId xmlns:p14="http://schemas.microsoft.com/office/powerpoint/2010/main" val="558165775"/>
+      </p:ext>
+    </p:extLst>
+  </p:cSld>
+  <p:clrMapOvr>
+    <a:masterClrMapping/>
+  </p:clrMapOvr>
+</p:sld>
+</file>
+
+<file path=ppt/slides/slide11.xml><?xml version="1.0" encoding="utf-8"?>
+<p:sld xmlns:a="http://schemas.openxmlformats.org/drawingml/2006/main" xmlns:r="http://schemas.openxmlformats.org/officeDocument/2006/relationships" xmlns:p="http://schemas.openxmlformats.org/presentationml/2006/main">
+  <p:cSld>
+    <p:spTree>
+      <p:nvGrpSpPr>
+        <p:cNvPr id="1" name=""/>
+        <p:cNvGrpSpPr/>
+        <p:nvPr/>
+      </p:nvGrpSpPr>
+      <p:grpSpPr>
+        <a:xfrm>
+          <a:off x="0" y="0"/>
+          <a:ext cx="0" cy="0"/>
+          <a:chOff x="0" y="0"/>
+          <a:chExt cx="0" cy="0"/>
+        </a:xfrm>
+      </p:grpSpPr>
+      <p:pic>
+        <p:nvPicPr>
+          <p:cNvPr id="2050" name="Picture 2" descr="How to make Smoke Detection Alarm using Arduino? - GeeksforGeeks">
+            <a:extLst>
+              <a:ext uri="{FF2B5EF4-FFF2-40B4-BE49-F238E27FC236}">
+                <a16:creationId xmlns:a16="http://schemas.microsoft.com/office/drawing/2014/main" id="{47AA8CD7-F1A7-7761-4AF7-C8D02234B7CC}"/>
+              </a:ext>
+            </a:extLst>
+          </p:cNvPr>
+          <p:cNvPicPr>
+            <a:picLocks noChangeAspect="1" noChangeArrowheads="1"/>
+          </p:cNvPicPr>
+          <p:nvPr/>
+        </p:nvPicPr>
+        <p:blipFill>
+          <a:blip r:embed="rId2">
+            <a:extLst>
+              <a:ext uri="{28A0092B-C50C-407E-A947-70E740481C1C}">
+                <a14:useLocalDpi xmlns:a14="http://schemas.microsoft.com/office/drawing/2010/main" val="0"/>
+              </a:ext>
+            </a:extLst>
+          </a:blip>
+          <a:srcRect/>
+          <a:stretch>
+            <a:fillRect/>
+          </a:stretch>
+        </p:blipFill>
+        <p:spPr bwMode="auto">
+          <a:xfrm>
+            <a:off x="1033907" y="781050"/>
+            <a:ext cx="10110343" cy="5269633"/>
+          </a:xfrm>
+          <a:prstGeom prst="rect">
+            <a:avLst/>
+          </a:prstGeom>
+          <a:noFill/>
+          <a:extLst>
+            <a:ext uri="{909E8E84-426E-40DD-AFC4-6F175D3DCCD1}">
+              <a14:hiddenFill xmlns:a14="http://schemas.microsoft.com/office/drawing/2010/main">
+                <a:solidFill>
+                  <a:srgbClr val="FFFFFF"/>
+                </a:solidFill>
+              </a14:hiddenFill>
+            </a:ext>
+          </a:extLst>
+        </p:spPr>
+      </p:pic>
+    </p:spTree>
+    <p:extLst>
+      <p:ext uri="{BB962C8B-B14F-4D97-AF65-F5344CB8AC3E}">
+        <p14:creationId xmlns:p14="http://schemas.microsoft.com/office/powerpoint/2010/main" val="480801019"/>
+      </p:ext>
+    </p:extLst>
+  </p:cSld>
+  <p:clrMapOvr>
+    <a:masterClrMapping/>
+  </p:clrMapOvr>
+</p:sld>
+</file>
+
+<file path=ppt/slides/slide12.xml><?xml version="1.0" encoding="utf-8"?>
+<p:sld xmlns:a="http://schemas.openxmlformats.org/drawingml/2006/main" xmlns:r="http://schemas.openxmlformats.org/officeDocument/2006/relationships" xmlns:p="http://schemas.openxmlformats.org/presentationml/2006/main">
+  <p:cSld>
+    <p:spTree>
+      <p:nvGrpSpPr>
+        <p:cNvPr id="1" name=""/>
+        <p:cNvGrpSpPr/>
+        <p:nvPr/>
+      </p:nvGrpSpPr>
+      <p:grpSpPr>
+        <a:xfrm>
+          <a:off x="0" y="0"/>
+          <a:ext cx="0" cy="0"/>
+          <a:chOff x="0" y="0"/>
+          <a:chExt cx="0" cy="0"/>
+        </a:xfrm>
+      </p:grpSpPr>
+      <p:sp>
+        <p:nvSpPr>
+          <p:cNvPr id="2" name="TextBox 1">
+            <a:extLst>
+              <a:ext uri="{FF2B5EF4-FFF2-40B4-BE49-F238E27FC236}">
+                <a16:creationId xmlns:a16="http://schemas.microsoft.com/office/drawing/2014/main" id="{099E7C2C-0741-A870-0639-61CB1CBF4720}"/>
+              </a:ext>
+            </a:extLst>
+          </p:cNvPr>
+          <p:cNvSpPr txBox="1"/>
+          <p:nvPr/>
+        </p:nvSpPr>
+        <p:spPr>
+          <a:xfrm>
+            <a:off x="1085461" y="2668555"/>
+            <a:ext cx="10021077" cy="2403406"/>
+          </a:xfrm>
+          <a:prstGeom prst="rect">
+            <a:avLst/>
+          </a:prstGeom>
+          <a:noFill/>
+        </p:spPr>
+        <p:txBody>
+          <a:bodyPr wrap="square" rtlCol="0">
+            <a:prstTxWarp prst="textPlain">
+              <a:avLst/>
+            </a:prstTxWarp>
+            <a:spAutoFit/>
+            <a:scene3d>
+              <a:camera prst="isometricOffAxis2Right"/>
+              <a:lightRig rig="threePt" dir="t"/>
+            </a:scene3d>
+          </a:bodyPr>
+          <a:lstStyle/>
+          <a:p>
+            <a:r>
+              <a:rPr lang="en-IN" sz="2800" b="1" dirty="0">
+                <a:effectLst>
+                  <a:glow rad="228600">
+                    <a:schemeClr val="accent4">
+                      <a:satMod val="175000"/>
+                      <a:alpha val="40000"/>
+                    </a:schemeClr>
+                  </a:glow>
+                  <a:outerShdw blurRad="50800" dist="38100" dir="18900000" algn="bl" rotWithShape="0">
+                    <a:prstClr val="black">
+                      <a:alpha val="40000"/>
+                    </a:prstClr>
+                  </a:outerShdw>
+                </a:effectLst>
+              </a:rPr>
+              <a:t>THANK YOU</a:t>
+            </a:r>
+          </a:p>
+        </p:txBody>
+      </p:sp>
+    </p:spTree>
+    <p:extLst>
+      <p:ext uri="{BB962C8B-B14F-4D97-AF65-F5344CB8AC3E}">
+        <p14:creationId xmlns:p14="http://schemas.microsoft.com/office/powerpoint/2010/main" val="3852397068"/>
       </p:ext>
     </p:extLst>
   </p:cSld>
@@ -12813,6 +16736,19 @@
               <a:t>Say that my project helps by giving an early warning when there’s danger.</a:t>
             </a:r>
           </a:p>
+          <a:p>
+            <a:pPr>
+              <a:buFont typeface="Wingdings" panose="05000000000000000000" pitchFamily="2" charset="2"/>
+              <a:buChar char="ü"/>
+            </a:pPr>
+            <a:r>
+              <a:rPr lang="en-IN" dirty="0">
+                <a:latin typeface="Cambria" panose="02040503050406030204" pitchFamily="18" charset="0"/>
+                <a:ea typeface="Cambria" panose="02040503050406030204" pitchFamily="18" charset="0"/>
+              </a:rPr>
+              <a:t>Our Project detect the leakage of LPG gas and warn the family member in the house with the buzzer alarm set on it.</a:t>
+            </a:r>
+          </a:p>
         </p:txBody>
       </p:sp>
     </p:spTree>
@@ -13037,7 +16973,7 @@
         </p:blipFill>
         <p:spPr bwMode="auto">
           <a:xfrm>
-            <a:off x="1331496" y="1861868"/>
+            <a:off x="1331496" y="1880530"/>
             <a:ext cx="9715916" cy="4834207"/>
           </a:xfrm>
           <a:prstGeom prst="rect">
@@ -13247,6 +17183,3716 @@
 <file path=ppt/slides/slide6.xml><?xml version="1.0" encoding="utf-8"?>
 <p:sld xmlns:a="http://schemas.openxmlformats.org/drawingml/2006/main" xmlns:r="http://schemas.openxmlformats.org/officeDocument/2006/relationships" xmlns:p="http://schemas.openxmlformats.org/presentationml/2006/main">
   <p:cSld>
+    <p:bg>
+      <p:bgPr>
+        <a:blipFill>
+          <a:blip r:embed="rId2">
+            <a:duotone>
+              <a:schemeClr val="bg2">
+                <a:shade val="88000"/>
+                <a:hueMod val="106000"/>
+                <a:satMod val="140000"/>
+                <a:lumMod val="54000"/>
+              </a:schemeClr>
+              <a:schemeClr val="bg2">
+                <a:tint val="98000"/>
+                <a:hueMod val="90000"/>
+                <a:satMod val="150000"/>
+                <a:lumMod val="160000"/>
+              </a:schemeClr>
+            </a:duotone>
+          </a:blip>
+          <a:stretch/>
+        </a:blipFill>
+        <a:effectLst/>
+      </p:bgPr>
+    </p:bg>
+    <p:spTree>
+      <p:nvGrpSpPr>
+        <p:cNvPr id="1" name=""/>
+        <p:cNvGrpSpPr/>
+        <p:nvPr/>
+      </p:nvGrpSpPr>
+      <p:grpSpPr>
+        <a:xfrm>
+          <a:off x="0" y="0"/>
+          <a:ext cx="0" cy="0"/>
+          <a:chOff x="0" y="0"/>
+          <a:chExt cx="0" cy="0"/>
+        </a:xfrm>
+      </p:grpSpPr>
+      <p:sp useBgFill="1">
+        <p:nvSpPr>
+          <p:cNvPr id="4103" name="Rectangle 4102">
+            <a:extLst>
+              <a:ext uri="{FF2B5EF4-FFF2-40B4-BE49-F238E27FC236}">
+                <a16:creationId xmlns:a16="http://schemas.microsoft.com/office/drawing/2014/main" id="{933B46D5-42D5-4194-B895-B45DCFF2230F}"/>
+              </a:ext>
+              <a:ext uri="{C183D7F6-B498-43B3-948B-1728B52AA6E4}">
+                <adec:decorative xmlns:adec="http://schemas.microsoft.com/office/drawing/2017/decorative" val="1"/>
+              </a:ext>
+            </a:extLst>
+          </p:cNvPr>
+          <p:cNvSpPr>
+            <a:spLocks noGrp="1" noRot="1" noChangeAspect="1" noMove="1" noResize="1" noEditPoints="1" noAdjustHandles="1" noChangeArrowheads="1" noChangeShapeType="1" noTextEdit="1"/>
+          </p:cNvSpPr>
+          <p:nvPr>
+            <p:extLst>
+              <p:ext uri="{386F3935-93C4-4BCD-93E2-E3B085C9AB24}">
+                <p16:designElem xmlns:p16="http://schemas.microsoft.com/office/powerpoint/2015/main" val="1"/>
+              </p:ext>
+            </p:extLst>
+          </p:nvPr>
+        </p:nvSpPr>
+        <p:spPr>
+          <a:xfrm>
+            <a:off x="0" y="0"/>
+            <a:ext cx="12192000" cy="6858000"/>
+          </a:xfrm>
+          <a:prstGeom prst="rect">
+            <a:avLst/>
+          </a:prstGeom>
+          <a:ln>
+            <a:noFill/>
+          </a:ln>
+        </p:spPr>
+        <p:style>
+          <a:lnRef idx="2">
+            <a:schemeClr val="accent1">
+              <a:shade val="50000"/>
+            </a:schemeClr>
+          </a:lnRef>
+          <a:fillRef idx="1">
+            <a:schemeClr val="accent1"/>
+          </a:fillRef>
+          <a:effectRef idx="0">
+            <a:schemeClr val="accent1"/>
+          </a:effectRef>
+          <a:fontRef idx="minor">
+            <a:schemeClr val="lt1"/>
+          </a:fontRef>
+        </p:style>
+        <p:txBody>
+          <a:bodyPr rtlCol="0" anchor="ctr"/>
+          <a:lstStyle/>
+          <a:p>
+            <a:pPr algn="ctr"/>
+            <a:endParaRPr lang="en-US"/>
+          </a:p>
+        </p:txBody>
+      </p:sp>
+      <p:grpSp>
+        <p:nvGrpSpPr>
+          <p:cNvPr id="4105" name="Group 4104">
+            <a:extLst>
+              <a:ext uri="{FF2B5EF4-FFF2-40B4-BE49-F238E27FC236}">
+                <a16:creationId xmlns:a16="http://schemas.microsoft.com/office/drawing/2014/main" id="{18896DCC-8879-4CF3-BB2D-0C535C80597E}"/>
+              </a:ext>
+              <a:ext uri="{C183D7F6-B498-43B3-948B-1728B52AA6E4}">
+                <adec:decorative xmlns:adec="http://schemas.microsoft.com/office/drawing/2017/decorative" val="1"/>
+              </a:ext>
+            </a:extLst>
+          </p:cNvPr>
+          <p:cNvGrpSpPr>
+            <a:grpSpLocks noGrp="1" noUngrp="1" noRot="1" noChangeAspect="1" noMove="1" noResize="1"/>
+          </p:cNvGrpSpPr>
+          <p:nvPr>
+            <p:extLst>
+              <p:ext uri="{386F3935-93C4-4BCD-93E2-E3B085C9AB24}">
+                <p16:designElem xmlns:p16="http://schemas.microsoft.com/office/powerpoint/2015/main" val="1"/>
+              </p:ext>
+            </p:extLst>
+          </p:nvPr>
+        </p:nvGrpSpPr>
+        <p:grpSpPr>
+          <a:xfrm>
+            <a:off x="0" y="-1"/>
+            <a:ext cx="2281238" cy="5289551"/>
+            <a:chOff x="0" y="-1"/>
+            <a:chExt cx="2281238" cy="5289551"/>
+          </a:xfrm>
+        </p:grpSpPr>
+        <p:sp>
+          <p:nvSpPr>
+            <p:cNvPr id="4106" name="Rectangle 4105">
+              <a:extLst>
+                <a:ext uri="{FF2B5EF4-FFF2-40B4-BE49-F238E27FC236}">
+                  <a16:creationId xmlns:a16="http://schemas.microsoft.com/office/drawing/2014/main" id="{534630B0-6EE6-4DFE-9FC5-0988FED6CB4B}"/>
+                </a:ext>
+                <a:ext uri="{C183D7F6-B498-43B3-948B-1728B52AA6E4}">
+                  <adec:decorative xmlns:adec="http://schemas.microsoft.com/office/drawing/2017/decorative" val="1"/>
+                </a:ext>
+              </a:extLst>
+            </p:cNvPr>
+            <p:cNvSpPr>
+              <a:spLocks noChangeArrowheads="1"/>
+            </p:cNvSpPr>
+            <p:nvPr>
+              <p:extLst>
+                <p:ext uri="{386F3935-93C4-4BCD-93E2-E3B085C9AB24}">
+                  <p16:designElem xmlns:p16="http://schemas.microsoft.com/office/powerpoint/2015/main" val="1"/>
+                </p:ext>
+              </p:extLst>
+            </p:nvPr>
+          </p:nvSpPr>
+          <p:spPr bwMode="auto">
+            <a:xfrm>
+              <a:off x="1209675" y="4762"/>
+              <a:ext cx="23813" cy="2181225"/>
+            </a:xfrm>
+            <a:prstGeom prst="rect">
+              <a:avLst/>
+            </a:prstGeom>
+            <a:solidFill>
+              <a:srgbClr val="FFFFFF">
+                <a:alpha val="70000"/>
+              </a:srgbClr>
+            </a:solidFill>
+            <a:ln>
+              <a:noFill/>
+            </a:ln>
+            <a:extLst>
+              <a:ext uri="{91240B29-F687-4f45-9708-019B960494DF}">
+                <a14:hiddenLine xmlns="" xmlns:a16="http://schemas.microsoft.com/office/drawing/2014/main" xmlns:p14="http://schemas.microsoft.com/office/powerpoint/2010/main" xmlns:a14="http://schemas.microsoft.com/office/drawing/2010/main" w="9525">
+                  <a:solidFill>
+                    <a:srgbClr val="000000"/>
+                  </a:solidFill>
+                  <a:miter lim="800000"/>
+                  <a:headEnd/>
+                  <a:tailEnd/>
+                </a14:hiddenLine>
+              </a:ext>
+            </a:extLst>
+          </p:spPr>
+          <p:txBody>
+            <a:bodyPr/>
+            <a:lstStyle/>
+            <a:p>
+              <a:endParaRPr lang="en-IN"/>
+            </a:p>
+          </p:txBody>
+        </p:sp>
+        <p:sp>
+          <p:nvSpPr>
+            <p:cNvPr id="4107" name="Freeform 6">
+              <a:extLst>
+                <a:ext uri="{FF2B5EF4-FFF2-40B4-BE49-F238E27FC236}">
+                  <a16:creationId xmlns:a16="http://schemas.microsoft.com/office/drawing/2014/main" id="{605C0C27-BDE8-4899-B838-C0DC2EAB8C39}"/>
+                </a:ext>
+                <a:ext uri="{C183D7F6-B498-43B3-948B-1728B52AA6E4}">
+                  <adec:decorative xmlns:adec="http://schemas.microsoft.com/office/drawing/2017/decorative" val="1"/>
+                </a:ext>
+              </a:extLst>
+            </p:cNvPr>
+            <p:cNvSpPr>
+              <a:spLocks noEditPoints="1"/>
+            </p:cNvSpPr>
+            <p:nvPr>
+              <p:extLst>
+                <p:ext uri="{386F3935-93C4-4BCD-93E2-E3B085C9AB24}">
+                  <p16:designElem xmlns:p16="http://schemas.microsoft.com/office/powerpoint/2015/main" val="1"/>
+                </p:ext>
+              </p:extLst>
+            </p:nvPr>
+          </p:nvSpPr>
+          <p:spPr bwMode="auto">
+            <a:xfrm>
+              <a:off x="1128713" y="2176462"/>
+              <a:ext cx="190500" cy="190500"/>
+            </a:xfrm>
+            <a:custGeom>
+              <a:avLst/>
+              <a:gdLst/>
+              <a:ahLst/>
+              <a:cxnLst/>
+              <a:rect l="0" t="0" r="r" b="b"/>
+              <a:pathLst>
+                <a:path w="40" h="40">
+                  <a:moveTo>
+                    <a:pt x="20" y="40"/>
+                  </a:moveTo>
+                  <a:cubicBezTo>
+                    <a:pt x="9" y="40"/>
+                    <a:pt x="0" y="31"/>
+                    <a:pt x="0" y="20"/>
+                  </a:cubicBezTo>
+                  <a:cubicBezTo>
+                    <a:pt x="0" y="9"/>
+                    <a:pt x="9" y="0"/>
+                    <a:pt x="20" y="0"/>
+                  </a:cubicBezTo>
+                  <a:cubicBezTo>
+                    <a:pt x="31" y="0"/>
+                    <a:pt x="40" y="9"/>
+                    <a:pt x="40" y="20"/>
+                  </a:cubicBezTo>
+                  <a:cubicBezTo>
+                    <a:pt x="40" y="31"/>
+                    <a:pt x="31" y="40"/>
+                    <a:pt x="20" y="40"/>
+                  </a:cubicBezTo>
+                  <a:close/>
+                  <a:moveTo>
+                    <a:pt x="20" y="4"/>
+                  </a:moveTo>
+                  <a:cubicBezTo>
+                    <a:pt x="11" y="4"/>
+                    <a:pt x="4" y="11"/>
+                    <a:pt x="4" y="20"/>
+                  </a:cubicBezTo>
+                  <a:cubicBezTo>
+                    <a:pt x="4" y="29"/>
+                    <a:pt x="11" y="36"/>
+                    <a:pt x="20" y="36"/>
+                  </a:cubicBezTo>
+                  <a:cubicBezTo>
+                    <a:pt x="28" y="36"/>
+                    <a:pt x="36" y="29"/>
+                    <a:pt x="36" y="20"/>
+                  </a:cubicBezTo>
+                  <a:cubicBezTo>
+                    <a:pt x="36" y="11"/>
+                    <a:pt x="28" y="4"/>
+                    <a:pt x="20" y="4"/>
+                  </a:cubicBezTo>
+                  <a:close/>
+                </a:path>
+              </a:pathLst>
+            </a:custGeom>
+            <a:solidFill>
+              <a:srgbClr val="FFFFFF">
+                <a:alpha val="70000"/>
+              </a:srgbClr>
+            </a:solidFill>
+            <a:ln>
+              <a:noFill/>
+            </a:ln>
+            <a:extLst>
+              <a:ext uri="{91240B29-F687-4f45-9708-019B960494DF}">
+                <a14:hiddenLine xmlns="" xmlns:a16="http://schemas.microsoft.com/office/drawing/2014/main" xmlns:p14="http://schemas.microsoft.com/office/powerpoint/2010/main" xmlns:a14="http://schemas.microsoft.com/office/drawing/2010/main" w="9525">
+                  <a:solidFill>
+                    <a:srgbClr val="000000"/>
+                  </a:solidFill>
+                  <a:round/>
+                  <a:headEnd/>
+                  <a:tailEnd/>
+                </a14:hiddenLine>
+              </a:ext>
+            </a:extLst>
+          </p:spPr>
+          <p:txBody>
+            <a:bodyPr/>
+            <a:lstStyle/>
+            <a:p>
+              <a:endParaRPr lang="en-IN"/>
+            </a:p>
+          </p:txBody>
+        </p:sp>
+        <p:sp>
+          <p:nvSpPr>
+            <p:cNvPr id="4108" name="Freeform 7">
+              <a:extLst>
+                <a:ext uri="{FF2B5EF4-FFF2-40B4-BE49-F238E27FC236}">
+                  <a16:creationId xmlns:a16="http://schemas.microsoft.com/office/drawing/2014/main" id="{EDC3E8DB-0AA9-4C49-A986-24A6D44A5216}"/>
+                </a:ext>
+                <a:ext uri="{C183D7F6-B498-43B3-948B-1728B52AA6E4}">
+                  <adec:decorative xmlns:adec="http://schemas.microsoft.com/office/drawing/2017/decorative" val="1"/>
+                </a:ext>
+              </a:extLst>
+            </p:cNvPr>
+            <p:cNvSpPr>
+              <a:spLocks noEditPoints="1"/>
+            </p:cNvSpPr>
+            <p:nvPr>
+              <p:extLst>
+                <p:ext uri="{386F3935-93C4-4BCD-93E2-E3B085C9AB24}">
+                  <p16:designElem xmlns:p16="http://schemas.microsoft.com/office/powerpoint/2015/main" val="1"/>
+                </p:ext>
+              </p:extLst>
+            </p:nvPr>
+          </p:nvSpPr>
+          <p:spPr bwMode="auto">
+            <a:xfrm>
+              <a:off x="1123950" y="4021137"/>
+              <a:ext cx="190500" cy="188913"/>
+            </a:xfrm>
+            <a:custGeom>
+              <a:avLst/>
+              <a:gdLst/>
+              <a:ahLst/>
+              <a:cxnLst/>
+              <a:rect l="0" t="0" r="r" b="b"/>
+              <a:pathLst>
+                <a:path w="40" h="40">
+                  <a:moveTo>
+                    <a:pt x="20" y="40"/>
+                  </a:moveTo>
+                  <a:cubicBezTo>
+                    <a:pt x="9" y="40"/>
+                    <a:pt x="0" y="31"/>
+                    <a:pt x="0" y="20"/>
+                  </a:cubicBezTo>
+                  <a:cubicBezTo>
+                    <a:pt x="0" y="9"/>
+                    <a:pt x="9" y="0"/>
+                    <a:pt x="20" y="0"/>
+                  </a:cubicBezTo>
+                  <a:cubicBezTo>
+                    <a:pt x="31" y="0"/>
+                    <a:pt x="40" y="9"/>
+                    <a:pt x="40" y="20"/>
+                  </a:cubicBezTo>
+                  <a:cubicBezTo>
+                    <a:pt x="40" y="31"/>
+                    <a:pt x="31" y="40"/>
+                    <a:pt x="20" y="40"/>
+                  </a:cubicBezTo>
+                  <a:close/>
+                  <a:moveTo>
+                    <a:pt x="20" y="4"/>
+                  </a:moveTo>
+                  <a:cubicBezTo>
+                    <a:pt x="11" y="4"/>
+                    <a:pt x="4" y="11"/>
+                    <a:pt x="4" y="20"/>
+                  </a:cubicBezTo>
+                  <a:cubicBezTo>
+                    <a:pt x="4" y="29"/>
+                    <a:pt x="11" y="36"/>
+                    <a:pt x="20" y="36"/>
+                  </a:cubicBezTo>
+                  <a:cubicBezTo>
+                    <a:pt x="29" y="36"/>
+                    <a:pt x="36" y="29"/>
+                    <a:pt x="36" y="20"/>
+                  </a:cubicBezTo>
+                  <a:cubicBezTo>
+                    <a:pt x="36" y="11"/>
+                    <a:pt x="29" y="4"/>
+                    <a:pt x="20" y="4"/>
+                  </a:cubicBezTo>
+                  <a:close/>
+                </a:path>
+              </a:pathLst>
+            </a:custGeom>
+            <a:solidFill>
+              <a:srgbClr val="FFFFFF">
+                <a:alpha val="70000"/>
+              </a:srgbClr>
+            </a:solidFill>
+            <a:ln>
+              <a:noFill/>
+            </a:ln>
+            <a:extLst>
+              <a:ext uri="{91240B29-F687-4f45-9708-019B960494DF}">
+                <a14:hiddenLine xmlns="" xmlns:a16="http://schemas.microsoft.com/office/drawing/2014/main" xmlns:p14="http://schemas.microsoft.com/office/powerpoint/2010/main" xmlns:a14="http://schemas.microsoft.com/office/drawing/2010/main" w="9525">
+                  <a:solidFill>
+                    <a:srgbClr val="000000"/>
+                  </a:solidFill>
+                  <a:round/>
+                  <a:headEnd/>
+                  <a:tailEnd/>
+                </a14:hiddenLine>
+              </a:ext>
+            </a:extLst>
+          </p:spPr>
+          <p:txBody>
+            <a:bodyPr/>
+            <a:lstStyle/>
+            <a:p>
+              <a:endParaRPr lang="en-IN"/>
+            </a:p>
+          </p:txBody>
+        </p:sp>
+        <p:sp>
+          <p:nvSpPr>
+            <p:cNvPr id="4109" name="Rectangle 4108">
+              <a:extLst>
+                <a:ext uri="{FF2B5EF4-FFF2-40B4-BE49-F238E27FC236}">
+                  <a16:creationId xmlns:a16="http://schemas.microsoft.com/office/drawing/2014/main" id="{334CA156-4C5B-4EAD-99BC-E2C734D5A5B5}"/>
+                </a:ext>
+                <a:ext uri="{C183D7F6-B498-43B3-948B-1728B52AA6E4}">
+                  <adec:decorative xmlns:adec="http://schemas.microsoft.com/office/drawing/2017/decorative" val="1"/>
+                </a:ext>
+              </a:extLst>
+            </p:cNvPr>
+            <p:cNvSpPr>
+              <a:spLocks noChangeArrowheads="1"/>
+            </p:cNvSpPr>
+            <p:nvPr>
+              <p:extLst>
+                <p:ext uri="{386F3935-93C4-4BCD-93E2-E3B085C9AB24}">
+                  <p16:designElem xmlns:p16="http://schemas.microsoft.com/office/powerpoint/2015/main" val="1"/>
+                </p:ext>
+              </p:extLst>
+            </p:nvPr>
+          </p:nvSpPr>
+          <p:spPr bwMode="auto">
+            <a:xfrm>
+              <a:off x="414338" y="9524"/>
+              <a:ext cx="28575" cy="4481513"/>
+            </a:xfrm>
+            <a:prstGeom prst="rect">
+              <a:avLst/>
+            </a:prstGeom>
+            <a:solidFill>
+              <a:srgbClr val="FFFFFF">
+                <a:alpha val="70000"/>
+              </a:srgbClr>
+            </a:solidFill>
+            <a:ln>
+              <a:noFill/>
+            </a:ln>
+            <a:extLst>
+              <a:ext uri="{91240B29-F687-4f45-9708-019B960494DF}">
+                <a14:hiddenLine xmlns="" xmlns:a16="http://schemas.microsoft.com/office/drawing/2014/main" xmlns:p14="http://schemas.microsoft.com/office/powerpoint/2010/main" xmlns:a14="http://schemas.microsoft.com/office/drawing/2010/main" w="9525">
+                  <a:solidFill>
+                    <a:srgbClr val="000000"/>
+                  </a:solidFill>
+                  <a:miter lim="800000"/>
+                  <a:headEnd/>
+                  <a:tailEnd/>
+                </a14:hiddenLine>
+              </a:ext>
+            </a:extLst>
+          </p:spPr>
+          <p:txBody>
+            <a:bodyPr/>
+            <a:lstStyle/>
+            <a:p>
+              <a:endParaRPr lang="en-IN"/>
+            </a:p>
+          </p:txBody>
+        </p:sp>
+        <p:sp>
+          <p:nvSpPr>
+            <p:cNvPr id="4110" name="Freeform 9">
+              <a:extLst>
+                <a:ext uri="{FF2B5EF4-FFF2-40B4-BE49-F238E27FC236}">
+                  <a16:creationId xmlns:a16="http://schemas.microsoft.com/office/drawing/2014/main" id="{5E568387-0266-4411-9330-8E9CD9B8233A}"/>
+                </a:ext>
+                <a:ext uri="{C183D7F6-B498-43B3-948B-1728B52AA6E4}">
+                  <adec:decorative xmlns:adec="http://schemas.microsoft.com/office/drawing/2017/decorative" val="1"/>
+                </a:ext>
+              </a:extLst>
+            </p:cNvPr>
+            <p:cNvSpPr>
+              <a:spLocks noEditPoints="1"/>
+            </p:cNvSpPr>
+            <p:nvPr>
+              <p:extLst>
+                <p:ext uri="{386F3935-93C4-4BCD-93E2-E3B085C9AB24}">
+                  <p16:designElem xmlns:p16="http://schemas.microsoft.com/office/powerpoint/2015/main" val="1"/>
+                </p:ext>
+              </p:extLst>
+            </p:nvPr>
+          </p:nvSpPr>
+          <p:spPr bwMode="auto">
+            <a:xfrm>
+              <a:off x="333375" y="4481512"/>
+              <a:ext cx="190500" cy="190500"/>
+            </a:xfrm>
+            <a:custGeom>
+              <a:avLst/>
+              <a:gdLst/>
+              <a:ahLst/>
+              <a:cxnLst/>
+              <a:rect l="0" t="0" r="r" b="b"/>
+              <a:pathLst>
+                <a:path w="40" h="40">
+                  <a:moveTo>
+                    <a:pt x="20" y="40"/>
+                  </a:moveTo>
+                  <a:cubicBezTo>
+                    <a:pt x="9" y="40"/>
+                    <a:pt x="0" y="31"/>
+                    <a:pt x="0" y="20"/>
+                  </a:cubicBezTo>
+                  <a:cubicBezTo>
+                    <a:pt x="0" y="9"/>
+                    <a:pt x="9" y="0"/>
+                    <a:pt x="20" y="0"/>
+                  </a:cubicBezTo>
+                  <a:cubicBezTo>
+                    <a:pt x="31" y="0"/>
+                    <a:pt x="40" y="9"/>
+                    <a:pt x="40" y="20"/>
+                  </a:cubicBezTo>
+                  <a:cubicBezTo>
+                    <a:pt x="40" y="31"/>
+                    <a:pt x="31" y="40"/>
+                    <a:pt x="20" y="40"/>
+                  </a:cubicBezTo>
+                  <a:close/>
+                  <a:moveTo>
+                    <a:pt x="20" y="4"/>
+                  </a:moveTo>
+                  <a:cubicBezTo>
+                    <a:pt x="11" y="4"/>
+                    <a:pt x="4" y="11"/>
+                    <a:pt x="4" y="20"/>
+                  </a:cubicBezTo>
+                  <a:cubicBezTo>
+                    <a:pt x="4" y="29"/>
+                    <a:pt x="11" y="36"/>
+                    <a:pt x="20" y="36"/>
+                  </a:cubicBezTo>
+                  <a:cubicBezTo>
+                    <a:pt x="29" y="36"/>
+                    <a:pt x="36" y="29"/>
+                    <a:pt x="36" y="20"/>
+                  </a:cubicBezTo>
+                  <a:cubicBezTo>
+                    <a:pt x="36" y="11"/>
+                    <a:pt x="29" y="4"/>
+                    <a:pt x="20" y="4"/>
+                  </a:cubicBezTo>
+                  <a:close/>
+                </a:path>
+              </a:pathLst>
+            </a:custGeom>
+            <a:solidFill>
+              <a:srgbClr val="FFFFFF">
+                <a:alpha val="70000"/>
+              </a:srgbClr>
+            </a:solidFill>
+            <a:ln>
+              <a:noFill/>
+            </a:ln>
+            <a:extLst>
+              <a:ext uri="{91240B29-F687-4f45-9708-019B960494DF}">
+                <a14:hiddenLine xmlns="" xmlns:a16="http://schemas.microsoft.com/office/drawing/2014/main" xmlns:p14="http://schemas.microsoft.com/office/powerpoint/2010/main" xmlns:a14="http://schemas.microsoft.com/office/drawing/2010/main" w="9525">
+                  <a:solidFill>
+                    <a:srgbClr val="000000"/>
+                  </a:solidFill>
+                  <a:round/>
+                  <a:headEnd/>
+                  <a:tailEnd/>
+                </a14:hiddenLine>
+              </a:ext>
+            </a:extLst>
+          </p:spPr>
+          <p:txBody>
+            <a:bodyPr/>
+            <a:lstStyle/>
+            <a:p>
+              <a:endParaRPr lang="en-IN"/>
+            </a:p>
+          </p:txBody>
+        </p:sp>
+        <p:sp>
+          <p:nvSpPr>
+            <p:cNvPr id="4111" name="Freeform 10">
+              <a:extLst>
+                <a:ext uri="{FF2B5EF4-FFF2-40B4-BE49-F238E27FC236}">
+                  <a16:creationId xmlns:a16="http://schemas.microsoft.com/office/drawing/2014/main" id="{C84DAA3E-ACD2-4620-8906-7C7280CEBC6C}"/>
+                </a:ext>
+                <a:ext uri="{C183D7F6-B498-43B3-948B-1728B52AA6E4}">
+                  <adec:decorative xmlns:adec="http://schemas.microsoft.com/office/drawing/2017/decorative" val="1"/>
+                </a:ext>
+              </a:extLst>
+            </p:cNvPr>
+            <p:cNvSpPr/>
+            <p:nvPr>
+              <p:extLst>
+                <p:ext uri="{386F3935-93C4-4BCD-93E2-E3B085C9AB24}">
+                  <p16:designElem xmlns:p16="http://schemas.microsoft.com/office/powerpoint/2015/main" val="1"/>
+                </p:ext>
+              </p:extLst>
+            </p:nvPr>
+          </p:nvSpPr>
+          <p:spPr bwMode="auto">
+            <a:xfrm>
+              <a:off x="190500" y="9524"/>
+              <a:ext cx="152400" cy="908050"/>
+            </a:xfrm>
+            <a:custGeom>
+              <a:avLst/>
+              <a:gdLst/>
+              <a:ahLst/>
+              <a:cxnLst/>
+              <a:rect l="0" t="0" r="r" b="b"/>
+              <a:pathLst>
+                <a:path w="96" h="572">
+                  <a:moveTo>
+                    <a:pt x="15" y="572"/>
+                  </a:moveTo>
+                  <a:lnTo>
+                    <a:pt x="0" y="566"/>
+                  </a:lnTo>
+                  <a:lnTo>
+                    <a:pt x="81" y="380"/>
+                  </a:lnTo>
+                  <a:lnTo>
+                    <a:pt x="81" y="0"/>
+                  </a:lnTo>
+                  <a:lnTo>
+                    <a:pt x="96" y="0"/>
+                  </a:lnTo>
+                  <a:lnTo>
+                    <a:pt x="96" y="383"/>
+                  </a:lnTo>
+                  <a:lnTo>
+                    <a:pt x="15" y="572"/>
+                  </a:lnTo>
+                  <a:close/>
+                </a:path>
+              </a:pathLst>
+            </a:custGeom>
+            <a:solidFill>
+              <a:srgbClr val="FFFFFF">
+                <a:alpha val="70000"/>
+              </a:srgbClr>
+            </a:solidFill>
+            <a:ln>
+              <a:noFill/>
+            </a:ln>
+            <a:extLst>
+              <a:ext uri="{91240B29-F687-4f45-9708-019B960494DF}">
+                <a14:hiddenLine xmlns="" xmlns:a16="http://schemas.microsoft.com/office/drawing/2014/main" xmlns:p14="http://schemas.microsoft.com/office/powerpoint/2010/main" xmlns:a14="http://schemas.microsoft.com/office/drawing/2010/main" w="9525">
+                  <a:solidFill>
+                    <a:srgbClr val="000000"/>
+                  </a:solidFill>
+                  <a:round/>
+                  <a:headEnd/>
+                  <a:tailEnd/>
+                </a14:hiddenLine>
+              </a:ext>
+            </a:extLst>
+          </p:spPr>
+          <p:txBody>
+            <a:bodyPr/>
+            <a:lstStyle/>
+            <a:p>
+              <a:endParaRPr lang="en-IN"/>
+            </a:p>
+          </p:txBody>
+        </p:sp>
+        <p:sp>
+          <p:nvSpPr>
+            <p:cNvPr id="4112" name="Freeform 11">
+              <a:extLst>
+                <a:ext uri="{FF2B5EF4-FFF2-40B4-BE49-F238E27FC236}">
+                  <a16:creationId xmlns:a16="http://schemas.microsoft.com/office/drawing/2014/main" id="{2D86F227-CF83-476B-B657-D6B0C53B3A3A}"/>
+                </a:ext>
+                <a:ext uri="{C183D7F6-B498-43B3-948B-1728B52AA6E4}">
+                  <adec:decorative xmlns:adec="http://schemas.microsoft.com/office/drawing/2017/decorative" val="1"/>
+                </a:ext>
+              </a:extLst>
+            </p:cNvPr>
+            <p:cNvSpPr/>
+            <p:nvPr>
+              <p:extLst>
+                <p:ext uri="{386F3935-93C4-4BCD-93E2-E3B085C9AB24}">
+                  <p16:designElem xmlns:p16="http://schemas.microsoft.com/office/powerpoint/2015/main" val="1"/>
+                </p:ext>
+              </p:extLst>
+            </p:nvPr>
+          </p:nvSpPr>
+          <p:spPr bwMode="auto">
+            <a:xfrm>
+              <a:off x="1290638" y="14287"/>
+              <a:ext cx="376238" cy="1801813"/>
+            </a:xfrm>
+            <a:custGeom>
+              <a:avLst/>
+              <a:gdLst/>
+              <a:ahLst/>
+              <a:cxnLst/>
+              <a:rect l="0" t="0" r="r" b="b"/>
+              <a:pathLst>
+                <a:path w="237" h="1135">
+                  <a:moveTo>
+                    <a:pt x="222" y="1135"/>
+                  </a:moveTo>
+                  <a:lnTo>
+                    <a:pt x="0" y="620"/>
+                  </a:lnTo>
+                  <a:lnTo>
+                    <a:pt x="0" y="0"/>
+                  </a:lnTo>
+                  <a:lnTo>
+                    <a:pt x="18" y="0"/>
+                  </a:lnTo>
+                  <a:lnTo>
+                    <a:pt x="18" y="617"/>
+                  </a:lnTo>
+                  <a:lnTo>
+                    <a:pt x="237" y="1129"/>
+                  </a:lnTo>
+                  <a:lnTo>
+                    <a:pt x="222" y="1135"/>
+                  </a:lnTo>
+                  <a:close/>
+                </a:path>
+              </a:pathLst>
+            </a:custGeom>
+            <a:solidFill>
+              <a:srgbClr val="FFFFFF">
+                <a:alpha val="70000"/>
+              </a:srgbClr>
+            </a:solidFill>
+            <a:ln>
+              <a:noFill/>
+            </a:ln>
+            <a:extLst>
+              <a:ext uri="{91240B29-F687-4f45-9708-019B960494DF}">
+                <a14:hiddenLine xmlns="" xmlns:a16="http://schemas.microsoft.com/office/drawing/2014/main" xmlns:p14="http://schemas.microsoft.com/office/powerpoint/2010/main" xmlns:a14="http://schemas.microsoft.com/office/drawing/2010/main" w="9525">
+                  <a:solidFill>
+                    <a:srgbClr val="000000"/>
+                  </a:solidFill>
+                  <a:round/>
+                  <a:headEnd/>
+                  <a:tailEnd/>
+                </a14:hiddenLine>
+              </a:ext>
+            </a:extLst>
+          </p:spPr>
+          <p:txBody>
+            <a:bodyPr/>
+            <a:lstStyle/>
+            <a:p>
+              <a:endParaRPr lang="en-IN"/>
+            </a:p>
+          </p:txBody>
+        </p:sp>
+        <p:sp>
+          <p:nvSpPr>
+            <p:cNvPr id="4113" name="Freeform 12">
+              <a:extLst>
+                <a:ext uri="{FF2B5EF4-FFF2-40B4-BE49-F238E27FC236}">
+                  <a16:creationId xmlns:a16="http://schemas.microsoft.com/office/drawing/2014/main" id="{14934B78-B04C-4CFA-A64D-EFA402E14EFB}"/>
+                </a:ext>
+                <a:ext uri="{C183D7F6-B498-43B3-948B-1728B52AA6E4}">
+                  <adec:decorative xmlns:adec="http://schemas.microsoft.com/office/drawing/2017/decorative" val="1"/>
+                </a:ext>
+              </a:extLst>
+            </p:cNvPr>
+            <p:cNvSpPr>
+              <a:spLocks noEditPoints="1"/>
+            </p:cNvSpPr>
+            <p:nvPr>
+              <p:extLst>
+                <p:ext uri="{386F3935-93C4-4BCD-93E2-E3B085C9AB24}">
+                  <p16:designElem xmlns:p16="http://schemas.microsoft.com/office/powerpoint/2015/main" val="1"/>
+                </p:ext>
+              </p:extLst>
+            </p:nvPr>
+          </p:nvSpPr>
+          <p:spPr bwMode="auto">
+            <a:xfrm>
+              <a:off x="1600200" y="1801812"/>
+              <a:ext cx="190500" cy="188913"/>
+            </a:xfrm>
+            <a:custGeom>
+              <a:avLst/>
+              <a:gdLst/>
+              <a:ahLst/>
+              <a:cxnLst/>
+              <a:rect l="0" t="0" r="r" b="b"/>
+              <a:pathLst>
+                <a:path w="40" h="40">
+                  <a:moveTo>
+                    <a:pt x="20" y="40"/>
+                  </a:moveTo>
+                  <a:cubicBezTo>
+                    <a:pt x="9" y="40"/>
+                    <a:pt x="0" y="31"/>
+                    <a:pt x="0" y="20"/>
+                  </a:cubicBezTo>
+                  <a:cubicBezTo>
+                    <a:pt x="0" y="9"/>
+                    <a:pt x="9" y="0"/>
+                    <a:pt x="20" y="0"/>
+                  </a:cubicBezTo>
+                  <a:cubicBezTo>
+                    <a:pt x="31" y="0"/>
+                    <a:pt x="40" y="9"/>
+                    <a:pt x="40" y="20"/>
+                  </a:cubicBezTo>
+                  <a:cubicBezTo>
+                    <a:pt x="40" y="31"/>
+                    <a:pt x="31" y="40"/>
+                    <a:pt x="20" y="40"/>
+                  </a:cubicBezTo>
+                  <a:close/>
+                  <a:moveTo>
+                    <a:pt x="20" y="4"/>
+                  </a:moveTo>
+                  <a:cubicBezTo>
+                    <a:pt x="11" y="4"/>
+                    <a:pt x="4" y="11"/>
+                    <a:pt x="4" y="20"/>
+                  </a:cubicBezTo>
+                  <a:cubicBezTo>
+                    <a:pt x="4" y="29"/>
+                    <a:pt x="11" y="36"/>
+                    <a:pt x="20" y="36"/>
+                  </a:cubicBezTo>
+                  <a:cubicBezTo>
+                    <a:pt x="28" y="36"/>
+                    <a:pt x="36" y="29"/>
+                    <a:pt x="36" y="20"/>
+                  </a:cubicBezTo>
+                  <a:cubicBezTo>
+                    <a:pt x="36" y="11"/>
+                    <a:pt x="28" y="4"/>
+                    <a:pt x="20" y="4"/>
+                  </a:cubicBezTo>
+                  <a:close/>
+                </a:path>
+              </a:pathLst>
+            </a:custGeom>
+            <a:solidFill>
+              <a:srgbClr val="FFFFFF">
+                <a:alpha val="70000"/>
+              </a:srgbClr>
+            </a:solidFill>
+            <a:ln>
+              <a:noFill/>
+            </a:ln>
+            <a:extLst>
+              <a:ext uri="{91240B29-F687-4f45-9708-019B960494DF}">
+                <a14:hiddenLine xmlns="" xmlns:a16="http://schemas.microsoft.com/office/drawing/2014/main" xmlns:p14="http://schemas.microsoft.com/office/powerpoint/2010/main" xmlns:a14="http://schemas.microsoft.com/office/drawing/2010/main" w="9525">
+                  <a:solidFill>
+                    <a:srgbClr val="000000"/>
+                  </a:solidFill>
+                  <a:round/>
+                  <a:headEnd/>
+                  <a:tailEnd/>
+                </a14:hiddenLine>
+              </a:ext>
+            </a:extLst>
+          </p:spPr>
+          <p:txBody>
+            <a:bodyPr/>
+            <a:lstStyle/>
+            <a:p>
+              <a:endParaRPr lang="en-IN"/>
+            </a:p>
+          </p:txBody>
+        </p:sp>
+        <p:sp>
+          <p:nvSpPr>
+            <p:cNvPr id="4114" name="Freeform 13">
+              <a:extLst>
+                <a:ext uri="{FF2B5EF4-FFF2-40B4-BE49-F238E27FC236}">
+                  <a16:creationId xmlns:a16="http://schemas.microsoft.com/office/drawing/2014/main" id="{60B3248E-2504-49B9-879B-D0158482C8C9}"/>
+                </a:ext>
+                <a:ext uri="{C183D7F6-B498-43B3-948B-1728B52AA6E4}">
+                  <adec:decorative xmlns:adec="http://schemas.microsoft.com/office/drawing/2017/decorative" val="1"/>
+                </a:ext>
+              </a:extLst>
+            </p:cNvPr>
+            <p:cNvSpPr/>
+            <p:nvPr>
+              <p:extLst>
+                <p:ext uri="{386F3935-93C4-4BCD-93E2-E3B085C9AB24}">
+                  <p16:designElem xmlns:p16="http://schemas.microsoft.com/office/powerpoint/2015/main" val="1"/>
+                </p:ext>
+              </p:extLst>
+            </p:nvPr>
+          </p:nvSpPr>
+          <p:spPr bwMode="auto">
+            <a:xfrm>
+              <a:off x="1381125" y="9524"/>
+              <a:ext cx="371475" cy="1425575"/>
+            </a:xfrm>
+            <a:custGeom>
+              <a:avLst/>
+              <a:gdLst/>
+              <a:ahLst/>
+              <a:cxnLst/>
+              <a:rect l="0" t="0" r="r" b="b"/>
+              <a:pathLst>
+                <a:path w="234" h="898">
+                  <a:moveTo>
+                    <a:pt x="219" y="898"/>
+                  </a:moveTo>
+                  <a:lnTo>
+                    <a:pt x="0" y="383"/>
+                  </a:lnTo>
+                  <a:lnTo>
+                    <a:pt x="0" y="0"/>
+                  </a:lnTo>
+                  <a:lnTo>
+                    <a:pt x="15" y="0"/>
+                  </a:lnTo>
+                  <a:lnTo>
+                    <a:pt x="15" y="380"/>
+                  </a:lnTo>
+                  <a:lnTo>
+                    <a:pt x="234" y="892"/>
+                  </a:lnTo>
+                  <a:lnTo>
+                    <a:pt x="219" y="898"/>
+                  </a:lnTo>
+                  <a:close/>
+                </a:path>
+              </a:pathLst>
+            </a:custGeom>
+            <a:solidFill>
+              <a:srgbClr val="FFFFFF">
+                <a:alpha val="70000"/>
+              </a:srgbClr>
+            </a:solidFill>
+            <a:ln>
+              <a:noFill/>
+            </a:ln>
+            <a:extLst>
+              <a:ext uri="{91240B29-F687-4f45-9708-019B960494DF}">
+                <a14:hiddenLine xmlns="" xmlns:a16="http://schemas.microsoft.com/office/drawing/2014/main" xmlns:p14="http://schemas.microsoft.com/office/powerpoint/2010/main" xmlns:a14="http://schemas.microsoft.com/office/drawing/2010/main" w="9525">
+                  <a:solidFill>
+                    <a:srgbClr val="000000"/>
+                  </a:solidFill>
+                  <a:round/>
+                  <a:headEnd/>
+                  <a:tailEnd/>
+                </a14:hiddenLine>
+              </a:ext>
+            </a:extLst>
+          </p:spPr>
+          <p:txBody>
+            <a:bodyPr/>
+            <a:lstStyle/>
+            <a:p>
+              <a:endParaRPr lang="en-IN"/>
+            </a:p>
+          </p:txBody>
+        </p:sp>
+        <p:sp>
+          <p:nvSpPr>
+            <p:cNvPr id="4115" name="Freeform 14">
+              <a:extLst>
+                <a:ext uri="{FF2B5EF4-FFF2-40B4-BE49-F238E27FC236}">
+                  <a16:creationId xmlns:a16="http://schemas.microsoft.com/office/drawing/2014/main" id="{CA4F4223-FB0B-4CA0-8913-341EDCD78C57}"/>
+                </a:ext>
+                <a:ext uri="{C183D7F6-B498-43B3-948B-1728B52AA6E4}">
+                  <adec:decorative xmlns:adec="http://schemas.microsoft.com/office/drawing/2017/decorative" val="1"/>
+                </a:ext>
+              </a:extLst>
+            </p:cNvPr>
+            <p:cNvSpPr/>
+            <p:nvPr>
+              <p:extLst>
+                <p:ext uri="{386F3935-93C4-4BCD-93E2-E3B085C9AB24}">
+                  <p16:designElem xmlns:p16="http://schemas.microsoft.com/office/powerpoint/2015/main" val="1"/>
+                </p:ext>
+              </p:extLst>
+            </p:nvPr>
+          </p:nvSpPr>
+          <p:spPr bwMode="auto">
+            <a:xfrm>
+              <a:off x="1643063" y="-1"/>
+              <a:ext cx="152400" cy="912813"/>
+            </a:xfrm>
+            <a:custGeom>
+              <a:avLst/>
+              <a:gdLst/>
+              <a:ahLst/>
+              <a:cxnLst/>
+              <a:rect l="0" t="0" r="r" b="b"/>
+              <a:pathLst>
+                <a:path w="96" h="575">
+                  <a:moveTo>
+                    <a:pt x="96" y="575"/>
+                  </a:moveTo>
+                  <a:lnTo>
+                    <a:pt x="78" y="575"/>
+                  </a:lnTo>
+                  <a:lnTo>
+                    <a:pt x="78" y="192"/>
+                  </a:lnTo>
+                  <a:lnTo>
+                    <a:pt x="0" y="6"/>
+                  </a:lnTo>
+                  <a:lnTo>
+                    <a:pt x="15" y="0"/>
+                  </a:lnTo>
+                  <a:lnTo>
+                    <a:pt x="96" y="189"/>
+                  </a:lnTo>
+                  <a:lnTo>
+                    <a:pt x="96" y="575"/>
+                  </a:lnTo>
+                  <a:close/>
+                </a:path>
+              </a:pathLst>
+            </a:custGeom>
+            <a:solidFill>
+              <a:srgbClr val="FFFFFF">
+                <a:alpha val="70000"/>
+              </a:srgbClr>
+            </a:solidFill>
+            <a:ln>
+              <a:noFill/>
+            </a:ln>
+            <a:extLst>
+              <a:ext uri="{91240B29-F687-4f45-9708-019B960494DF}">
+                <a14:hiddenLine xmlns="" xmlns:a16="http://schemas.microsoft.com/office/drawing/2014/main" xmlns:p14="http://schemas.microsoft.com/office/powerpoint/2010/main" xmlns:a14="http://schemas.microsoft.com/office/drawing/2010/main" w="9525">
+                  <a:solidFill>
+                    <a:srgbClr val="000000"/>
+                  </a:solidFill>
+                  <a:round/>
+                  <a:headEnd/>
+                  <a:tailEnd/>
+                </a14:hiddenLine>
+              </a:ext>
+            </a:extLst>
+          </p:spPr>
+          <p:txBody>
+            <a:bodyPr/>
+            <a:lstStyle/>
+            <a:p>
+              <a:endParaRPr lang="en-IN"/>
+            </a:p>
+          </p:txBody>
+        </p:sp>
+        <p:sp>
+          <p:nvSpPr>
+            <p:cNvPr id="4116" name="Freeform 15">
+              <a:extLst>
+                <a:ext uri="{FF2B5EF4-FFF2-40B4-BE49-F238E27FC236}">
+                  <a16:creationId xmlns:a16="http://schemas.microsoft.com/office/drawing/2014/main" id="{42327D55-3076-45A9-8C23-54CC450F38B1}"/>
+                </a:ext>
+                <a:ext uri="{C183D7F6-B498-43B3-948B-1728B52AA6E4}">
+                  <adec:decorative xmlns:adec="http://schemas.microsoft.com/office/drawing/2017/decorative" val="1"/>
+                </a:ext>
+              </a:extLst>
+            </p:cNvPr>
+            <p:cNvSpPr>
+              <a:spLocks noEditPoints="1"/>
+            </p:cNvSpPr>
+            <p:nvPr>
+              <p:extLst>
+                <p:ext uri="{386F3935-93C4-4BCD-93E2-E3B085C9AB24}">
+                  <p16:designElem xmlns:p16="http://schemas.microsoft.com/office/powerpoint/2015/main" val="1"/>
+                </p:ext>
+              </p:extLst>
+            </p:nvPr>
+          </p:nvSpPr>
+          <p:spPr bwMode="auto">
+            <a:xfrm>
+              <a:off x="1685925" y="1420812"/>
+              <a:ext cx="190500" cy="190500"/>
+            </a:xfrm>
+            <a:custGeom>
+              <a:avLst/>
+              <a:gdLst/>
+              <a:ahLst/>
+              <a:cxnLst/>
+              <a:rect l="0" t="0" r="r" b="b"/>
+              <a:pathLst>
+                <a:path w="40" h="40">
+                  <a:moveTo>
+                    <a:pt x="20" y="40"/>
+                  </a:moveTo>
+                  <a:cubicBezTo>
+                    <a:pt x="9" y="40"/>
+                    <a:pt x="0" y="31"/>
+                    <a:pt x="0" y="20"/>
+                  </a:cubicBezTo>
+                  <a:cubicBezTo>
+                    <a:pt x="0" y="9"/>
+                    <a:pt x="9" y="0"/>
+                    <a:pt x="20" y="0"/>
+                  </a:cubicBezTo>
+                  <a:cubicBezTo>
+                    <a:pt x="31" y="0"/>
+                    <a:pt x="40" y="9"/>
+                    <a:pt x="40" y="20"/>
+                  </a:cubicBezTo>
+                  <a:cubicBezTo>
+                    <a:pt x="40" y="31"/>
+                    <a:pt x="31" y="40"/>
+                    <a:pt x="20" y="40"/>
+                  </a:cubicBezTo>
+                  <a:close/>
+                  <a:moveTo>
+                    <a:pt x="20" y="4"/>
+                  </a:moveTo>
+                  <a:cubicBezTo>
+                    <a:pt x="11" y="4"/>
+                    <a:pt x="4" y="11"/>
+                    <a:pt x="4" y="20"/>
+                  </a:cubicBezTo>
+                  <a:cubicBezTo>
+                    <a:pt x="4" y="29"/>
+                    <a:pt x="11" y="36"/>
+                    <a:pt x="20" y="36"/>
+                  </a:cubicBezTo>
+                  <a:cubicBezTo>
+                    <a:pt x="29" y="36"/>
+                    <a:pt x="36" y="29"/>
+                    <a:pt x="36" y="20"/>
+                  </a:cubicBezTo>
+                  <a:cubicBezTo>
+                    <a:pt x="36" y="11"/>
+                    <a:pt x="29" y="4"/>
+                    <a:pt x="20" y="4"/>
+                  </a:cubicBezTo>
+                  <a:close/>
+                </a:path>
+              </a:pathLst>
+            </a:custGeom>
+            <a:solidFill>
+              <a:srgbClr val="FFFFFF">
+                <a:alpha val="70000"/>
+              </a:srgbClr>
+            </a:solidFill>
+            <a:ln>
+              <a:noFill/>
+            </a:ln>
+            <a:extLst>
+              <a:ext uri="{91240B29-F687-4f45-9708-019B960494DF}">
+                <a14:hiddenLine xmlns="" xmlns:a16="http://schemas.microsoft.com/office/drawing/2014/main" xmlns:p14="http://schemas.microsoft.com/office/powerpoint/2010/main" xmlns:a14="http://schemas.microsoft.com/office/drawing/2010/main" w="9525">
+                  <a:solidFill>
+                    <a:srgbClr val="000000"/>
+                  </a:solidFill>
+                  <a:round/>
+                  <a:headEnd/>
+                  <a:tailEnd/>
+                </a14:hiddenLine>
+              </a:ext>
+            </a:extLst>
+          </p:spPr>
+          <p:txBody>
+            <a:bodyPr/>
+            <a:lstStyle/>
+            <a:p>
+              <a:endParaRPr lang="en-IN"/>
+            </a:p>
+          </p:txBody>
+        </p:sp>
+        <p:sp>
+          <p:nvSpPr>
+            <p:cNvPr id="4117" name="Freeform 16">
+              <a:extLst>
+                <a:ext uri="{FF2B5EF4-FFF2-40B4-BE49-F238E27FC236}">
+                  <a16:creationId xmlns:a16="http://schemas.microsoft.com/office/drawing/2014/main" id="{10BA2659-760C-445C-96A9-155F0BF09FF3}"/>
+                </a:ext>
+                <a:ext uri="{C183D7F6-B498-43B3-948B-1728B52AA6E4}">
+                  <adec:decorative xmlns:adec="http://schemas.microsoft.com/office/drawing/2017/decorative" val="1"/>
+                </a:ext>
+              </a:extLst>
+            </p:cNvPr>
+            <p:cNvSpPr>
+              <a:spLocks noEditPoints="1"/>
+            </p:cNvSpPr>
+            <p:nvPr>
+              <p:extLst>
+                <p:ext uri="{386F3935-93C4-4BCD-93E2-E3B085C9AB24}">
+                  <p16:designElem xmlns:p16="http://schemas.microsoft.com/office/powerpoint/2015/main" val="1"/>
+                </p:ext>
+              </p:extLst>
+            </p:nvPr>
+          </p:nvSpPr>
+          <p:spPr bwMode="auto">
+            <a:xfrm>
+              <a:off x="1685925" y="903287"/>
+              <a:ext cx="190500" cy="190500"/>
+            </a:xfrm>
+            <a:custGeom>
+              <a:avLst/>
+              <a:gdLst/>
+              <a:ahLst/>
+              <a:cxnLst/>
+              <a:rect l="0" t="0" r="r" b="b"/>
+              <a:pathLst>
+                <a:path w="40" h="40">
+                  <a:moveTo>
+                    <a:pt x="20" y="40"/>
+                  </a:moveTo>
+                  <a:cubicBezTo>
+                    <a:pt x="9" y="40"/>
+                    <a:pt x="0" y="31"/>
+                    <a:pt x="0" y="20"/>
+                  </a:cubicBezTo>
+                  <a:cubicBezTo>
+                    <a:pt x="0" y="9"/>
+                    <a:pt x="9" y="0"/>
+                    <a:pt x="20" y="0"/>
+                  </a:cubicBezTo>
+                  <a:cubicBezTo>
+                    <a:pt x="31" y="0"/>
+                    <a:pt x="40" y="9"/>
+                    <a:pt x="40" y="20"/>
+                  </a:cubicBezTo>
+                  <a:cubicBezTo>
+                    <a:pt x="40" y="31"/>
+                    <a:pt x="31" y="40"/>
+                    <a:pt x="20" y="40"/>
+                  </a:cubicBezTo>
+                  <a:close/>
+                  <a:moveTo>
+                    <a:pt x="20" y="4"/>
+                  </a:moveTo>
+                  <a:cubicBezTo>
+                    <a:pt x="11" y="4"/>
+                    <a:pt x="4" y="11"/>
+                    <a:pt x="4" y="20"/>
+                  </a:cubicBezTo>
+                  <a:cubicBezTo>
+                    <a:pt x="4" y="29"/>
+                    <a:pt x="11" y="36"/>
+                    <a:pt x="20" y="36"/>
+                  </a:cubicBezTo>
+                  <a:cubicBezTo>
+                    <a:pt x="29" y="36"/>
+                    <a:pt x="36" y="29"/>
+                    <a:pt x="36" y="20"/>
+                  </a:cubicBezTo>
+                  <a:cubicBezTo>
+                    <a:pt x="36" y="11"/>
+                    <a:pt x="29" y="4"/>
+                    <a:pt x="20" y="4"/>
+                  </a:cubicBezTo>
+                  <a:close/>
+                </a:path>
+              </a:pathLst>
+            </a:custGeom>
+            <a:solidFill>
+              <a:srgbClr val="FFFFFF">
+                <a:alpha val="70000"/>
+              </a:srgbClr>
+            </a:solidFill>
+            <a:ln>
+              <a:noFill/>
+            </a:ln>
+            <a:extLst>
+              <a:ext uri="{91240B29-F687-4f45-9708-019B960494DF}">
+                <a14:hiddenLine xmlns="" xmlns:a16="http://schemas.microsoft.com/office/drawing/2014/main" xmlns:p14="http://schemas.microsoft.com/office/powerpoint/2010/main" xmlns:a14="http://schemas.microsoft.com/office/drawing/2010/main" w="9525">
+                  <a:solidFill>
+                    <a:srgbClr val="000000"/>
+                  </a:solidFill>
+                  <a:round/>
+                  <a:headEnd/>
+                  <a:tailEnd/>
+                </a14:hiddenLine>
+              </a:ext>
+            </a:extLst>
+          </p:spPr>
+          <p:txBody>
+            <a:bodyPr/>
+            <a:lstStyle/>
+            <a:p>
+              <a:endParaRPr lang="en-IN"/>
+            </a:p>
+          </p:txBody>
+        </p:sp>
+        <p:sp>
+          <p:nvSpPr>
+            <p:cNvPr id="4118" name="Freeform 17">
+              <a:extLst>
+                <a:ext uri="{FF2B5EF4-FFF2-40B4-BE49-F238E27FC236}">
+                  <a16:creationId xmlns:a16="http://schemas.microsoft.com/office/drawing/2014/main" id="{9EF5E6EC-49CF-43A0-8ED2-136FCDCADE93}"/>
+                </a:ext>
+                <a:ext uri="{C183D7F6-B498-43B3-948B-1728B52AA6E4}">
+                  <adec:decorative xmlns:adec="http://schemas.microsoft.com/office/drawing/2017/decorative" val="1"/>
+                </a:ext>
+              </a:extLst>
+            </p:cNvPr>
+            <p:cNvSpPr/>
+            <p:nvPr>
+              <p:extLst>
+                <p:ext uri="{386F3935-93C4-4BCD-93E2-E3B085C9AB24}">
+                  <p16:designElem xmlns:p16="http://schemas.microsoft.com/office/powerpoint/2015/main" val="1"/>
+                </p:ext>
+              </p:extLst>
+            </p:nvPr>
+          </p:nvSpPr>
+          <p:spPr bwMode="auto">
+            <a:xfrm>
+              <a:off x="1743075" y="4762"/>
+              <a:ext cx="419100" cy="522288"/>
+            </a:xfrm>
+            <a:custGeom>
+              <a:avLst/>
+              <a:gdLst/>
+              <a:ahLst/>
+              <a:cxnLst/>
+              <a:rect l="0" t="0" r="r" b="b"/>
+              <a:pathLst>
+                <a:path w="264" h="329">
+                  <a:moveTo>
+                    <a:pt x="252" y="329"/>
+                  </a:moveTo>
+                  <a:lnTo>
+                    <a:pt x="45" y="120"/>
+                  </a:lnTo>
+                  <a:lnTo>
+                    <a:pt x="0" y="6"/>
+                  </a:lnTo>
+                  <a:lnTo>
+                    <a:pt x="15" y="0"/>
+                  </a:lnTo>
+                  <a:lnTo>
+                    <a:pt x="60" y="111"/>
+                  </a:lnTo>
+                  <a:lnTo>
+                    <a:pt x="264" y="317"/>
+                  </a:lnTo>
+                  <a:lnTo>
+                    <a:pt x="252" y="329"/>
+                  </a:lnTo>
+                  <a:close/>
+                </a:path>
+              </a:pathLst>
+            </a:custGeom>
+            <a:solidFill>
+              <a:srgbClr val="FFFFFF">
+                <a:alpha val="70000"/>
+              </a:srgbClr>
+            </a:solidFill>
+            <a:ln>
+              <a:noFill/>
+            </a:ln>
+            <a:extLst>
+              <a:ext uri="{91240B29-F687-4f45-9708-019B960494DF}">
+                <a14:hiddenLine xmlns="" xmlns:a16="http://schemas.microsoft.com/office/drawing/2014/main" xmlns:p14="http://schemas.microsoft.com/office/powerpoint/2010/main" xmlns:a14="http://schemas.microsoft.com/office/drawing/2010/main" w="9525">
+                  <a:solidFill>
+                    <a:srgbClr val="000000"/>
+                  </a:solidFill>
+                  <a:round/>
+                  <a:headEnd/>
+                  <a:tailEnd/>
+                </a14:hiddenLine>
+              </a:ext>
+            </a:extLst>
+          </p:spPr>
+          <p:txBody>
+            <a:bodyPr/>
+            <a:lstStyle/>
+            <a:p>
+              <a:endParaRPr lang="en-IN"/>
+            </a:p>
+          </p:txBody>
+        </p:sp>
+        <p:sp>
+          <p:nvSpPr>
+            <p:cNvPr id="4119" name="Freeform 18">
+              <a:extLst>
+                <a:ext uri="{FF2B5EF4-FFF2-40B4-BE49-F238E27FC236}">
+                  <a16:creationId xmlns:a16="http://schemas.microsoft.com/office/drawing/2014/main" id="{F4A1A617-AE8C-49B0-9B78-F0E2BFB2BD97}"/>
+                </a:ext>
+                <a:ext uri="{C183D7F6-B498-43B3-948B-1728B52AA6E4}">
+                  <adec:decorative xmlns:adec="http://schemas.microsoft.com/office/drawing/2017/decorative" val="1"/>
+                </a:ext>
+              </a:extLst>
+            </p:cNvPr>
+            <p:cNvSpPr>
+              <a:spLocks noEditPoints="1"/>
+            </p:cNvSpPr>
+            <p:nvPr>
+              <p:extLst>
+                <p:ext uri="{386F3935-93C4-4BCD-93E2-E3B085C9AB24}">
+                  <p16:designElem xmlns:p16="http://schemas.microsoft.com/office/powerpoint/2015/main" val="1"/>
+                </p:ext>
+              </p:extLst>
+            </p:nvPr>
+          </p:nvSpPr>
+          <p:spPr bwMode="auto">
+            <a:xfrm>
+              <a:off x="2119313" y="488949"/>
+              <a:ext cx="161925" cy="147638"/>
+            </a:xfrm>
+            <a:custGeom>
+              <a:avLst/>
+              <a:gdLst/>
+              <a:ahLst/>
+              <a:cxnLst/>
+              <a:rect l="0" t="0" r="r" b="b"/>
+              <a:pathLst>
+                <a:path w="34" h="31">
+                  <a:moveTo>
+                    <a:pt x="17" y="31"/>
+                  </a:moveTo>
+                  <a:cubicBezTo>
+                    <a:pt x="13" y="31"/>
+                    <a:pt x="9" y="30"/>
+                    <a:pt x="6" y="27"/>
+                  </a:cubicBezTo>
+                  <a:cubicBezTo>
+                    <a:pt x="0" y="20"/>
+                    <a:pt x="0" y="10"/>
+                    <a:pt x="6" y="4"/>
+                  </a:cubicBezTo>
+                  <a:cubicBezTo>
+                    <a:pt x="9" y="1"/>
+                    <a:pt x="13" y="0"/>
+                    <a:pt x="17" y="0"/>
+                  </a:cubicBezTo>
+                  <a:cubicBezTo>
+                    <a:pt x="21" y="0"/>
+                    <a:pt x="25" y="1"/>
+                    <a:pt x="28" y="4"/>
+                  </a:cubicBezTo>
+                  <a:cubicBezTo>
+                    <a:pt x="34" y="10"/>
+                    <a:pt x="34" y="20"/>
+                    <a:pt x="28" y="27"/>
+                  </a:cubicBezTo>
+                  <a:cubicBezTo>
+                    <a:pt x="25" y="30"/>
+                    <a:pt x="21" y="31"/>
+                    <a:pt x="17" y="31"/>
+                  </a:cubicBezTo>
+                  <a:close/>
+                  <a:moveTo>
+                    <a:pt x="17" y="4"/>
+                  </a:moveTo>
+                  <a:cubicBezTo>
+                    <a:pt x="14" y="4"/>
+                    <a:pt x="11" y="5"/>
+                    <a:pt x="9" y="7"/>
+                  </a:cubicBezTo>
+                  <a:cubicBezTo>
+                    <a:pt x="4" y="12"/>
+                    <a:pt x="4" y="19"/>
+                    <a:pt x="9" y="24"/>
+                  </a:cubicBezTo>
+                  <a:cubicBezTo>
+                    <a:pt x="11" y="26"/>
+                    <a:pt x="14" y="27"/>
+                    <a:pt x="17" y="27"/>
+                  </a:cubicBezTo>
+                  <a:cubicBezTo>
+                    <a:pt x="20" y="27"/>
+                    <a:pt x="23" y="26"/>
+                    <a:pt x="25" y="24"/>
+                  </a:cubicBezTo>
+                  <a:cubicBezTo>
+                    <a:pt x="30" y="19"/>
+                    <a:pt x="30" y="12"/>
+                    <a:pt x="25" y="7"/>
+                  </a:cubicBezTo>
+                  <a:cubicBezTo>
+                    <a:pt x="23" y="5"/>
+                    <a:pt x="20" y="4"/>
+                    <a:pt x="17" y="4"/>
+                  </a:cubicBezTo>
+                  <a:close/>
+                </a:path>
+              </a:pathLst>
+            </a:custGeom>
+            <a:solidFill>
+              <a:srgbClr val="FFFFFF">
+                <a:alpha val="70000"/>
+              </a:srgbClr>
+            </a:solidFill>
+            <a:ln>
+              <a:noFill/>
+            </a:ln>
+            <a:extLst>
+              <a:ext uri="{91240B29-F687-4f45-9708-019B960494DF}">
+                <a14:hiddenLine xmlns="" xmlns:a16="http://schemas.microsoft.com/office/drawing/2014/main" xmlns:p14="http://schemas.microsoft.com/office/powerpoint/2010/main" xmlns:a14="http://schemas.microsoft.com/office/drawing/2010/main" w="9525">
+                  <a:solidFill>
+                    <a:srgbClr val="000000"/>
+                  </a:solidFill>
+                  <a:round/>
+                  <a:headEnd/>
+                  <a:tailEnd/>
+                </a14:hiddenLine>
+              </a:ext>
+            </a:extLst>
+          </p:spPr>
+          <p:txBody>
+            <a:bodyPr/>
+            <a:lstStyle/>
+            <a:p>
+              <a:endParaRPr lang="en-IN"/>
+            </a:p>
+          </p:txBody>
+        </p:sp>
+        <p:sp>
+          <p:nvSpPr>
+            <p:cNvPr id="4120" name="Freeform 19">
+              <a:extLst>
+                <a:ext uri="{FF2B5EF4-FFF2-40B4-BE49-F238E27FC236}">
+                  <a16:creationId xmlns:a16="http://schemas.microsoft.com/office/drawing/2014/main" id="{4B1C21A9-2A27-4BA8-AB2C-E2F23D93F297}"/>
+                </a:ext>
+                <a:ext uri="{C183D7F6-B498-43B3-948B-1728B52AA6E4}">
+                  <adec:decorative xmlns:adec="http://schemas.microsoft.com/office/drawing/2017/decorative" val="1"/>
+                </a:ext>
+              </a:extLst>
+            </p:cNvPr>
+            <p:cNvSpPr/>
+            <p:nvPr>
+              <p:extLst>
+                <p:ext uri="{386F3935-93C4-4BCD-93E2-E3B085C9AB24}">
+                  <p16:designElem xmlns:p16="http://schemas.microsoft.com/office/powerpoint/2015/main" val="1"/>
+                </p:ext>
+              </p:extLst>
+            </p:nvPr>
+          </p:nvSpPr>
+          <p:spPr bwMode="auto">
+            <a:xfrm>
+              <a:off x="952500" y="4762"/>
+              <a:ext cx="152400" cy="908050"/>
+            </a:xfrm>
+            <a:custGeom>
+              <a:avLst/>
+              <a:gdLst/>
+              <a:ahLst/>
+              <a:cxnLst/>
+              <a:rect l="0" t="0" r="r" b="b"/>
+              <a:pathLst>
+                <a:path w="96" h="572">
+                  <a:moveTo>
+                    <a:pt x="15" y="572"/>
+                  </a:moveTo>
+                  <a:lnTo>
+                    <a:pt x="0" y="572"/>
+                  </a:lnTo>
+                  <a:lnTo>
+                    <a:pt x="0" y="189"/>
+                  </a:lnTo>
+                  <a:lnTo>
+                    <a:pt x="81" y="0"/>
+                  </a:lnTo>
+                  <a:lnTo>
+                    <a:pt x="96" y="6"/>
+                  </a:lnTo>
+                  <a:lnTo>
+                    <a:pt x="15" y="192"/>
+                  </a:lnTo>
+                  <a:lnTo>
+                    <a:pt x="15" y="572"/>
+                  </a:lnTo>
+                  <a:close/>
+                </a:path>
+              </a:pathLst>
+            </a:custGeom>
+            <a:solidFill>
+              <a:srgbClr val="FFFFFF">
+                <a:alpha val="70000"/>
+              </a:srgbClr>
+            </a:solidFill>
+            <a:ln>
+              <a:noFill/>
+            </a:ln>
+            <a:extLst>
+              <a:ext uri="{91240B29-F687-4f45-9708-019B960494DF}">
+                <a14:hiddenLine xmlns="" xmlns:a16="http://schemas.microsoft.com/office/drawing/2014/main" xmlns:p14="http://schemas.microsoft.com/office/powerpoint/2010/main" xmlns:a14="http://schemas.microsoft.com/office/drawing/2010/main" w="9525">
+                  <a:solidFill>
+                    <a:srgbClr val="000000"/>
+                  </a:solidFill>
+                  <a:round/>
+                  <a:headEnd/>
+                  <a:tailEnd/>
+                </a14:hiddenLine>
+              </a:ext>
+            </a:extLst>
+          </p:spPr>
+          <p:txBody>
+            <a:bodyPr/>
+            <a:lstStyle/>
+            <a:p>
+              <a:endParaRPr lang="en-IN"/>
+            </a:p>
+          </p:txBody>
+        </p:sp>
+        <p:sp>
+          <p:nvSpPr>
+            <p:cNvPr id="4121" name="Freeform 20">
+              <a:extLst>
+                <a:ext uri="{FF2B5EF4-FFF2-40B4-BE49-F238E27FC236}">
+                  <a16:creationId xmlns:a16="http://schemas.microsoft.com/office/drawing/2014/main" id="{803E4DF0-86BE-4F7B-99D9-A4DAF790A62A}"/>
+                </a:ext>
+                <a:ext uri="{C183D7F6-B498-43B3-948B-1728B52AA6E4}">
+                  <adec:decorative xmlns:adec="http://schemas.microsoft.com/office/drawing/2017/decorative" val="1"/>
+                </a:ext>
+              </a:extLst>
+            </p:cNvPr>
+            <p:cNvSpPr>
+              <a:spLocks noEditPoints="1"/>
+            </p:cNvSpPr>
+            <p:nvPr>
+              <p:extLst>
+                <p:ext uri="{386F3935-93C4-4BCD-93E2-E3B085C9AB24}">
+                  <p16:designElem xmlns:p16="http://schemas.microsoft.com/office/powerpoint/2015/main" val="1"/>
+                </p:ext>
+              </p:extLst>
+            </p:nvPr>
+          </p:nvSpPr>
+          <p:spPr bwMode="auto">
+            <a:xfrm>
+              <a:off x="866775" y="903287"/>
+              <a:ext cx="190500" cy="190500"/>
+            </a:xfrm>
+            <a:custGeom>
+              <a:avLst/>
+              <a:gdLst/>
+              <a:ahLst/>
+              <a:cxnLst/>
+              <a:rect l="0" t="0" r="r" b="b"/>
+              <a:pathLst>
+                <a:path w="40" h="40">
+                  <a:moveTo>
+                    <a:pt x="20" y="40"/>
+                  </a:moveTo>
+                  <a:cubicBezTo>
+                    <a:pt x="9" y="40"/>
+                    <a:pt x="0" y="31"/>
+                    <a:pt x="0" y="20"/>
+                  </a:cubicBezTo>
+                  <a:cubicBezTo>
+                    <a:pt x="0" y="9"/>
+                    <a:pt x="9" y="0"/>
+                    <a:pt x="20" y="0"/>
+                  </a:cubicBezTo>
+                  <a:cubicBezTo>
+                    <a:pt x="31" y="0"/>
+                    <a:pt x="40" y="9"/>
+                    <a:pt x="40" y="20"/>
+                  </a:cubicBezTo>
+                  <a:cubicBezTo>
+                    <a:pt x="40" y="31"/>
+                    <a:pt x="31" y="40"/>
+                    <a:pt x="20" y="40"/>
+                  </a:cubicBezTo>
+                  <a:close/>
+                  <a:moveTo>
+                    <a:pt x="20" y="4"/>
+                  </a:moveTo>
+                  <a:cubicBezTo>
+                    <a:pt x="11" y="4"/>
+                    <a:pt x="4" y="12"/>
+                    <a:pt x="4" y="20"/>
+                  </a:cubicBezTo>
+                  <a:cubicBezTo>
+                    <a:pt x="4" y="29"/>
+                    <a:pt x="11" y="36"/>
+                    <a:pt x="20" y="36"/>
+                  </a:cubicBezTo>
+                  <a:cubicBezTo>
+                    <a:pt x="29" y="36"/>
+                    <a:pt x="36" y="29"/>
+                    <a:pt x="36" y="20"/>
+                  </a:cubicBezTo>
+                  <a:cubicBezTo>
+                    <a:pt x="36" y="12"/>
+                    <a:pt x="29" y="4"/>
+                    <a:pt x="20" y="4"/>
+                  </a:cubicBezTo>
+                  <a:close/>
+                </a:path>
+              </a:pathLst>
+            </a:custGeom>
+            <a:solidFill>
+              <a:srgbClr val="FFFFFF">
+                <a:alpha val="70000"/>
+              </a:srgbClr>
+            </a:solidFill>
+            <a:ln>
+              <a:noFill/>
+            </a:ln>
+            <a:extLst>
+              <a:ext uri="{91240B29-F687-4f45-9708-019B960494DF}">
+                <a14:hiddenLine xmlns="" xmlns:a16="http://schemas.microsoft.com/office/drawing/2014/main" xmlns:p14="http://schemas.microsoft.com/office/powerpoint/2010/main" xmlns:a14="http://schemas.microsoft.com/office/drawing/2010/main" w="9525">
+                  <a:solidFill>
+                    <a:srgbClr val="000000"/>
+                  </a:solidFill>
+                  <a:round/>
+                  <a:headEnd/>
+                  <a:tailEnd/>
+                </a14:hiddenLine>
+              </a:ext>
+            </a:extLst>
+          </p:spPr>
+          <p:txBody>
+            <a:bodyPr/>
+            <a:lstStyle/>
+            <a:p>
+              <a:endParaRPr lang="en-IN"/>
+            </a:p>
+          </p:txBody>
+        </p:sp>
+        <p:sp>
+          <p:nvSpPr>
+            <p:cNvPr id="4122" name="Freeform 21">
+              <a:extLst>
+                <a:ext uri="{FF2B5EF4-FFF2-40B4-BE49-F238E27FC236}">
+                  <a16:creationId xmlns:a16="http://schemas.microsoft.com/office/drawing/2014/main" id="{324C4266-1501-454D-A3A2-C60585E379CF}"/>
+                </a:ext>
+                <a:ext uri="{C183D7F6-B498-43B3-948B-1728B52AA6E4}">
+                  <adec:decorative xmlns:adec="http://schemas.microsoft.com/office/drawing/2017/decorative" val="1"/>
+                </a:ext>
+              </a:extLst>
+            </p:cNvPr>
+            <p:cNvSpPr>
+              <a:spLocks noEditPoints="1"/>
+            </p:cNvSpPr>
+            <p:nvPr>
+              <p:extLst>
+                <p:ext uri="{386F3935-93C4-4BCD-93E2-E3B085C9AB24}">
+                  <p16:designElem xmlns:p16="http://schemas.microsoft.com/office/powerpoint/2015/main" val="1"/>
+                </p:ext>
+              </p:extLst>
+            </p:nvPr>
+          </p:nvSpPr>
+          <p:spPr bwMode="auto">
+            <a:xfrm>
+              <a:off x="890588" y="1554162"/>
+              <a:ext cx="190500" cy="190500"/>
+            </a:xfrm>
+            <a:custGeom>
+              <a:avLst/>
+              <a:gdLst/>
+              <a:ahLst/>
+              <a:cxnLst/>
+              <a:rect l="0" t="0" r="r" b="b"/>
+              <a:pathLst>
+                <a:path w="40" h="40">
+                  <a:moveTo>
+                    <a:pt x="20" y="40"/>
+                  </a:moveTo>
+                  <a:cubicBezTo>
+                    <a:pt x="9" y="40"/>
+                    <a:pt x="0" y="31"/>
+                    <a:pt x="0" y="20"/>
+                  </a:cubicBezTo>
+                  <a:cubicBezTo>
+                    <a:pt x="0" y="9"/>
+                    <a:pt x="9" y="0"/>
+                    <a:pt x="20" y="0"/>
+                  </a:cubicBezTo>
+                  <a:cubicBezTo>
+                    <a:pt x="31" y="0"/>
+                    <a:pt x="40" y="9"/>
+                    <a:pt x="40" y="20"/>
+                  </a:cubicBezTo>
+                  <a:cubicBezTo>
+                    <a:pt x="40" y="31"/>
+                    <a:pt x="31" y="40"/>
+                    <a:pt x="20" y="40"/>
+                  </a:cubicBezTo>
+                  <a:close/>
+                  <a:moveTo>
+                    <a:pt x="20" y="4"/>
+                  </a:moveTo>
+                  <a:cubicBezTo>
+                    <a:pt x="11" y="4"/>
+                    <a:pt x="4" y="11"/>
+                    <a:pt x="4" y="20"/>
+                  </a:cubicBezTo>
+                  <a:cubicBezTo>
+                    <a:pt x="4" y="28"/>
+                    <a:pt x="11" y="36"/>
+                    <a:pt x="20" y="36"/>
+                  </a:cubicBezTo>
+                  <a:cubicBezTo>
+                    <a:pt x="29" y="36"/>
+                    <a:pt x="36" y="28"/>
+                    <a:pt x="36" y="20"/>
+                  </a:cubicBezTo>
+                  <a:cubicBezTo>
+                    <a:pt x="36" y="11"/>
+                    <a:pt x="29" y="4"/>
+                    <a:pt x="20" y="4"/>
+                  </a:cubicBezTo>
+                  <a:close/>
+                </a:path>
+              </a:pathLst>
+            </a:custGeom>
+            <a:solidFill>
+              <a:srgbClr val="FFFFFF">
+                <a:alpha val="70000"/>
+              </a:srgbClr>
+            </a:solidFill>
+            <a:ln>
+              <a:noFill/>
+            </a:ln>
+            <a:extLst>
+              <a:ext uri="{91240B29-F687-4f45-9708-019B960494DF}">
+                <a14:hiddenLine xmlns="" xmlns:a16="http://schemas.microsoft.com/office/drawing/2014/main" xmlns:p14="http://schemas.microsoft.com/office/powerpoint/2010/main" xmlns:a14="http://schemas.microsoft.com/office/drawing/2010/main" w="9525">
+                  <a:solidFill>
+                    <a:srgbClr val="000000"/>
+                  </a:solidFill>
+                  <a:round/>
+                  <a:headEnd/>
+                  <a:tailEnd/>
+                </a14:hiddenLine>
+              </a:ext>
+            </a:extLst>
+          </p:spPr>
+          <p:txBody>
+            <a:bodyPr/>
+            <a:lstStyle/>
+            <a:p>
+              <a:endParaRPr lang="en-IN"/>
+            </a:p>
+          </p:txBody>
+        </p:sp>
+        <p:sp>
+          <p:nvSpPr>
+            <p:cNvPr id="4123" name="Freeform 24">
+              <a:extLst>
+                <a:ext uri="{FF2B5EF4-FFF2-40B4-BE49-F238E27FC236}">
+                  <a16:creationId xmlns:a16="http://schemas.microsoft.com/office/drawing/2014/main" id="{335F4B74-90BA-4372-9744-660DE1DAE6FC}"/>
+                </a:ext>
+                <a:ext uri="{C183D7F6-B498-43B3-948B-1728B52AA6E4}">
+                  <adec:decorative xmlns:adec="http://schemas.microsoft.com/office/drawing/2017/decorative" val="1"/>
+                </a:ext>
+              </a:extLst>
+            </p:cNvPr>
+            <p:cNvSpPr>
+              <a:spLocks noEditPoints="1"/>
+            </p:cNvSpPr>
+            <p:nvPr>
+              <p:extLst>
+                <p:ext uri="{386F3935-93C4-4BCD-93E2-E3B085C9AB24}">
+                  <p16:designElem xmlns:p16="http://schemas.microsoft.com/office/powerpoint/2015/main" val="1"/>
+                </p:ext>
+              </p:extLst>
+            </p:nvPr>
+          </p:nvSpPr>
+          <p:spPr bwMode="auto">
+            <a:xfrm>
+              <a:off x="66675" y="903287"/>
+              <a:ext cx="190500" cy="190500"/>
+            </a:xfrm>
+            <a:custGeom>
+              <a:avLst/>
+              <a:gdLst/>
+              <a:ahLst/>
+              <a:cxnLst/>
+              <a:rect l="0" t="0" r="r" b="b"/>
+              <a:pathLst>
+                <a:path w="40" h="40">
+                  <a:moveTo>
+                    <a:pt x="20" y="40"/>
+                  </a:moveTo>
+                  <a:cubicBezTo>
+                    <a:pt x="9" y="40"/>
+                    <a:pt x="0" y="31"/>
+                    <a:pt x="0" y="20"/>
+                  </a:cubicBezTo>
+                  <a:cubicBezTo>
+                    <a:pt x="0" y="9"/>
+                    <a:pt x="9" y="0"/>
+                    <a:pt x="20" y="0"/>
+                  </a:cubicBezTo>
+                  <a:cubicBezTo>
+                    <a:pt x="32" y="0"/>
+                    <a:pt x="40" y="9"/>
+                    <a:pt x="40" y="20"/>
+                  </a:cubicBezTo>
+                  <a:cubicBezTo>
+                    <a:pt x="40" y="31"/>
+                    <a:pt x="32" y="40"/>
+                    <a:pt x="20" y="40"/>
+                  </a:cubicBezTo>
+                  <a:close/>
+                  <a:moveTo>
+                    <a:pt x="20" y="4"/>
+                  </a:moveTo>
+                  <a:cubicBezTo>
+                    <a:pt x="12" y="4"/>
+                    <a:pt x="4" y="12"/>
+                    <a:pt x="4" y="20"/>
+                  </a:cubicBezTo>
+                  <a:cubicBezTo>
+                    <a:pt x="4" y="29"/>
+                    <a:pt x="12" y="36"/>
+                    <a:pt x="20" y="36"/>
+                  </a:cubicBezTo>
+                  <a:cubicBezTo>
+                    <a:pt x="29" y="36"/>
+                    <a:pt x="36" y="29"/>
+                    <a:pt x="36" y="20"/>
+                  </a:cubicBezTo>
+                  <a:cubicBezTo>
+                    <a:pt x="36" y="12"/>
+                    <a:pt x="29" y="4"/>
+                    <a:pt x="20" y="4"/>
+                  </a:cubicBezTo>
+                  <a:close/>
+                </a:path>
+              </a:pathLst>
+            </a:custGeom>
+            <a:solidFill>
+              <a:srgbClr val="FFFFFF">
+                <a:alpha val="70000"/>
+              </a:srgbClr>
+            </a:solidFill>
+            <a:ln>
+              <a:noFill/>
+            </a:ln>
+            <a:extLst>
+              <a:ext uri="{91240B29-F687-4f45-9708-019B960494DF}">
+                <a14:hiddenLine xmlns="" xmlns:a16="http://schemas.microsoft.com/office/drawing/2014/main" xmlns:p14="http://schemas.microsoft.com/office/powerpoint/2010/main" xmlns:a14="http://schemas.microsoft.com/office/drawing/2010/main" w="9525">
+                  <a:solidFill>
+                    <a:srgbClr val="000000"/>
+                  </a:solidFill>
+                  <a:round/>
+                  <a:headEnd/>
+                  <a:tailEnd/>
+                </a14:hiddenLine>
+              </a:ext>
+            </a:extLst>
+          </p:spPr>
+          <p:txBody>
+            <a:bodyPr/>
+            <a:lstStyle/>
+            <a:p>
+              <a:endParaRPr lang="en-IN"/>
+            </a:p>
+          </p:txBody>
+        </p:sp>
+        <p:sp>
+          <p:nvSpPr>
+            <p:cNvPr id="4124" name="Freeform 25">
+              <a:extLst>
+                <a:ext uri="{FF2B5EF4-FFF2-40B4-BE49-F238E27FC236}">
+                  <a16:creationId xmlns:a16="http://schemas.microsoft.com/office/drawing/2014/main" id="{676BC228-1D88-4E9F-A39C-485245F38A19}"/>
+                </a:ext>
+                <a:ext uri="{C183D7F6-B498-43B3-948B-1728B52AA6E4}">
+                  <adec:decorative xmlns:adec="http://schemas.microsoft.com/office/drawing/2017/decorative" val="1"/>
+                </a:ext>
+              </a:extLst>
+            </p:cNvPr>
+            <p:cNvSpPr/>
+            <p:nvPr>
+              <p:extLst>
+                <p:ext uri="{386F3935-93C4-4BCD-93E2-E3B085C9AB24}">
+                  <p16:designElem xmlns:p16="http://schemas.microsoft.com/office/powerpoint/2015/main" val="1"/>
+                </p:ext>
+              </p:extLst>
+            </p:nvPr>
+          </p:nvSpPr>
+          <p:spPr bwMode="auto">
+            <a:xfrm>
+              <a:off x="0" y="3897312"/>
+              <a:ext cx="133350" cy="266700"/>
+            </a:xfrm>
+            <a:custGeom>
+              <a:avLst/>
+              <a:gdLst/>
+              <a:ahLst/>
+              <a:cxnLst/>
+              <a:rect l="0" t="0" r="r" b="b"/>
+              <a:pathLst>
+                <a:path w="84" h="168">
+                  <a:moveTo>
+                    <a:pt x="69" y="168"/>
+                  </a:moveTo>
+                  <a:lnTo>
+                    <a:pt x="0" y="6"/>
+                  </a:lnTo>
+                  <a:lnTo>
+                    <a:pt x="12" y="0"/>
+                  </a:lnTo>
+                  <a:lnTo>
+                    <a:pt x="84" y="162"/>
+                  </a:lnTo>
+                  <a:lnTo>
+                    <a:pt x="69" y="168"/>
+                  </a:lnTo>
+                  <a:close/>
+                </a:path>
+              </a:pathLst>
+            </a:custGeom>
+            <a:solidFill>
+              <a:srgbClr val="FFFFFF">
+                <a:alpha val="70000"/>
+              </a:srgbClr>
+            </a:solidFill>
+            <a:ln>
+              <a:noFill/>
+            </a:ln>
+            <a:extLst>
+              <a:ext uri="{91240B29-F687-4f45-9708-019B960494DF}">
+                <a14:hiddenLine xmlns="" xmlns:a16="http://schemas.microsoft.com/office/drawing/2014/main" xmlns:p14="http://schemas.microsoft.com/office/powerpoint/2010/main" xmlns:a14="http://schemas.microsoft.com/office/drawing/2010/main" w="9525">
+                  <a:solidFill>
+                    <a:srgbClr val="000000"/>
+                  </a:solidFill>
+                  <a:round/>
+                  <a:headEnd/>
+                  <a:tailEnd/>
+                </a14:hiddenLine>
+              </a:ext>
+            </a:extLst>
+          </p:spPr>
+          <p:txBody>
+            <a:bodyPr/>
+            <a:lstStyle/>
+            <a:p>
+              <a:endParaRPr lang="en-IN"/>
+            </a:p>
+          </p:txBody>
+        </p:sp>
+        <p:sp>
+          <p:nvSpPr>
+            <p:cNvPr id="4125" name="Freeform 26">
+              <a:extLst>
+                <a:ext uri="{FF2B5EF4-FFF2-40B4-BE49-F238E27FC236}">
+                  <a16:creationId xmlns:a16="http://schemas.microsoft.com/office/drawing/2014/main" id="{82C283AD-515F-427B-A581-F1EC42B2F8A0}"/>
+                </a:ext>
+                <a:ext uri="{C183D7F6-B498-43B3-948B-1728B52AA6E4}">
+                  <adec:decorative xmlns:adec="http://schemas.microsoft.com/office/drawing/2017/decorative" val="1"/>
+                </a:ext>
+              </a:extLst>
+            </p:cNvPr>
+            <p:cNvSpPr>
+              <a:spLocks noEditPoints="1"/>
+            </p:cNvSpPr>
+            <p:nvPr>
+              <p:extLst>
+                <p:ext uri="{386F3935-93C4-4BCD-93E2-E3B085C9AB24}">
+                  <p16:designElem xmlns:p16="http://schemas.microsoft.com/office/powerpoint/2015/main" val="1"/>
+                </p:ext>
+              </p:extLst>
+            </p:nvPr>
+          </p:nvSpPr>
+          <p:spPr bwMode="auto">
+            <a:xfrm>
+              <a:off x="66675" y="4149724"/>
+              <a:ext cx="190500" cy="188913"/>
+            </a:xfrm>
+            <a:custGeom>
+              <a:avLst/>
+              <a:gdLst/>
+              <a:ahLst/>
+              <a:cxnLst/>
+              <a:rect l="0" t="0" r="r" b="b"/>
+              <a:pathLst>
+                <a:path w="40" h="40">
+                  <a:moveTo>
+                    <a:pt x="20" y="40"/>
+                  </a:moveTo>
+                  <a:cubicBezTo>
+                    <a:pt x="9" y="40"/>
+                    <a:pt x="0" y="31"/>
+                    <a:pt x="0" y="20"/>
+                  </a:cubicBezTo>
+                  <a:cubicBezTo>
+                    <a:pt x="0" y="9"/>
+                    <a:pt x="9" y="0"/>
+                    <a:pt x="20" y="0"/>
+                  </a:cubicBezTo>
+                  <a:cubicBezTo>
+                    <a:pt x="31" y="0"/>
+                    <a:pt x="40" y="9"/>
+                    <a:pt x="40" y="20"/>
+                  </a:cubicBezTo>
+                  <a:cubicBezTo>
+                    <a:pt x="40" y="31"/>
+                    <a:pt x="31" y="40"/>
+                    <a:pt x="20" y="40"/>
+                  </a:cubicBezTo>
+                  <a:close/>
+                  <a:moveTo>
+                    <a:pt x="20" y="4"/>
+                  </a:moveTo>
+                  <a:cubicBezTo>
+                    <a:pt x="11" y="4"/>
+                    <a:pt x="4" y="11"/>
+                    <a:pt x="4" y="20"/>
+                  </a:cubicBezTo>
+                  <a:cubicBezTo>
+                    <a:pt x="4" y="28"/>
+                    <a:pt x="11" y="36"/>
+                    <a:pt x="20" y="36"/>
+                  </a:cubicBezTo>
+                  <a:cubicBezTo>
+                    <a:pt x="29" y="36"/>
+                    <a:pt x="36" y="28"/>
+                    <a:pt x="36" y="20"/>
+                  </a:cubicBezTo>
+                  <a:cubicBezTo>
+                    <a:pt x="36" y="11"/>
+                    <a:pt x="29" y="4"/>
+                    <a:pt x="20" y="4"/>
+                  </a:cubicBezTo>
+                  <a:close/>
+                </a:path>
+              </a:pathLst>
+            </a:custGeom>
+            <a:solidFill>
+              <a:srgbClr val="FFFFFF">
+                <a:alpha val="70000"/>
+              </a:srgbClr>
+            </a:solidFill>
+            <a:ln>
+              <a:noFill/>
+            </a:ln>
+            <a:extLst>
+              <a:ext uri="{91240B29-F687-4f45-9708-019B960494DF}">
+                <a14:hiddenLine xmlns="" xmlns:a16="http://schemas.microsoft.com/office/drawing/2014/main" xmlns:p14="http://schemas.microsoft.com/office/powerpoint/2010/main" xmlns:a14="http://schemas.microsoft.com/office/drawing/2010/main" w="9525">
+                  <a:solidFill>
+                    <a:srgbClr val="000000"/>
+                  </a:solidFill>
+                  <a:round/>
+                  <a:headEnd/>
+                  <a:tailEnd/>
+                </a14:hiddenLine>
+              </a:ext>
+            </a:extLst>
+          </p:spPr>
+          <p:txBody>
+            <a:bodyPr/>
+            <a:lstStyle/>
+            <a:p>
+              <a:endParaRPr lang="en-IN"/>
+            </a:p>
+          </p:txBody>
+        </p:sp>
+        <p:sp>
+          <p:nvSpPr>
+            <p:cNvPr id="4126" name="Freeform 27">
+              <a:extLst>
+                <a:ext uri="{FF2B5EF4-FFF2-40B4-BE49-F238E27FC236}">
+                  <a16:creationId xmlns:a16="http://schemas.microsoft.com/office/drawing/2014/main" id="{A211013C-44EA-4C7F-867A-70F84606A17E}"/>
+                </a:ext>
+                <a:ext uri="{C183D7F6-B498-43B3-948B-1728B52AA6E4}">
+                  <adec:decorative xmlns:adec="http://schemas.microsoft.com/office/drawing/2017/decorative" val="1"/>
+                </a:ext>
+              </a:extLst>
+            </p:cNvPr>
+            <p:cNvSpPr/>
+            <p:nvPr>
+              <p:extLst>
+                <p:ext uri="{386F3935-93C4-4BCD-93E2-E3B085C9AB24}">
+                  <p16:designElem xmlns:p16="http://schemas.microsoft.com/office/powerpoint/2015/main" val="1"/>
+                </p:ext>
+              </p:extLst>
+            </p:nvPr>
+          </p:nvSpPr>
+          <p:spPr bwMode="auto">
+            <a:xfrm>
+              <a:off x="0" y="1644649"/>
+              <a:ext cx="133350" cy="269875"/>
+            </a:xfrm>
+            <a:custGeom>
+              <a:avLst/>
+              <a:gdLst/>
+              <a:ahLst/>
+              <a:cxnLst/>
+              <a:rect l="0" t="0" r="r" b="b"/>
+              <a:pathLst>
+                <a:path w="84" h="170">
+                  <a:moveTo>
+                    <a:pt x="12" y="170"/>
+                  </a:moveTo>
+                  <a:lnTo>
+                    <a:pt x="0" y="164"/>
+                  </a:lnTo>
+                  <a:lnTo>
+                    <a:pt x="69" y="0"/>
+                  </a:lnTo>
+                  <a:lnTo>
+                    <a:pt x="84" y="6"/>
+                  </a:lnTo>
+                  <a:lnTo>
+                    <a:pt x="12" y="170"/>
+                  </a:lnTo>
+                  <a:close/>
+                </a:path>
+              </a:pathLst>
+            </a:custGeom>
+            <a:solidFill>
+              <a:srgbClr val="FFFFFF">
+                <a:alpha val="70000"/>
+              </a:srgbClr>
+            </a:solidFill>
+            <a:ln>
+              <a:noFill/>
+            </a:ln>
+            <a:extLst>
+              <a:ext uri="{91240B29-F687-4f45-9708-019B960494DF}">
+                <a14:hiddenLine xmlns="" xmlns:a16="http://schemas.microsoft.com/office/drawing/2014/main" xmlns:p14="http://schemas.microsoft.com/office/powerpoint/2010/main" xmlns:a14="http://schemas.microsoft.com/office/drawing/2010/main" w="9525">
+                  <a:solidFill>
+                    <a:srgbClr val="000000"/>
+                  </a:solidFill>
+                  <a:round/>
+                  <a:headEnd/>
+                  <a:tailEnd/>
+                </a14:hiddenLine>
+              </a:ext>
+            </a:extLst>
+          </p:spPr>
+          <p:txBody>
+            <a:bodyPr/>
+            <a:lstStyle/>
+            <a:p>
+              <a:endParaRPr lang="en-IN"/>
+            </a:p>
+          </p:txBody>
+        </p:sp>
+        <p:sp>
+          <p:nvSpPr>
+            <p:cNvPr id="4127" name="Freeform 28">
+              <a:extLst>
+                <a:ext uri="{FF2B5EF4-FFF2-40B4-BE49-F238E27FC236}">
+                  <a16:creationId xmlns:a16="http://schemas.microsoft.com/office/drawing/2014/main" id="{5A091894-50E1-4B1B-94B2-693B5DC5A072}"/>
+                </a:ext>
+                <a:ext uri="{C183D7F6-B498-43B3-948B-1728B52AA6E4}">
+                  <adec:decorative xmlns:adec="http://schemas.microsoft.com/office/drawing/2017/decorative" val="1"/>
+                </a:ext>
+              </a:extLst>
+            </p:cNvPr>
+            <p:cNvSpPr>
+              <a:spLocks noEditPoints="1"/>
+            </p:cNvSpPr>
+            <p:nvPr>
+              <p:extLst>
+                <p:ext uri="{386F3935-93C4-4BCD-93E2-E3B085C9AB24}">
+                  <p16:designElem xmlns:p16="http://schemas.microsoft.com/office/powerpoint/2015/main" val="1"/>
+                </p:ext>
+              </p:extLst>
+            </p:nvPr>
+          </p:nvSpPr>
+          <p:spPr bwMode="auto">
+            <a:xfrm>
+              <a:off x="66675" y="1468437"/>
+              <a:ext cx="190500" cy="190500"/>
+            </a:xfrm>
+            <a:custGeom>
+              <a:avLst/>
+              <a:gdLst/>
+              <a:ahLst/>
+              <a:cxnLst/>
+              <a:rect l="0" t="0" r="r" b="b"/>
+              <a:pathLst>
+                <a:path w="40" h="40">
+                  <a:moveTo>
+                    <a:pt x="20" y="40"/>
+                  </a:moveTo>
+                  <a:cubicBezTo>
+                    <a:pt x="9" y="40"/>
+                    <a:pt x="0" y="31"/>
+                    <a:pt x="0" y="20"/>
+                  </a:cubicBezTo>
+                  <a:cubicBezTo>
+                    <a:pt x="0" y="9"/>
+                    <a:pt x="9" y="0"/>
+                    <a:pt x="20" y="0"/>
+                  </a:cubicBezTo>
+                  <a:cubicBezTo>
+                    <a:pt x="31" y="0"/>
+                    <a:pt x="40" y="9"/>
+                    <a:pt x="40" y="20"/>
+                  </a:cubicBezTo>
+                  <a:cubicBezTo>
+                    <a:pt x="40" y="31"/>
+                    <a:pt x="31" y="40"/>
+                    <a:pt x="20" y="40"/>
+                  </a:cubicBezTo>
+                  <a:close/>
+                  <a:moveTo>
+                    <a:pt x="20" y="4"/>
+                  </a:moveTo>
+                  <a:cubicBezTo>
+                    <a:pt x="11" y="4"/>
+                    <a:pt x="4" y="11"/>
+                    <a:pt x="4" y="20"/>
+                  </a:cubicBezTo>
+                  <a:cubicBezTo>
+                    <a:pt x="4" y="28"/>
+                    <a:pt x="11" y="36"/>
+                    <a:pt x="20" y="36"/>
+                  </a:cubicBezTo>
+                  <a:cubicBezTo>
+                    <a:pt x="29" y="36"/>
+                    <a:pt x="36" y="28"/>
+                    <a:pt x="36" y="20"/>
+                  </a:cubicBezTo>
+                  <a:cubicBezTo>
+                    <a:pt x="36" y="11"/>
+                    <a:pt x="29" y="4"/>
+                    <a:pt x="20" y="4"/>
+                  </a:cubicBezTo>
+                  <a:close/>
+                </a:path>
+              </a:pathLst>
+            </a:custGeom>
+            <a:solidFill>
+              <a:srgbClr val="FFFFFF">
+                <a:alpha val="70000"/>
+              </a:srgbClr>
+            </a:solidFill>
+            <a:ln>
+              <a:noFill/>
+            </a:ln>
+            <a:extLst>
+              <a:ext uri="{91240B29-F687-4f45-9708-019B960494DF}">
+                <a14:hiddenLine xmlns="" xmlns:a16="http://schemas.microsoft.com/office/drawing/2014/main" xmlns:p14="http://schemas.microsoft.com/office/powerpoint/2010/main" xmlns:a14="http://schemas.microsoft.com/office/drawing/2010/main" w="9525">
+                  <a:solidFill>
+                    <a:srgbClr val="000000"/>
+                  </a:solidFill>
+                  <a:round/>
+                  <a:headEnd/>
+                  <a:tailEnd/>
+                </a14:hiddenLine>
+              </a:ext>
+            </a:extLst>
+          </p:spPr>
+          <p:txBody>
+            <a:bodyPr/>
+            <a:lstStyle/>
+            <a:p>
+              <a:endParaRPr lang="en-IN"/>
+            </a:p>
+          </p:txBody>
+        </p:sp>
+        <p:sp>
+          <p:nvSpPr>
+            <p:cNvPr id="4128" name="Freeform 29">
+              <a:extLst>
+                <a:ext uri="{FF2B5EF4-FFF2-40B4-BE49-F238E27FC236}">
+                  <a16:creationId xmlns:a16="http://schemas.microsoft.com/office/drawing/2014/main" id="{33665320-A7B0-4BE7-B587-654A5E130F04}"/>
+                </a:ext>
+                <a:ext uri="{C183D7F6-B498-43B3-948B-1728B52AA6E4}">
+                  <adec:decorative xmlns:adec="http://schemas.microsoft.com/office/drawing/2017/decorative" val="1"/>
+                </a:ext>
+              </a:extLst>
+            </p:cNvPr>
+            <p:cNvSpPr/>
+            <p:nvPr>
+              <p:extLst>
+                <p:ext uri="{386F3935-93C4-4BCD-93E2-E3B085C9AB24}">
+                  <p16:designElem xmlns:p16="http://schemas.microsoft.com/office/powerpoint/2015/main" val="1"/>
+                </p:ext>
+              </p:extLst>
+            </p:nvPr>
+          </p:nvSpPr>
+          <p:spPr bwMode="auto">
+            <a:xfrm>
+              <a:off x="695325" y="4762"/>
+              <a:ext cx="309563" cy="1558925"/>
+            </a:xfrm>
+            <a:custGeom>
+              <a:avLst/>
+              <a:gdLst/>
+              <a:ahLst/>
+              <a:cxnLst/>
+              <a:rect l="0" t="0" r="r" b="b"/>
+              <a:pathLst>
+                <a:path w="195" h="982">
+                  <a:moveTo>
+                    <a:pt x="195" y="982"/>
+                  </a:moveTo>
+                  <a:lnTo>
+                    <a:pt x="177" y="982"/>
+                  </a:lnTo>
+                  <a:lnTo>
+                    <a:pt x="177" y="805"/>
+                  </a:lnTo>
+                  <a:lnTo>
+                    <a:pt x="0" y="629"/>
+                  </a:lnTo>
+                  <a:lnTo>
+                    <a:pt x="0" y="0"/>
+                  </a:lnTo>
+                  <a:lnTo>
+                    <a:pt x="18" y="0"/>
+                  </a:lnTo>
+                  <a:lnTo>
+                    <a:pt x="18" y="623"/>
+                  </a:lnTo>
+                  <a:lnTo>
+                    <a:pt x="195" y="796"/>
+                  </a:lnTo>
+                  <a:lnTo>
+                    <a:pt x="195" y="982"/>
+                  </a:lnTo>
+                  <a:close/>
+                </a:path>
+              </a:pathLst>
+            </a:custGeom>
+            <a:solidFill>
+              <a:srgbClr val="FFFFFF">
+                <a:alpha val="70000"/>
+              </a:srgbClr>
+            </a:solidFill>
+            <a:ln>
+              <a:noFill/>
+            </a:ln>
+            <a:extLst>
+              <a:ext uri="{91240B29-F687-4f45-9708-019B960494DF}">
+                <a14:hiddenLine xmlns="" xmlns:a16="http://schemas.microsoft.com/office/drawing/2014/main" xmlns:p14="http://schemas.microsoft.com/office/powerpoint/2010/main" xmlns:a14="http://schemas.microsoft.com/office/drawing/2010/main" w="9525">
+                  <a:solidFill>
+                    <a:srgbClr val="000000"/>
+                  </a:solidFill>
+                  <a:round/>
+                  <a:headEnd/>
+                  <a:tailEnd/>
+                </a14:hiddenLine>
+              </a:ext>
+            </a:extLst>
+          </p:spPr>
+          <p:txBody>
+            <a:bodyPr/>
+            <a:lstStyle/>
+            <a:p>
+              <a:endParaRPr lang="en-IN"/>
+            </a:p>
+          </p:txBody>
+        </p:sp>
+        <p:sp>
+          <p:nvSpPr>
+            <p:cNvPr id="4129" name="Freeform 36">
+              <a:extLst>
+                <a:ext uri="{FF2B5EF4-FFF2-40B4-BE49-F238E27FC236}">
+                  <a16:creationId xmlns:a16="http://schemas.microsoft.com/office/drawing/2014/main" id="{5E731000-CA59-41D5-BBAF-4CF0C93CC0F8}"/>
+                </a:ext>
+                <a:ext uri="{C183D7F6-B498-43B3-948B-1728B52AA6E4}">
+                  <adec:decorative xmlns:adec="http://schemas.microsoft.com/office/drawing/2017/decorative" val="1"/>
+                </a:ext>
+              </a:extLst>
+            </p:cNvPr>
+            <p:cNvSpPr/>
+            <p:nvPr>
+              <p:extLst>
+                <p:ext uri="{386F3935-93C4-4BCD-93E2-E3B085C9AB24}">
+                  <p16:designElem xmlns:p16="http://schemas.microsoft.com/office/powerpoint/2015/main" val="1"/>
+                </p:ext>
+              </p:extLst>
+            </p:nvPr>
+          </p:nvSpPr>
+          <p:spPr bwMode="auto">
+            <a:xfrm>
+              <a:off x="1014413" y="1801812"/>
+              <a:ext cx="214313" cy="755650"/>
+            </a:xfrm>
+            <a:custGeom>
+              <a:avLst/>
+              <a:gdLst/>
+              <a:ahLst/>
+              <a:cxnLst/>
+              <a:rect l="0" t="0" r="r" b="b"/>
+              <a:pathLst>
+                <a:path w="135" h="476">
+                  <a:moveTo>
+                    <a:pt x="12" y="476"/>
+                  </a:moveTo>
+                  <a:lnTo>
+                    <a:pt x="0" y="476"/>
+                  </a:lnTo>
+                  <a:lnTo>
+                    <a:pt x="0" y="128"/>
+                  </a:lnTo>
+                  <a:lnTo>
+                    <a:pt x="126" y="0"/>
+                  </a:lnTo>
+                  <a:lnTo>
+                    <a:pt x="135" y="9"/>
+                  </a:lnTo>
+                  <a:lnTo>
+                    <a:pt x="12" y="131"/>
+                  </a:lnTo>
+                  <a:lnTo>
+                    <a:pt x="12" y="476"/>
+                  </a:lnTo>
+                  <a:close/>
+                </a:path>
+              </a:pathLst>
+            </a:custGeom>
+            <a:solidFill>
+              <a:srgbClr val="FFFFFF">
+                <a:alpha val="70000"/>
+              </a:srgbClr>
+            </a:solidFill>
+            <a:ln>
+              <a:noFill/>
+            </a:ln>
+            <a:extLst>
+              <a:ext uri="{91240B29-F687-4f45-9708-019B960494DF}">
+                <a14:hiddenLine xmlns="" xmlns:a16="http://schemas.microsoft.com/office/drawing/2014/main" xmlns:p14="http://schemas.microsoft.com/office/powerpoint/2010/main" xmlns:a14="http://schemas.microsoft.com/office/drawing/2010/main" w="9525">
+                  <a:solidFill>
+                    <a:srgbClr val="000000"/>
+                  </a:solidFill>
+                  <a:round/>
+                  <a:headEnd/>
+                  <a:tailEnd/>
+                </a14:hiddenLine>
+              </a:ext>
+            </a:extLst>
+          </p:spPr>
+          <p:txBody>
+            <a:bodyPr/>
+            <a:lstStyle/>
+            <a:p>
+              <a:endParaRPr lang="en-IN"/>
+            </a:p>
+          </p:txBody>
+        </p:sp>
+        <p:sp>
+          <p:nvSpPr>
+            <p:cNvPr id="4130" name="Freeform 37">
+              <a:extLst>
+                <a:ext uri="{FF2B5EF4-FFF2-40B4-BE49-F238E27FC236}">
+                  <a16:creationId xmlns:a16="http://schemas.microsoft.com/office/drawing/2014/main" id="{3ADE52FC-89F2-4DE3-90F2-23F8A19B5F62}"/>
+                </a:ext>
+                <a:ext uri="{C183D7F6-B498-43B3-948B-1728B52AA6E4}">
+                  <adec:decorative xmlns:adec="http://schemas.microsoft.com/office/drawing/2017/decorative" val="1"/>
+                </a:ext>
+              </a:extLst>
+            </p:cNvPr>
+            <p:cNvSpPr>
+              <a:spLocks noEditPoints="1"/>
+            </p:cNvSpPr>
+            <p:nvPr>
+              <p:extLst>
+                <p:ext uri="{386F3935-93C4-4BCD-93E2-E3B085C9AB24}">
+                  <p16:designElem xmlns:p16="http://schemas.microsoft.com/office/powerpoint/2015/main" val="1"/>
+                </p:ext>
+              </p:extLst>
+            </p:nvPr>
+          </p:nvSpPr>
+          <p:spPr bwMode="auto">
+            <a:xfrm>
+              <a:off x="938213" y="2547937"/>
+              <a:ext cx="166688" cy="160338"/>
+            </a:xfrm>
+            <a:custGeom>
+              <a:avLst/>
+              <a:gdLst/>
+              <a:ahLst/>
+              <a:cxnLst/>
+              <a:rect l="0" t="0" r="r" b="b"/>
+              <a:pathLst>
+                <a:path w="35" h="34">
+                  <a:moveTo>
+                    <a:pt x="18" y="34"/>
+                  </a:moveTo>
+                  <a:cubicBezTo>
+                    <a:pt x="8" y="34"/>
+                    <a:pt x="0" y="26"/>
+                    <a:pt x="0" y="17"/>
+                  </a:cubicBezTo>
+                  <a:cubicBezTo>
+                    <a:pt x="0" y="7"/>
+                    <a:pt x="8" y="0"/>
+                    <a:pt x="18" y="0"/>
+                  </a:cubicBezTo>
+                  <a:cubicBezTo>
+                    <a:pt x="27" y="0"/>
+                    <a:pt x="35" y="7"/>
+                    <a:pt x="35" y="17"/>
+                  </a:cubicBezTo>
+                  <a:cubicBezTo>
+                    <a:pt x="35" y="26"/>
+                    <a:pt x="27" y="34"/>
+                    <a:pt x="18" y="34"/>
+                  </a:cubicBezTo>
+                  <a:close/>
+                  <a:moveTo>
+                    <a:pt x="18" y="4"/>
+                  </a:moveTo>
+                  <a:cubicBezTo>
+                    <a:pt x="10" y="4"/>
+                    <a:pt x="4" y="10"/>
+                    <a:pt x="4" y="17"/>
+                  </a:cubicBezTo>
+                  <a:cubicBezTo>
+                    <a:pt x="4" y="24"/>
+                    <a:pt x="10" y="30"/>
+                    <a:pt x="18" y="30"/>
+                  </a:cubicBezTo>
+                  <a:cubicBezTo>
+                    <a:pt x="25" y="30"/>
+                    <a:pt x="31" y="24"/>
+                    <a:pt x="31" y="17"/>
+                  </a:cubicBezTo>
+                  <a:cubicBezTo>
+                    <a:pt x="31" y="10"/>
+                    <a:pt x="25" y="4"/>
+                    <a:pt x="18" y="4"/>
+                  </a:cubicBezTo>
+                  <a:close/>
+                </a:path>
+              </a:pathLst>
+            </a:custGeom>
+            <a:solidFill>
+              <a:srgbClr val="FFFFFF">
+                <a:alpha val="70000"/>
+              </a:srgbClr>
+            </a:solidFill>
+            <a:ln>
+              <a:noFill/>
+            </a:ln>
+            <a:extLst>
+              <a:ext uri="{91240B29-F687-4f45-9708-019B960494DF}">
+                <a14:hiddenLine xmlns="" xmlns:a16="http://schemas.microsoft.com/office/drawing/2014/main" xmlns:p14="http://schemas.microsoft.com/office/powerpoint/2010/main" xmlns:a14="http://schemas.microsoft.com/office/drawing/2010/main" w="9525">
+                  <a:solidFill>
+                    <a:srgbClr val="000000"/>
+                  </a:solidFill>
+                  <a:round/>
+                  <a:headEnd/>
+                  <a:tailEnd/>
+                </a14:hiddenLine>
+              </a:ext>
+            </a:extLst>
+          </p:spPr>
+          <p:txBody>
+            <a:bodyPr/>
+            <a:lstStyle/>
+            <a:p>
+              <a:endParaRPr lang="en-IN"/>
+            </a:p>
+          </p:txBody>
+        </p:sp>
+        <p:sp>
+          <p:nvSpPr>
+            <p:cNvPr id="4131" name="Freeform 38">
+              <a:extLst>
+                <a:ext uri="{FF2B5EF4-FFF2-40B4-BE49-F238E27FC236}">
+                  <a16:creationId xmlns:a16="http://schemas.microsoft.com/office/drawing/2014/main" id="{C598494B-717D-4E29-9D55-F0FEF36C0269}"/>
+                </a:ext>
+                <a:ext uri="{C183D7F6-B498-43B3-948B-1728B52AA6E4}">
+                  <adec:decorative xmlns:adec="http://schemas.microsoft.com/office/drawing/2017/decorative" val="1"/>
+                </a:ext>
+              </a:extLst>
+            </p:cNvPr>
+            <p:cNvSpPr/>
+            <p:nvPr>
+              <p:extLst>
+                <p:ext uri="{386F3935-93C4-4BCD-93E2-E3B085C9AB24}">
+                  <p16:designElem xmlns:p16="http://schemas.microsoft.com/office/powerpoint/2015/main" val="1"/>
+                </p:ext>
+              </p:extLst>
+            </p:nvPr>
+          </p:nvSpPr>
+          <p:spPr bwMode="auto">
+            <a:xfrm>
+              <a:off x="595313" y="4762"/>
+              <a:ext cx="638175" cy="4025900"/>
+            </a:xfrm>
+            <a:custGeom>
+              <a:avLst/>
+              <a:gdLst/>
+              <a:ahLst/>
+              <a:cxnLst/>
+              <a:rect l="0" t="0" r="r" b="b"/>
+              <a:pathLst>
+                <a:path w="402" h="2536">
+                  <a:moveTo>
+                    <a:pt x="402" y="2536"/>
+                  </a:moveTo>
+                  <a:lnTo>
+                    <a:pt x="387" y="2536"/>
+                  </a:lnTo>
+                  <a:lnTo>
+                    <a:pt x="387" y="2311"/>
+                  </a:lnTo>
+                  <a:lnTo>
+                    <a:pt x="0" y="1925"/>
+                  </a:lnTo>
+                  <a:lnTo>
+                    <a:pt x="0" y="0"/>
+                  </a:lnTo>
+                  <a:lnTo>
+                    <a:pt x="15" y="0"/>
+                  </a:lnTo>
+                  <a:lnTo>
+                    <a:pt x="15" y="1916"/>
+                  </a:lnTo>
+                  <a:lnTo>
+                    <a:pt x="402" y="2302"/>
+                  </a:lnTo>
+                  <a:lnTo>
+                    <a:pt x="402" y="2536"/>
+                  </a:lnTo>
+                  <a:close/>
+                </a:path>
+              </a:pathLst>
+            </a:custGeom>
+            <a:solidFill>
+              <a:srgbClr val="FFFFFF">
+                <a:alpha val="70000"/>
+              </a:srgbClr>
+            </a:solidFill>
+            <a:ln>
+              <a:noFill/>
+            </a:ln>
+            <a:extLst>
+              <a:ext uri="{91240B29-F687-4f45-9708-019B960494DF}">
+                <a14:hiddenLine xmlns="" xmlns:a16="http://schemas.microsoft.com/office/drawing/2014/main" xmlns:p14="http://schemas.microsoft.com/office/powerpoint/2010/main" xmlns:a14="http://schemas.microsoft.com/office/drawing/2010/main" w="9525">
+                  <a:solidFill>
+                    <a:srgbClr val="000000"/>
+                  </a:solidFill>
+                  <a:round/>
+                  <a:headEnd/>
+                  <a:tailEnd/>
+                </a14:hiddenLine>
+              </a:ext>
+            </a:extLst>
+          </p:spPr>
+          <p:txBody>
+            <a:bodyPr/>
+            <a:lstStyle/>
+            <a:p>
+              <a:endParaRPr lang="en-IN"/>
+            </a:p>
+          </p:txBody>
+        </p:sp>
+        <p:sp>
+          <p:nvSpPr>
+            <p:cNvPr id="4132" name="Freeform 39">
+              <a:extLst>
+                <a:ext uri="{FF2B5EF4-FFF2-40B4-BE49-F238E27FC236}">
+                  <a16:creationId xmlns:a16="http://schemas.microsoft.com/office/drawing/2014/main" id="{4E748B28-C809-4A72-BA26-B42706005BC1}"/>
+                </a:ext>
+                <a:ext uri="{C183D7F6-B498-43B3-948B-1728B52AA6E4}">
+                  <adec:decorative xmlns:adec="http://schemas.microsoft.com/office/drawing/2017/decorative" val="1"/>
+                </a:ext>
+              </a:extLst>
+            </p:cNvPr>
+            <p:cNvSpPr/>
+            <p:nvPr>
+              <p:extLst>
+                <p:ext uri="{386F3935-93C4-4BCD-93E2-E3B085C9AB24}">
+                  <p16:designElem xmlns:p16="http://schemas.microsoft.com/office/powerpoint/2015/main" val="1"/>
+                </p:ext>
+              </p:extLst>
+            </p:nvPr>
+          </p:nvSpPr>
+          <p:spPr bwMode="auto">
+            <a:xfrm>
+              <a:off x="1223963" y="1382712"/>
+              <a:ext cx="142875" cy="476250"/>
+            </a:xfrm>
+            <a:custGeom>
+              <a:avLst/>
+              <a:gdLst/>
+              <a:ahLst/>
+              <a:cxnLst/>
+              <a:rect l="0" t="0" r="r" b="b"/>
+              <a:pathLst>
+                <a:path w="90" h="300">
+                  <a:moveTo>
+                    <a:pt x="90" y="300"/>
+                  </a:moveTo>
+                  <a:lnTo>
+                    <a:pt x="78" y="300"/>
+                  </a:lnTo>
+                  <a:lnTo>
+                    <a:pt x="78" y="84"/>
+                  </a:lnTo>
+                  <a:lnTo>
+                    <a:pt x="0" y="9"/>
+                  </a:lnTo>
+                  <a:lnTo>
+                    <a:pt x="9" y="0"/>
+                  </a:lnTo>
+                  <a:lnTo>
+                    <a:pt x="90" y="81"/>
+                  </a:lnTo>
+                  <a:lnTo>
+                    <a:pt x="90" y="300"/>
+                  </a:lnTo>
+                  <a:close/>
+                </a:path>
+              </a:pathLst>
+            </a:custGeom>
+            <a:solidFill>
+              <a:srgbClr val="FFFFFF">
+                <a:alpha val="70000"/>
+              </a:srgbClr>
+            </a:solidFill>
+            <a:ln>
+              <a:noFill/>
+            </a:ln>
+            <a:extLst>
+              <a:ext uri="{91240B29-F687-4f45-9708-019B960494DF}">
+                <a14:hiddenLine xmlns="" xmlns:a16="http://schemas.microsoft.com/office/drawing/2014/main" xmlns:p14="http://schemas.microsoft.com/office/powerpoint/2010/main" xmlns:a14="http://schemas.microsoft.com/office/drawing/2010/main" w="9525">
+                  <a:solidFill>
+                    <a:srgbClr val="000000"/>
+                  </a:solidFill>
+                  <a:round/>
+                  <a:headEnd/>
+                  <a:tailEnd/>
+                </a14:hiddenLine>
+              </a:ext>
+            </a:extLst>
+          </p:spPr>
+          <p:txBody>
+            <a:bodyPr/>
+            <a:lstStyle/>
+            <a:p>
+              <a:endParaRPr lang="en-IN"/>
+            </a:p>
+          </p:txBody>
+        </p:sp>
+        <p:sp>
+          <p:nvSpPr>
+            <p:cNvPr id="4133" name="Freeform 40">
+              <a:extLst>
+                <a:ext uri="{FF2B5EF4-FFF2-40B4-BE49-F238E27FC236}">
+                  <a16:creationId xmlns:a16="http://schemas.microsoft.com/office/drawing/2014/main" id="{1B55B6D8-6E87-41B4-8C20-4C59AB35B07B}"/>
+                </a:ext>
+                <a:ext uri="{C183D7F6-B498-43B3-948B-1728B52AA6E4}">
+                  <adec:decorative xmlns:adec="http://schemas.microsoft.com/office/drawing/2017/decorative" val="1"/>
+                </a:ext>
+              </a:extLst>
+            </p:cNvPr>
+            <p:cNvSpPr>
+              <a:spLocks noEditPoints="1"/>
+            </p:cNvSpPr>
+            <p:nvPr>
+              <p:extLst>
+                <p:ext uri="{386F3935-93C4-4BCD-93E2-E3B085C9AB24}">
+                  <p16:designElem xmlns:p16="http://schemas.microsoft.com/office/powerpoint/2015/main" val="1"/>
+                </p:ext>
+              </p:extLst>
+            </p:nvPr>
+          </p:nvSpPr>
+          <p:spPr bwMode="auto">
+            <a:xfrm>
+              <a:off x="1300163" y="1849437"/>
+              <a:ext cx="109538" cy="107950"/>
+            </a:xfrm>
+            <a:custGeom>
+              <a:avLst/>
+              <a:gdLst/>
+              <a:ahLst/>
+              <a:cxnLst/>
+              <a:rect l="0" t="0" r="r" b="b"/>
+              <a:pathLst>
+                <a:path w="23" h="23">
+                  <a:moveTo>
+                    <a:pt x="12" y="23"/>
+                  </a:moveTo>
+                  <a:cubicBezTo>
+                    <a:pt x="5" y="23"/>
+                    <a:pt x="0" y="18"/>
+                    <a:pt x="0" y="12"/>
+                  </a:cubicBezTo>
+                  <a:cubicBezTo>
+                    <a:pt x="0" y="5"/>
+                    <a:pt x="5" y="0"/>
+                    <a:pt x="12" y="0"/>
+                  </a:cubicBezTo>
+                  <a:cubicBezTo>
+                    <a:pt x="18" y="0"/>
+                    <a:pt x="23" y="5"/>
+                    <a:pt x="23" y="12"/>
+                  </a:cubicBezTo>
+                  <a:cubicBezTo>
+                    <a:pt x="23" y="18"/>
+                    <a:pt x="18" y="23"/>
+                    <a:pt x="12" y="23"/>
+                  </a:cubicBezTo>
+                  <a:close/>
+                  <a:moveTo>
+                    <a:pt x="12" y="4"/>
+                  </a:moveTo>
+                  <a:cubicBezTo>
+                    <a:pt x="8" y="4"/>
+                    <a:pt x="4" y="8"/>
+                    <a:pt x="4" y="12"/>
+                  </a:cubicBezTo>
+                  <a:cubicBezTo>
+                    <a:pt x="4" y="16"/>
+                    <a:pt x="8" y="19"/>
+                    <a:pt x="12" y="19"/>
+                  </a:cubicBezTo>
+                  <a:cubicBezTo>
+                    <a:pt x="16" y="19"/>
+                    <a:pt x="19" y="16"/>
+                    <a:pt x="19" y="12"/>
+                  </a:cubicBezTo>
+                  <a:cubicBezTo>
+                    <a:pt x="19" y="8"/>
+                    <a:pt x="16" y="4"/>
+                    <a:pt x="12" y="4"/>
+                  </a:cubicBezTo>
+                  <a:close/>
+                </a:path>
+              </a:pathLst>
+            </a:custGeom>
+            <a:solidFill>
+              <a:srgbClr val="FFFFFF">
+                <a:alpha val="70000"/>
+              </a:srgbClr>
+            </a:solidFill>
+            <a:ln>
+              <a:noFill/>
+            </a:ln>
+            <a:extLst>
+              <a:ext uri="{91240B29-F687-4f45-9708-019B960494DF}">
+                <a14:hiddenLine xmlns="" xmlns:a16="http://schemas.microsoft.com/office/drawing/2014/main" xmlns:p14="http://schemas.microsoft.com/office/powerpoint/2010/main" xmlns:a14="http://schemas.microsoft.com/office/drawing/2010/main" w="9525">
+                  <a:solidFill>
+                    <a:srgbClr val="000000"/>
+                  </a:solidFill>
+                  <a:round/>
+                  <a:headEnd/>
+                  <a:tailEnd/>
+                </a14:hiddenLine>
+              </a:ext>
+            </a:extLst>
+          </p:spPr>
+          <p:txBody>
+            <a:bodyPr/>
+            <a:lstStyle/>
+            <a:p>
+              <a:endParaRPr lang="en-IN"/>
+            </a:p>
+          </p:txBody>
+        </p:sp>
+        <p:sp>
+          <p:nvSpPr>
+            <p:cNvPr id="4134" name="Freeform 41">
+              <a:extLst>
+                <a:ext uri="{FF2B5EF4-FFF2-40B4-BE49-F238E27FC236}">
+                  <a16:creationId xmlns:a16="http://schemas.microsoft.com/office/drawing/2014/main" id="{8AF0CB98-D797-4C0F-B534-B53FFEC58036}"/>
+                </a:ext>
+                <a:ext uri="{C183D7F6-B498-43B3-948B-1728B52AA6E4}">
+                  <adec:decorative xmlns:adec="http://schemas.microsoft.com/office/drawing/2017/decorative" val="1"/>
+                </a:ext>
+              </a:extLst>
+            </p:cNvPr>
+            <p:cNvSpPr/>
+            <p:nvPr>
+              <p:extLst>
+                <p:ext uri="{386F3935-93C4-4BCD-93E2-E3B085C9AB24}">
+                  <p16:designElem xmlns:p16="http://schemas.microsoft.com/office/powerpoint/2015/main" val="1"/>
+                </p:ext>
+              </p:extLst>
+            </p:nvPr>
+          </p:nvSpPr>
+          <p:spPr bwMode="auto">
+            <a:xfrm>
+              <a:off x="280988" y="3417887"/>
+              <a:ext cx="142875" cy="474663"/>
+            </a:xfrm>
+            <a:custGeom>
+              <a:avLst/>
+              <a:gdLst/>
+              <a:ahLst/>
+              <a:cxnLst/>
+              <a:rect l="0" t="0" r="r" b="b"/>
+              <a:pathLst>
+                <a:path w="90" h="299">
+                  <a:moveTo>
+                    <a:pt x="12" y="299"/>
+                  </a:moveTo>
+                  <a:lnTo>
+                    <a:pt x="0" y="299"/>
+                  </a:lnTo>
+                  <a:lnTo>
+                    <a:pt x="0" y="80"/>
+                  </a:lnTo>
+                  <a:lnTo>
+                    <a:pt x="81" y="0"/>
+                  </a:lnTo>
+                  <a:lnTo>
+                    <a:pt x="90" y="8"/>
+                  </a:lnTo>
+                  <a:lnTo>
+                    <a:pt x="12" y="83"/>
+                  </a:lnTo>
+                  <a:lnTo>
+                    <a:pt x="12" y="299"/>
+                  </a:lnTo>
+                  <a:close/>
+                </a:path>
+              </a:pathLst>
+            </a:custGeom>
+            <a:solidFill>
+              <a:srgbClr val="FFFFFF">
+                <a:alpha val="70000"/>
+              </a:srgbClr>
+            </a:solidFill>
+            <a:ln>
+              <a:noFill/>
+            </a:ln>
+            <a:extLst>
+              <a:ext uri="{91240B29-F687-4f45-9708-019B960494DF}">
+                <a14:hiddenLine xmlns="" xmlns:a16="http://schemas.microsoft.com/office/drawing/2014/main" xmlns:p14="http://schemas.microsoft.com/office/powerpoint/2010/main" xmlns:a14="http://schemas.microsoft.com/office/drawing/2010/main" w="9525">
+                  <a:solidFill>
+                    <a:srgbClr val="000000"/>
+                  </a:solidFill>
+                  <a:round/>
+                  <a:headEnd/>
+                  <a:tailEnd/>
+                </a14:hiddenLine>
+              </a:ext>
+            </a:extLst>
+          </p:spPr>
+          <p:txBody>
+            <a:bodyPr/>
+            <a:lstStyle/>
+            <a:p>
+              <a:endParaRPr lang="en-IN"/>
+            </a:p>
+          </p:txBody>
+        </p:sp>
+        <p:sp>
+          <p:nvSpPr>
+            <p:cNvPr id="4135" name="Freeform 42">
+              <a:extLst>
+                <a:ext uri="{FF2B5EF4-FFF2-40B4-BE49-F238E27FC236}">
+                  <a16:creationId xmlns:a16="http://schemas.microsoft.com/office/drawing/2014/main" id="{8161F426-0884-4746-ADFB-ED2E8ED5E291}"/>
+                </a:ext>
+                <a:ext uri="{C183D7F6-B498-43B3-948B-1728B52AA6E4}">
+                  <adec:decorative xmlns:adec="http://schemas.microsoft.com/office/drawing/2017/decorative" val="1"/>
+                </a:ext>
+              </a:extLst>
+            </p:cNvPr>
+            <p:cNvSpPr>
+              <a:spLocks noEditPoints="1"/>
+            </p:cNvSpPr>
+            <p:nvPr>
+              <p:extLst>
+                <p:ext uri="{386F3935-93C4-4BCD-93E2-E3B085C9AB24}">
+                  <p16:designElem xmlns:p16="http://schemas.microsoft.com/office/powerpoint/2015/main" val="1"/>
+                </p:ext>
+              </p:extLst>
+            </p:nvPr>
+          </p:nvSpPr>
+          <p:spPr bwMode="auto">
+            <a:xfrm>
+              <a:off x="238125" y="3883024"/>
+              <a:ext cx="109538" cy="109538"/>
+            </a:xfrm>
+            <a:custGeom>
+              <a:avLst/>
+              <a:gdLst/>
+              <a:ahLst/>
+              <a:cxnLst/>
+              <a:rect l="0" t="0" r="r" b="b"/>
+              <a:pathLst>
+                <a:path w="23" h="23">
+                  <a:moveTo>
+                    <a:pt x="11" y="23"/>
+                  </a:moveTo>
+                  <a:cubicBezTo>
+                    <a:pt x="5" y="23"/>
+                    <a:pt x="0" y="18"/>
+                    <a:pt x="0" y="12"/>
+                  </a:cubicBezTo>
+                  <a:cubicBezTo>
+                    <a:pt x="0" y="5"/>
+                    <a:pt x="5" y="0"/>
+                    <a:pt x="11" y="0"/>
+                  </a:cubicBezTo>
+                  <a:cubicBezTo>
+                    <a:pt x="17" y="0"/>
+                    <a:pt x="23" y="5"/>
+                    <a:pt x="23" y="12"/>
+                  </a:cubicBezTo>
+                  <a:cubicBezTo>
+                    <a:pt x="23" y="18"/>
+                    <a:pt x="17" y="23"/>
+                    <a:pt x="11" y="23"/>
+                  </a:cubicBezTo>
+                  <a:close/>
+                  <a:moveTo>
+                    <a:pt x="11" y="4"/>
+                  </a:moveTo>
+                  <a:cubicBezTo>
+                    <a:pt x="7" y="4"/>
+                    <a:pt x="4" y="8"/>
+                    <a:pt x="4" y="12"/>
+                  </a:cubicBezTo>
+                  <a:cubicBezTo>
+                    <a:pt x="4" y="16"/>
+                    <a:pt x="7" y="19"/>
+                    <a:pt x="11" y="19"/>
+                  </a:cubicBezTo>
+                  <a:cubicBezTo>
+                    <a:pt x="15" y="19"/>
+                    <a:pt x="19" y="16"/>
+                    <a:pt x="19" y="12"/>
+                  </a:cubicBezTo>
+                  <a:cubicBezTo>
+                    <a:pt x="19" y="8"/>
+                    <a:pt x="15" y="4"/>
+                    <a:pt x="11" y="4"/>
+                  </a:cubicBezTo>
+                  <a:close/>
+                </a:path>
+              </a:pathLst>
+            </a:custGeom>
+            <a:solidFill>
+              <a:srgbClr val="FFFFFF">
+                <a:alpha val="70000"/>
+              </a:srgbClr>
+            </a:solidFill>
+            <a:ln>
+              <a:noFill/>
+            </a:ln>
+            <a:extLst>
+              <a:ext uri="{91240B29-F687-4f45-9708-019B960494DF}">
+                <a14:hiddenLine xmlns="" xmlns:a16="http://schemas.microsoft.com/office/drawing/2014/main" xmlns:p14="http://schemas.microsoft.com/office/powerpoint/2010/main" xmlns:a14="http://schemas.microsoft.com/office/drawing/2010/main" w="9525">
+                  <a:solidFill>
+                    <a:srgbClr val="000000"/>
+                  </a:solidFill>
+                  <a:round/>
+                  <a:headEnd/>
+                  <a:tailEnd/>
+                </a14:hiddenLine>
+              </a:ext>
+            </a:extLst>
+          </p:spPr>
+          <p:txBody>
+            <a:bodyPr/>
+            <a:lstStyle/>
+            <a:p>
+              <a:endParaRPr lang="en-IN"/>
+            </a:p>
+          </p:txBody>
+        </p:sp>
+        <p:sp>
+          <p:nvSpPr>
+            <p:cNvPr id="4136" name="Freeform 43">
+              <a:extLst>
+                <a:ext uri="{FF2B5EF4-FFF2-40B4-BE49-F238E27FC236}">
+                  <a16:creationId xmlns:a16="http://schemas.microsoft.com/office/drawing/2014/main" id="{9FB6AEF0-B7A7-4C34-8BCA-D1939E5C0F8C}"/>
+                </a:ext>
+                <a:ext uri="{C183D7F6-B498-43B3-948B-1728B52AA6E4}">
+                  <adec:decorative xmlns:adec="http://schemas.microsoft.com/office/drawing/2017/decorative" val="1"/>
+                </a:ext>
+              </a:extLst>
+            </p:cNvPr>
+            <p:cNvSpPr/>
+            <p:nvPr>
+              <p:extLst>
+                <p:ext uri="{386F3935-93C4-4BCD-93E2-E3B085C9AB24}">
+                  <p16:designElem xmlns:p16="http://schemas.microsoft.com/office/powerpoint/2015/main" val="1"/>
+                </p:ext>
+              </p:extLst>
+            </p:nvPr>
+          </p:nvSpPr>
+          <p:spPr bwMode="auto">
+            <a:xfrm>
+              <a:off x="4763" y="2166937"/>
+              <a:ext cx="114300" cy="452438"/>
+            </a:xfrm>
+            <a:custGeom>
+              <a:avLst/>
+              <a:gdLst/>
+              <a:ahLst/>
+              <a:cxnLst/>
+              <a:rect l="0" t="0" r="r" b="b"/>
+              <a:pathLst>
+                <a:path w="72" h="285">
+                  <a:moveTo>
+                    <a:pt x="6" y="285"/>
+                  </a:moveTo>
+                  <a:lnTo>
+                    <a:pt x="0" y="276"/>
+                  </a:lnTo>
+                  <a:lnTo>
+                    <a:pt x="60" y="216"/>
+                  </a:lnTo>
+                  <a:lnTo>
+                    <a:pt x="60" y="0"/>
+                  </a:lnTo>
+                  <a:lnTo>
+                    <a:pt x="72" y="0"/>
+                  </a:lnTo>
+                  <a:lnTo>
+                    <a:pt x="72" y="222"/>
+                  </a:lnTo>
+                  <a:lnTo>
+                    <a:pt x="6" y="285"/>
+                  </a:lnTo>
+                  <a:close/>
+                </a:path>
+              </a:pathLst>
+            </a:custGeom>
+            <a:solidFill>
+              <a:srgbClr val="FFFFFF">
+                <a:alpha val="70000"/>
+              </a:srgbClr>
+            </a:solidFill>
+            <a:ln>
+              <a:noFill/>
+            </a:ln>
+            <a:extLst>
+              <a:ext uri="{91240B29-F687-4f45-9708-019B960494DF}">
+                <a14:hiddenLine xmlns="" xmlns:a16="http://schemas.microsoft.com/office/drawing/2014/main" xmlns:p14="http://schemas.microsoft.com/office/powerpoint/2010/main" xmlns:a14="http://schemas.microsoft.com/office/drawing/2010/main" w="9525">
+                  <a:solidFill>
+                    <a:srgbClr val="000000"/>
+                  </a:solidFill>
+                  <a:round/>
+                  <a:headEnd/>
+                  <a:tailEnd/>
+                </a14:hiddenLine>
+              </a:ext>
+            </a:extLst>
+          </p:spPr>
+          <p:txBody>
+            <a:bodyPr/>
+            <a:lstStyle/>
+            <a:p>
+              <a:endParaRPr lang="en-IN"/>
+            </a:p>
+          </p:txBody>
+        </p:sp>
+        <p:sp>
+          <p:nvSpPr>
+            <p:cNvPr id="4137" name="Freeform 44">
+              <a:extLst>
+                <a:ext uri="{FF2B5EF4-FFF2-40B4-BE49-F238E27FC236}">
+                  <a16:creationId xmlns:a16="http://schemas.microsoft.com/office/drawing/2014/main" id="{C4221C70-D5F8-42A7-B0AF-B63791EFA89D}"/>
+                </a:ext>
+                <a:ext uri="{C183D7F6-B498-43B3-948B-1728B52AA6E4}">
+                  <adec:decorative xmlns:adec="http://schemas.microsoft.com/office/drawing/2017/decorative" val="1"/>
+                </a:ext>
+              </a:extLst>
+            </p:cNvPr>
+            <p:cNvSpPr>
+              <a:spLocks noEditPoints="1"/>
+            </p:cNvSpPr>
+            <p:nvPr>
+              <p:extLst>
+                <p:ext uri="{386F3935-93C4-4BCD-93E2-E3B085C9AB24}">
+                  <p16:designElem xmlns:p16="http://schemas.microsoft.com/office/powerpoint/2015/main" val="1"/>
+                </p:ext>
+              </p:extLst>
+            </p:nvPr>
+          </p:nvSpPr>
+          <p:spPr bwMode="auto">
+            <a:xfrm>
+              <a:off x="52388" y="2066924"/>
+              <a:ext cx="109538" cy="109538"/>
+            </a:xfrm>
+            <a:custGeom>
+              <a:avLst/>
+              <a:gdLst/>
+              <a:ahLst/>
+              <a:cxnLst/>
+              <a:rect l="0" t="0" r="r" b="b"/>
+              <a:pathLst>
+                <a:path w="23" h="23">
+                  <a:moveTo>
+                    <a:pt x="12" y="23"/>
+                  </a:moveTo>
+                  <a:cubicBezTo>
+                    <a:pt x="5" y="23"/>
+                    <a:pt x="0" y="18"/>
+                    <a:pt x="0" y="12"/>
+                  </a:cubicBezTo>
+                  <a:cubicBezTo>
+                    <a:pt x="0" y="5"/>
+                    <a:pt x="5" y="0"/>
+                    <a:pt x="12" y="0"/>
+                  </a:cubicBezTo>
+                  <a:cubicBezTo>
+                    <a:pt x="18" y="0"/>
+                    <a:pt x="23" y="5"/>
+                    <a:pt x="23" y="12"/>
+                  </a:cubicBezTo>
+                  <a:cubicBezTo>
+                    <a:pt x="23" y="18"/>
+                    <a:pt x="18" y="23"/>
+                    <a:pt x="12" y="23"/>
+                  </a:cubicBezTo>
+                  <a:close/>
+                  <a:moveTo>
+                    <a:pt x="12" y="4"/>
+                  </a:moveTo>
+                  <a:cubicBezTo>
+                    <a:pt x="8" y="4"/>
+                    <a:pt x="4" y="8"/>
+                    <a:pt x="4" y="12"/>
+                  </a:cubicBezTo>
+                  <a:cubicBezTo>
+                    <a:pt x="4" y="16"/>
+                    <a:pt x="8" y="19"/>
+                    <a:pt x="12" y="19"/>
+                  </a:cubicBezTo>
+                  <a:cubicBezTo>
+                    <a:pt x="16" y="19"/>
+                    <a:pt x="19" y="16"/>
+                    <a:pt x="19" y="12"/>
+                  </a:cubicBezTo>
+                  <a:cubicBezTo>
+                    <a:pt x="19" y="8"/>
+                    <a:pt x="16" y="4"/>
+                    <a:pt x="12" y="4"/>
+                  </a:cubicBezTo>
+                  <a:close/>
+                </a:path>
+              </a:pathLst>
+            </a:custGeom>
+            <a:solidFill>
+              <a:srgbClr val="FFFFFF">
+                <a:alpha val="70000"/>
+              </a:srgbClr>
+            </a:solidFill>
+            <a:ln>
+              <a:noFill/>
+            </a:ln>
+            <a:extLst>
+              <a:ext uri="{91240B29-F687-4f45-9708-019B960494DF}">
+                <a14:hiddenLine xmlns="" xmlns:a16="http://schemas.microsoft.com/office/drawing/2014/main" xmlns:p14="http://schemas.microsoft.com/office/powerpoint/2010/main" xmlns:a14="http://schemas.microsoft.com/office/drawing/2010/main" w="9525">
+                  <a:solidFill>
+                    <a:srgbClr val="000000"/>
+                  </a:solidFill>
+                  <a:round/>
+                  <a:headEnd/>
+                  <a:tailEnd/>
+                </a14:hiddenLine>
+              </a:ext>
+            </a:extLst>
+          </p:spPr>
+          <p:txBody>
+            <a:bodyPr/>
+            <a:lstStyle/>
+            <a:p>
+              <a:endParaRPr lang="en-IN"/>
+            </a:p>
+          </p:txBody>
+        </p:sp>
+        <p:sp>
+          <p:nvSpPr>
+            <p:cNvPr id="4138" name="Freeform 57">
+              <a:extLst>
+                <a:ext uri="{FF2B5EF4-FFF2-40B4-BE49-F238E27FC236}">
+                  <a16:creationId xmlns:a16="http://schemas.microsoft.com/office/drawing/2014/main" id="{4C075733-AA99-4CB2-934E-9F42E6FC1678}"/>
+                </a:ext>
+                <a:ext uri="{C183D7F6-B498-43B3-948B-1728B52AA6E4}">
+                  <adec:decorative xmlns:adec="http://schemas.microsoft.com/office/drawing/2017/decorative" val="1"/>
+                </a:ext>
+              </a:extLst>
+            </p:cNvPr>
+            <p:cNvSpPr/>
+            <p:nvPr>
+              <p:extLst>
+                <p:ext uri="{386F3935-93C4-4BCD-93E2-E3B085C9AB24}">
+                  <p16:designElem xmlns:p16="http://schemas.microsoft.com/office/powerpoint/2015/main" val="1"/>
+                </p:ext>
+              </p:extLst>
+            </p:nvPr>
+          </p:nvSpPr>
+          <p:spPr bwMode="auto">
+            <a:xfrm>
+              <a:off x="504825" y="9524"/>
+              <a:ext cx="233363" cy="5103813"/>
+            </a:xfrm>
+            <a:custGeom>
+              <a:avLst/>
+              <a:gdLst/>
+              <a:ahLst/>
+              <a:cxnLst/>
+              <a:rect l="0" t="0" r="r" b="b"/>
+              <a:pathLst>
+                <a:path w="147" h="3215">
+                  <a:moveTo>
+                    <a:pt x="132" y="3215"/>
+                  </a:moveTo>
+                  <a:lnTo>
+                    <a:pt x="129" y="2754"/>
+                  </a:lnTo>
+                  <a:lnTo>
+                    <a:pt x="0" y="1901"/>
+                  </a:lnTo>
+                  <a:lnTo>
+                    <a:pt x="0" y="0"/>
+                  </a:lnTo>
+                  <a:lnTo>
+                    <a:pt x="15" y="0"/>
+                  </a:lnTo>
+                  <a:lnTo>
+                    <a:pt x="15" y="1898"/>
+                  </a:lnTo>
+                  <a:lnTo>
+                    <a:pt x="144" y="2754"/>
+                  </a:lnTo>
+                  <a:lnTo>
+                    <a:pt x="147" y="3215"/>
+                  </a:lnTo>
+                  <a:lnTo>
+                    <a:pt x="132" y="3215"/>
+                  </a:lnTo>
+                  <a:close/>
+                </a:path>
+              </a:pathLst>
+            </a:custGeom>
+            <a:solidFill>
+              <a:srgbClr val="FFFFFF">
+                <a:alpha val="70000"/>
+              </a:srgbClr>
+            </a:solidFill>
+            <a:ln>
+              <a:noFill/>
+            </a:ln>
+            <a:extLst>
+              <a:ext uri="{91240B29-F687-4f45-9708-019B960494DF}">
+                <a14:hiddenLine xmlns="" xmlns:a16="http://schemas.microsoft.com/office/drawing/2014/main" xmlns:p14="http://schemas.microsoft.com/office/powerpoint/2010/main" xmlns:a14="http://schemas.microsoft.com/office/drawing/2010/main" w="9525">
+                  <a:solidFill>
+                    <a:srgbClr val="000000"/>
+                  </a:solidFill>
+                  <a:round/>
+                  <a:headEnd/>
+                  <a:tailEnd/>
+                </a14:hiddenLine>
+              </a:ext>
+            </a:extLst>
+          </p:spPr>
+          <p:txBody>
+            <a:bodyPr/>
+            <a:lstStyle/>
+            <a:p>
+              <a:endParaRPr lang="en-IN"/>
+            </a:p>
+          </p:txBody>
+        </p:sp>
+        <p:sp>
+          <p:nvSpPr>
+            <p:cNvPr id="4139" name="Freeform 58">
+              <a:extLst>
+                <a:ext uri="{FF2B5EF4-FFF2-40B4-BE49-F238E27FC236}">
+                  <a16:creationId xmlns:a16="http://schemas.microsoft.com/office/drawing/2014/main" id="{266B426D-F5FB-456F-84B5-2DACFEA7AB68}"/>
+                </a:ext>
+                <a:ext uri="{C183D7F6-B498-43B3-948B-1728B52AA6E4}">
+                  <adec:decorative xmlns:adec="http://schemas.microsoft.com/office/drawing/2017/decorative" val="1"/>
+                </a:ext>
+              </a:extLst>
+            </p:cNvPr>
+            <p:cNvSpPr>
+              <a:spLocks noEditPoints="1"/>
+            </p:cNvSpPr>
+            <p:nvPr>
+              <p:extLst>
+                <p:ext uri="{386F3935-93C4-4BCD-93E2-E3B085C9AB24}">
+                  <p16:designElem xmlns:p16="http://schemas.microsoft.com/office/powerpoint/2015/main" val="1"/>
+                </p:ext>
+              </p:extLst>
+            </p:nvPr>
+          </p:nvSpPr>
+          <p:spPr bwMode="auto">
+            <a:xfrm>
+              <a:off x="633413" y="5103812"/>
+              <a:ext cx="185738" cy="185738"/>
+            </a:xfrm>
+            <a:custGeom>
+              <a:avLst/>
+              <a:gdLst/>
+              <a:ahLst/>
+              <a:cxnLst/>
+              <a:rect l="0" t="0" r="r" b="b"/>
+              <a:pathLst>
+                <a:path w="39" h="39">
+                  <a:moveTo>
+                    <a:pt x="20" y="39"/>
+                  </a:moveTo>
+                  <a:cubicBezTo>
+                    <a:pt x="9" y="39"/>
+                    <a:pt x="0" y="30"/>
+                    <a:pt x="0" y="19"/>
+                  </a:cubicBezTo>
+                  <a:cubicBezTo>
+                    <a:pt x="0" y="9"/>
+                    <a:pt x="9" y="0"/>
+                    <a:pt x="20" y="0"/>
+                  </a:cubicBezTo>
+                  <a:cubicBezTo>
+                    <a:pt x="30" y="0"/>
+                    <a:pt x="39" y="9"/>
+                    <a:pt x="39" y="19"/>
+                  </a:cubicBezTo>
+                  <a:cubicBezTo>
+                    <a:pt x="39" y="30"/>
+                    <a:pt x="30" y="39"/>
+                    <a:pt x="20" y="39"/>
+                  </a:cubicBezTo>
+                  <a:close/>
+                  <a:moveTo>
+                    <a:pt x="20" y="4"/>
+                  </a:moveTo>
+                  <a:cubicBezTo>
+                    <a:pt x="11" y="4"/>
+                    <a:pt x="4" y="11"/>
+                    <a:pt x="4" y="19"/>
+                  </a:cubicBezTo>
+                  <a:cubicBezTo>
+                    <a:pt x="4" y="28"/>
+                    <a:pt x="11" y="35"/>
+                    <a:pt x="20" y="35"/>
+                  </a:cubicBezTo>
+                  <a:cubicBezTo>
+                    <a:pt x="28" y="35"/>
+                    <a:pt x="35" y="28"/>
+                    <a:pt x="35" y="19"/>
+                  </a:cubicBezTo>
+                  <a:cubicBezTo>
+                    <a:pt x="35" y="11"/>
+                    <a:pt x="28" y="4"/>
+                    <a:pt x="20" y="4"/>
+                  </a:cubicBezTo>
+                  <a:close/>
+                </a:path>
+              </a:pathLst>
+            </a:custGeom>
+            <a:solidFill>
+              <a:srgbClr val="FFFFFF">
+                <a:alpha val="70000"/>
+              </a:srgbClr>
+            </a:solidFill>
+            <a:ln>
+              <a:noFill/>
+            </a:ln>
+            <a:extLst>
+              <a:ext uri="{91240B29-F687-4f45-9708-019B960494DF}">
+                <a14:hiddenLine xmlns="" xmlns:a16="http://schemas.microsoft.com/office/drawing/2014/main" xmlns:p14="http://schemas.microsoft.com/office/powerpoint/2010/main" xmlns:a14="http://schemas.microsoft.com/office/drawing/2010/main" w="9525">
+                  <a:solidFill>
+                    <a:srgbClr val="000000"/>
+                  </a:solidFill>
+                  <a:round/>
+                  <a:headEnd/>
+                  <a:tailEnd/>
+                </a14:hiddenLine>
+              </a:ext>
+            </a:extLst>
+          </p:spPr>
+          <p:txBody>
+            <a:bodyPr/>
+            <a:lstStyle/>
+            <a:p>
+              <a:endParaRPr lang="en-IN"/>
+            </a:p>
+          </p:txBody>
+        </p:sp>
+      </p:grpSp>
+      <p:sp>
+        <p:nvSpPr>
+          <p:cNvPr id="4141" name="Round Diagonal Corner Rectangle 6">
+            <a:extLst>
+              <a:ext uri="{FF2B5EF4-FFF2-40B4-BE49-F238E27FC236}">
+                <a16:creationId xmlns:a16="http://schemas.microsoft.com/office/drawing/2014/main" id="{083A6575-45DF-4CD7-8E7D-50E51B82D5C2}"/>
+              </a:ext>
+              <a:ext uri="{C183D7F6-B498-43B3-948B-1728B52AA6E4}">
+                <adec:decorative xmlns:adec="http://schemas.microsoft.com/office/drawing/2017/decorative" val="1"/>
+              </a:ext>
+            </a:extLst>
+          </p:cNvPr>
+          <p:cNvSpPr>
+            <a:spLocks noGrp="1" noRot="1" noChangeAspect="1" noMove="1" noResize="1" noEditPoints="1" noAdjustHandles="1" noChangeArrowheads="1" noChangeShapeType="1" noTextEdit="1"/>
+          </p:cNvSpPr>
+          <p:nvPr>
+            <p:extLst>
+              <p:ext uri="{386F3935-93C4-4BCD-93E2-E3B085C9AB24}">
+                <p16:designElem xmlns:p16="http://schemas.microsoft.com/office/powerpoint/2015/main" val="1"/>
+              </p:ext>
+            </p:extLst>
+          </p:nvPr>
+        </p:nvSpPr>
+        <p:spPr>
+          <a:xfrm>
+            <a:off x="2011680" y="808057"/>
+            <a:ext cx="9370695" cy="5234394"/>
+          </a:xfrm>
+          <a:prstGeom prst="round2DiagRect">
+            <a:avLst>
+              <a:gd name="adj1" fmla="val 6185"/>
+              <a:gd name="adj2" fmla="val 0"/>
+            </a:avLst>
+          </a:prstGeom>
+          <a:solidFill>
+            <a:srgbClr val="FFFFFF"/>
+          </a:solidFill>
+          <a:ln w="19050" cap="sq">
+            <a:solidFill>
+              <a:schemeClr val="tx2">
+                <a:lumMod val="60000"/>
+                <a:lumOff val="40000"/>
+                <a:alpha val="60000"/>
+              </a:schemeClr>
+            </a:solidFill>
+            <a:miter lim="800000"/>
+          </a:ln>
+          <a:effectLst>
+            <a:outerShdw blurRad="88900" dist="38100" dir="5400000" algn="t" rotWithShape="0">
+              <a:prstClr val="black">
+                <a:alpha val="40000"/>
+              </a:prstClr>
+            </a:outerShdw>
+          </a:effectLst>
+        </p:spPr>
+        <p:style>
+          <a:lnRef idx="2">
+            <a:schemeClr val="accent1">
+              <a:shade val="50000"/>
+            </a:schemeClr>
+          </a:lnRef>
+          <a:fillRef idx="1">
+            <a:schemeClr val="accent1"/>
+          </a:fillRef>
+          <a:effectRef idx="0">
+            <a:schemeClr val="accent1"/>
+          </a:effectRef>
+          <a:fontRef idx="minor">
+            <a:schemeClr val="lt1"/>
+          </a:fontRef>
+        </p:style>
+        <p:txBody>
+          <a:bodyPr rtlCol="0" anchor="ctr"/>
+          <a:lstStyle/>
+          <a:p>
+            <a:pPr algn="ctr"/>
+            <a:endParaRPr lang="en-US"/>
+          </a:p>
+        </p:txBody>
+      </p:sp>
+      <p:pic>
+        <p:nvPicPr>
+          <p:cNvPr id="4098" name="Picture 2" descr="Engineering Proceedings | Free Full-Text | Sensor-Based Gas Leakage Detector  System">
+            <a:extLst>
+              <a:ext uri="{FF2B5EF4-FFF2-40B4-BE49-F238E27FC236}">
+                <a16:creationId xmlns:a16="http://schemas.microsoft.com/office/drawing/2014/main" id="{F8A94E03-9B9B-6AB8-503D-1C7DE913778C}"/>
+              </a:ext>
+            </a:extLst>
+          </p:cNvPr>
+          <p:cNvPicPr>
+            <a:picLocks noChangeAspect="1" noChangeArrowheads="1"/>
+          </p:cNvPicPr>
+          <p:nvPr/>
+        </p:nvPicPr>
+        <p:blipFill>
+          <a:blip r:embed="rId3">
+            <a:extLst>
+              <a:ext uri="{28A0092B-C50C-407E-A947-70E740481C1C}">
+                <a14:useLocalDpi xmlns:a14="http://schemas.microsoft.com/office/drawing/2010/main" val="0"/>
+              </a:ext>
+            </a:extLst>
+          </a:blip>
+          <a:stretch>
+            <a:fillRect/>
+          </a:stretch>
+        </p:blipFill>
+        <p:spPr bwMode="auto">
+          <a:xfrm>
+            <a:off x="2333412" y="1233459"/>
+            <a:ext cx="8723567" cy="4383591"/>
+          </a:xfrm>
+          <a:prstGeom prst="rect">
+            <a:avLst/>
+          </a:prstGeom>
+          <a:noFill/>
+          <a:extLst>
+            <a:ext uri="{909E8E84-426E-40DD-AFC4-6F175D3DCCD1}">
+              <a14:hiddenFill xmlns:a14="http://schemas.microsoft.com/office/drawing/2010/main">
+                <a:solidFill>
+                  <a:srgbClr val="FFFFFF"/>
+                </a:solidFill>
+              </a14:hiddenFill>
+            </a:ext>
+          </a:extLst>
+        </p:spPr>
+      </p:pic>
+    </p:spTree>
+    <p:extLst>
+      <p:ext uri="{BB962C8B-B14F-4D97-AF65-F5344CB8AC3E}">
+        <p14:creationId xmlns:p14="http://schemas.microsoft.com/office/powerpoint/2010/main" val="2018996798"/>
+      </p:ext>
+    </p:extLst>
+  </p:cSld>
+  <p:clrMapOvr>
+    <a:masterClrMapping/>
+  </p:clrMapOvr>
+</p:sld>
+</file>
+
+<file path=ppt/slides/slide7.xml><?xml version="1.0" encoding="utf-8"?>
+<p:sld xmlns:a="http://schemas.openxmlformats.org/drawingml/2006/main" xmlns:r="http://schemas.openxmlformats.org/officeDocument/2006/relationships" xmlns:p="http://schemas.openxmlformats.org/presentationml/2006/main">
+  <p:cSld>
     <p:spTree>
       <p:nvGrpSpPr>
         <p:cNvPr id="1" name=""/>
@@ -13389,7 +21035,7 @@
 </p:sld>
 </file>
 
-<file path=ppt/slides/slide7.xml><?xml version="1.0" encoding="utf-8"?>
+<file path=ppt/slides/slide8.xml><?xml version="1.0" encoding="utf-8"?>
 <p:sld xmlns:a="http://schemas.openxmlformats.org/drawingml/2006/main" xmlns:r="http://schemas.openxmlformats.org/officeDocument/2006/relationships" xmlns:p="http://schemas.openxmlformats.org/presentationml/2006/main">
   <p:cSld>
     <p:spTree>
@@ -13541,7 +21187,7 @@
 </p:sld>
 </file>
 
-<file path=ppt/slides/slide8.xml><?xml version="1.0" encoding="utf-8"?>
+<file path=ppt/slides/slide9.xml><?xml version="1.0" encoding="utf-8"?>
 <p:sld xmlns:a="http://schemas.openxmlformats.org/drawingml/2006/main" xmlns:r="http://schemas.openxmlformats.org/officeDocument/2006/relationships" xmlns:p="http://schemas.openxmlformats.org/presentationml/2006/main">
   <p:cSld>
     <p:spTree>
@@ -13627,6 +21273,19 @@
                 <a:latin typeface="Cambria" panose="02040503050406030204" pitchFamily="18" charset="0"/>
                 <a:ea typeface="Cambria" panose="02040503050406030204" pitchFamily="18" charset="0"/>
               </a:rPr>
+              <a:t>Only LCD is not sufficient, that why we use buzzer it will alert the member in the house with sound.</a:t>
+            </a:r>
+          </a:p>
+          <a:p>
+            <a:pPr>
+              <a:buFont typeface="Wingdings" panose="05000000000000000000" pitchFamily="2" charset="2"/>
+              <a:buChar char="ü"/>
+            </a:pPr>
+            <a:r>
+              <a:rPr lang="en-IN" dirty="0">
+                <a:latin typeface="Cambria" panose="02040503050406030204" pitchFamily="18" charset="0"/>
+                <a:ea typeface="Cambria" panose="02040503050406030204" pitchFamily="18" charset="0"/>
+              </a:rPr>
               <a:t>The buzzer alarm is like the voice of our system. It makes noise to get our attention when there’s a problem.</a:t>
             </a:r>
           </a:p>
@@ -13640,7 +21299,7 @@
                 <a:latin typeface="Cambria" panose="02040503050406030204" pitchFamily="18" charset="0"/>
                 <a:ea typeface="Cambria" panose="02040503050406030204" pitchFamily="18" charset="0"/>
               </a:rPr>
-              <a:t>When the system detects a fire, the buzzer will make a loud, continuous sound. It’s like a siren that says “Hey, there’s a fire! Pay attention!”+07</a:t>
+              <a:t>When the system detects a fire, the buzzer will make a loud, continuous sound. It’s like a siren that says “Hey, there’s a fire! Pay attention!”.</a:t>
             </a:r>
           </a:p>
         </p:txBody>
